--- a/Barcode Reader Database.pptx
+++ b/Barcode Reader Database.pptx
@@ -15,16 +15,17 @@
     <p:sldId id="260" r:id="rId10"/>
     <p:sldId id="261" r:id="rId11"/>
     <p:sldId id="262" r:id="rId12"/>
+    <p:sldId id="263" r:id="rId13"/>
   </p:sldIdLst>
   <p:sldSz cy="5143500" cx="9144000"/>
   <p:notesSz cx="6858000" cy="9144000"/>
   <p:embeddedFontLst>
     <p:embeddedFont>
       <p:font typeface="Proxima Nova"/>
-      <p:regular r:id="rId13"/>
-      <p:bold r:id="rId14"/>
-      <p:italic r:id="rId15"/>
-      <p:boldItalic r:id="rId16"/>
+      <p:regular r:id="rId14"/>
+      <p:bold r:id="rId15"/>
+      <p:italic r:id="rId16"/>
+      <p:boldItalic r:id="rId17"/>
     </p:embeddedFont>
   </p:embeddedFontLst>
   <p:defaultTextStyle>
@@ -1017,7 +1018,7 @@
       </p:grpSpPr>
       <p:sp>
         <p:nvSpPr>
-          <p:cNvPr id="313" name="Google Shape;313;g9d32a4484b_0_1480:notes"/>
+          <p:cNvPr id="313" name="Google Shape;313;g9f79298aa6_0_13:notes"/>
           <p:cNvSpPr/>
           <p:nvPr>
             <p:ph idx="2" type="sldImg"/>
@@ -1052,7 +1053,7 @@
       </p:sp>
       <p:sp>
         <p:nvSpPr>
-          <p:cNvPr id="314" name="Google Shape;314;g9d32a4484b_0_1480:notes"/>
+          <p:cNvPr id="314" name="Google Shape;314;g9f79298aa6_0_13:notes"/>
           <p:cNvSpPr txBox="1"/>
           <p:nvPr>
             <p:ph idx="1" type="body"/>
@@ -1116,7 +1117,7 @@
       </p:grpSpPr>
       <p:sp>
         <p:nvSpPr>
-          <p:cNvPr id="319" name="Google Shape;319;g9d32a4484b_0_2364:notes"/>
+          <p:cNvPr id="319" name="Google Shape;319;g9d32a4484b_0_1480:notes"/>
           <p:cNvSpPr/>
           <p:nvPr>
             <p:ph idx="2" type="sldImg"/>
@@ -1151,7 +1152,7 @@
       </p:sp>
       <p:sp>
         <p:nvSpPr>
-          <p:cNvPr id="320" name="Google Shape;320;g9d32a4484b_0_2364:notes"/>
+          <p:cNvPr id="320" name="Google Shape;320;g9d32a4484b_0_1480:notes"/>
           <p:cNvSpPr txBox="1"/>
           <p:nvPr>
             <p:ph idx="1" type="body"/>
@@ -1215,7 +1216,7 @@
       </p:grpSpPr>
       <p:sp>
         <p:nvSpPr>
-          <p:cNvPr id="325" name="Google Shape;325;g9d32a4484b_0_3517:notes"/>
+          <p:cNvPr id="325" name="Google Shape;325;g9d32a4484b_0_2364:notes"/>
           <p:cNvSpPr/>
           <p:nvPr>
             <p:ph idx="2" type="sldImg"/>
@@ -1250,7 +1251,7 @@
       </p:sp>
       <p:sp>
         <p:nvSpPr>
-          <p:cNvPr id="326" name="Google Shape;326;g9d32a4484b_0_3517:notes"/>
+          <p:cNvPr id="326" name="Google Shape;326;g9d32a4484b_0_2364:notes"/>
           <p:cNvSpPr txBox="1"/>
           <p:nvPr>
             <p:ph idx="1" type="body"/>
@@ -1300,7 +1301,7 @@
   <p:cSld>
     <p:spTree>
       <p:nvGrpSpPr>
-        <p:cNvPr id="332" name="Shape 332"/>
+        <p:cNvPr id="330" name="Shape 330"/>
         <p:cNvGrpSpPr/>
         <p:nvPr/>
       </p:nvGrpSpPr>
@@ -1314,7 +1315,7 @@
       </p:grpSpPr>
       <p:sp>
         <p:nvSpPr>
-          <p:cNvPr id="333" name="Google Shape;333;g9d32a4484b_0_5694:notes"/>
+          <p:cNvPr id="331" name="Google Shape;331;g9d32a4484b_0_3517:notes"/>
           <p:cNvSpPr/>
           <p:nvPr>
             <p:ph idx="2" type="sldImg"/>
@@ -1349,7 +1350,106 @@
       </p:sp>
       <p:sp>
         <p:nvSpPr>
-          <p:cNvPr id="334" name="Google Shape;334;g9d32a4484b_0_5694:notes"/>
+          <p:cNvPr id="332" name="Google Shape;332;g9d32a4484b_0_3517:notes"/>
+          <p:cNvSpPr txBox="1"/>
+          <p:nvPr>
+            <p:ph idx="1" type="body"/>
+          </p:nvPr>
+        </p:nvSpPr>
+        <p:spPr>
+          <a:xfrm>
+            <a:off x="685800" y="4343400"/>
+            <a:ext cx="5486400" cy="4114800"/>
+          </a:xfrm>
+          <a:prstGeom prst="rect">
+            <a:avLst/>
+          </a:prstGeom>
+        </p:spPr>
+        <p:txBody>
+          <a:bodyPr anchorCtr="0" anchor="t" bIns="91425" lIns="91425" spcFirstLastPara="1" rIns="91425" wrap="square" tIns="91425">
+            <a:noAutofit/>
+          </a:bodyPr>
+          <a:lstStyle/>
+          <a:p>
+            <a:pPr indent="0" lvl="0" marL="0" rtl="0" algn="l">
+              <a:spcBef>
+                <a:spcPts val="0"/>
+              </a:spcBef>
+              <a:spcAft>
+                <a:spcPts val="0"/>
+              </a:spcAft>
+              <a:buNone/>
+            </a:pPr>
+            <a:r>
+              <a:t/>
+            </a:r>
+            <a:endParaRPr/>
+          </a:p>
+        </p:txBody>
+      </p:sp>
+    </p:spTree>
+  </p:cSld>
+  <p:clrMapOvr>
+    <a:masterClrMapping/>
+  </p:clrMapOvr>
+</p:notes>
+</file>
+
+<file path=ppt/notesSlides/notesSlide8.xml><?xml version="1.0" encoding="utf-8"?>
+<p:notes xmlns:a="http://schemas.openxmlformats.org/drawingml/2006/main" xmlns:r="http://schemas.openxmlformats.org/officeDocument/2006/relationships" xmlns:mc="http://schemas.openxmlformats.org/markup-compatibility/2006" xmlns:mv="urn:schemas-microsoft-com:mac:vml" xmlns:p="http://schemas.openxmlformats.org/presentationml/2006/main" xmlns:c="http://schemas.openxmlformats.org/drawingml/2006/chart" xmlns:dgm="http://schemas.openxmlformats.org/drawingml/2006/diagram" xmlns:o="urn:schemas-microsoft-com:office:office" xmlns:v="urn:schemas-microsoft-com:vml" xmlns:pvml="urn:schemas-microsoft-com:office:powerpoint" xmlns:com="http://schemas.openxmlformats.org/drawingml/2006/compatibility" xmlns:p14="http://schemas.microsoft.com/office/powerpoint/2010/main" xmlns:p15="http://schemas.microsoft.com/office/powerpoint/2012/main" xmlns:ahyp="http://schemas.microsoft.com/office/drawing/2018/hyperlinkcolor" showMasterPhAnim="0" showMasterSp="0">
+  <p:cSld>
+    <p:spTree>
+      <p:nvGrpSpPr>
+        <p:cNvPr id="338" name="Shape 338"/>
+        <p:cNvGrpSpPr/>
+        <p:nvPr/>
+      </p:nvGrpSpPr>
+      <p:grpSpPr>
+        <a:xfrm>
+          <a:off x="0" y="0"/>
+          <a:ext cx="0" cy="0"/>
+          <a:chOff x="0" y="0"/>
+          <a:chExt cx="0" cy="0"/>
+        </a:xfrm>
+      </p:grpSpPr>
+      <p:sp>
+        <p:nvSpPr>
+          <p:cNvPr id="339" name="Google Shape;339;g9d32a4484b_0_5694:notes"/>
+          <p:cNvSpPr/>
+          <p:nvPr>
+            <p:ph idx="2" type="sldImg"/>
+          </p:nvPr>
+        </p:nvSpPr>
+        <p:spPr>
+          <a:xfrm>
+            <a:off x="381300" y="685800"/>
+            <a:ext cx="6096000" cy="3429000"/>
+          </a:xfrm>
+          <a:custGeom>
+            <a:rect b="b" l="l" r="r" t="t"/>
+            <a:pathLst>
+              <a:path extrusionOk="0" h="120000" w="120000">
+                <a:moveTo>
+                  <a:pt x="0" y="0"/>
+                </a:moveTo>
+                <a:lnTo>
+                  <a:pt x="120000" y="0"/>
+                </a:lnTo>
+                <a:lnTo>
+                  <a:pt x="120000" y="120000"/>
+                </a:lnTo>
+                <a:lnTo>
+                  <a:pt x="0" y="120000"/>
+                </a:lnTo>
+                <a:close/>
+              </a:path>
+            </a:pathLst>
+          </a:custGeom>
+        </p:spPr>
+      </p:sp>
+      <p:sp>
+        <p:nvSpPr>
+          <p:cNvPr id="340" name="Google Shape;340;g9d32a4484b_0_5694:notes"/>
           <p:cNvSpPr txBox="1"/>
           <p:nvPr>
             <p:ph idx="1" type="body"/>
@@ -18721,7 +18821,88 @@
                 <a:cs typeface="Proxima Nova"/>
                 <a:sym typeface="Proxima Nova"/>
               </a:rPr>
-              <a:t>Admin will be able to update,delete and/or add product to the inventory</a:t>
+              <a:t>Admin </a:t>
+            </a:r>
+            <a:r>
+              <a:rPr lang="en" sz="1700">
+                <a:latin typeface="Proxima Nova"/>
+                <a:ea typeface="Proxima Nova"/>
+                <a:cs typeface="Proxima Nova"/>
+                <a:sym typeface="Proxima Nova"/>
+              </a:rPr>
+              <a:t>Can Update Inventory Product Amounts</a:t>
+            </a:r>
+            <a:r>
+              <a:rPr lang="en" sz="1700">
+                <a:latin typeface="Proxima Nova"/>
+                <a:ea typeface="Proxima Nova"/>
+                <a:cs typeface="Proxima Nova"/>
+                <a:sym typeface="Proxima Nova"/>
+              </a:rPr>
+              <a:t>, Add New Products,</a:t>
+            </a:r>
+            <a:endParaRPr sz="1700">
+              <a:latin typeface="Proxima Nova"/>
+              <a:ea typeface="Proxima Nova"/>
+              <a:cs typeface="Proxima Nova"/>
+              <a:sym typeface="Proxima Nova"/>
+            </a:endParaRPr>
+          </a:p>
+          <a:p>
+            <a:pPr indent="0" lvl="0" marL="457200" rtl="0" algn="l">
+              <a:spcBef>
+                <a:spcPts val="0"/>
+              </a:spcBef>
+              <a:spcAft>
+                <a:spcPts val="0"/>
+              </a:spcAft>
+              <a:buNone/>
+            </a:pPr>
+            <a:r>
+              <a:rPr lang="en" sz="1700">
+                <a:latin typeface="Proxima Nova"/>
+                <a:ea typeface="Proxima Nova"/>
+                <a:cs typeface="Proxima Nova"/>
+                <a:sym typeface="Proxima Nova"/>
+              </a:rPr>
+              <a:t>Or </a:t>
+            </a:r>
+            <a:r>
+              <a:rPr lang="en" sz="1700">
+                <a:latin typeface="Proxima Nova"/>
+                <a:ea typeface="Proxima Nova"/>
+                <a:cs typeface="Proxima Nova"/>
+                <a:sym typeface="Proxima Nova"/>
+              </a:rPr>
+              <a:t>Delete Existing Products</a:t>
+            </a:r>
+            <a:endParaRPr sz="1700">
+              <a:latin typeface="Proxima Nova"/>
+              <a:ea typeface="Proxima Nova"/>
+              <a:cs typeface="Proxima Nova"/>
+              <a:sym typeface="Proxima Nova"/>
+            </a:endParaRPr>
+          </a:p>
+          <a:p>
+            <a:pPr indent="-336550" lvl="0" marL="457200" rtl="0" algn="l">
+              <a:spcBef>
+                <a:spcPts val="0"/>
+              </a:spcBef>
+              <a:spcAft>
+                <a:spcPts val="0"/>
+              </a:spcAft>
+              <a:buSzPts val="1700"/>
+              <a:buFont typeface="Proxima Nova"/>
+              <a:buChar char="●"/>
+            </a:pPr>
+            <a:r>
+              <a:rPr lang="en" sz="1700">
+                <a:latin typeface="Proxima Nova"/>
+                <a:ea typeface="Proxima Nova"/>
+                <a:cs typeface="Proxima Nova"/>
+                <a:sym typeface="Proxima Nova"/>
+              </a:rPr>
+              <a:t>Clerk Can Update Inventory Product Amounts or Lookup Unit Price</a:t>
             </a:r>
             <a:endParaRPr sz="1700">
               <a:latin typeface="Proxima Nova"/>
@@ -18892,7 +19073,23 @@
             </a:pPr>
             <a:r>
               <a:rPr lang="en"/>
-              <a:t>Most Important User-cases</a:t>
+              <a:t>Use-case</a:t>
+            </a:r>
+            <a:endParaRPr/>
+          </a:p>
+          <a:p>
+            <a:pPr indent="0" lvl="0" marL="0" rtl="0" algn="l">
+              <a:spcBef>
+                <a:spcPts val="0"/>
+              </a:spcBef>
+              <a:spcAft>
+                <a:spcPts val="0"/>
+              </a:spcAft>
+              <a:buNone/>
+            </a:pPr>
+            <a:r>
+              <a:rPr lang="en"/>
+              <a:t>Details</a:t>
             </a:r>
             <a:endParaRPr/>
           </a:p>
@@ -18906,8 +19103,8 @@
         </p:nvSpPr>
         <p:spPr>
           <a:xfrm>
-            <a:off x="2425400" y="1686625"/>
-            <a:ext cx="6481500" cy="3192000"/>
+            <a:off x="2425400" y="352000"/>
+            <a:ext cx="6481500" cy="4526700"/>
           </a:xfrm>
           <a:prstGeom prst="rect">
             <a:avLst/>
@@ -18939,7 +19136,16 @@
                 <a:cs typeface="Proxima Nova"/>
                 <a:sym typeface="Proxima Nova"/>
               </a:rPr>
-              <a:t>Inventory Clerk Use Cases:</a:t>
+              <a:t>Admin and Inventory Clerk</a:t>
+            </a:r>
+            <a:r>
+              <a:rPr lang="en" sz="1600">
+                <a:latin typeface="Proxima Nova"/>
+                <a:ea typeface="Proxima Nova"/>
+                <a:cs typeface="Proxima Nova"/>
+                <a:sym typeface="Proxima Nova"/>
+              </a:rPr>
+              <a:t> Use Cases:</a:t>
             </a:r>
             <a:endParaRPr sz="1600">
               <a:latin typeface="Proxima Nova"/>
@@ -18967,35 +19173,7 @@
                 <a:cs typeface="Proxima Nova"/>
                 <a:sym typeface="Proxima Nova"/>
               </a:rPr>
-              <a:t>Scans the products</a:t>
-            </a:r>
-            <a:endParaRPr sz="1600">
-              <a:latin typeface="Proxima Nova"/>
-              <a:ea typeface="Proxima Nova"/>
-              <a:cs typeface="Proxima Nova"/>
-              <a:sym typeface="Proxima Nova"/>
-            </a:endParaRPr>
-          </a:p>
-          <a:p>
-            <a:pPr indent="-330200" lvl="0" marL="457200" rtl="0" algn="l">
-              <a:spcBef>
-                <a:spcPts val="0"/>
-              </a:spcBef>
-              <a:spcAft>
-                <a:spcPts val="0"/>
-              </a:spcAft>
-              <a:buSzPts val="1600"/>
-              <a:buFont typeface="Proxima Nova"/>
-              <a:buChar char="●"/>
-            </a:pPr>
-            <a:r>
-              <a:rPr lang="en" sz="1600">
-                <a:latin typeface="Proxima Nova"/>
-                <a:ea typeface="Proxima Nova"/>
-                <a:cs typeface="Proxima Nova"/>
-                <a:sym typeface="Proxima Nova"/>
-              </a:rPr>
-              <a:t>lookUpItem</a:t>
+              <a:t>Look Up Item</a:t>
             </a:r>
             <a:endParaRPr sz="1600">
               <a:latin typeface="Proxima Nova"/>
@@ -19041,7 +19219,16 @@
                 <a:cs typeface="Proxima Nova"/>
                 <a:sym typeface="Proxima Nova"/>
               </a:rPr>
-              <a:t>: Open Application/Click Scan Button</a:t>
+              <a:t>: Click </a:t>
+            </a:r>
+            <a:r>
+              <a:rPr lang="en" sz="1600">
+                <a:latin typeface="Proxima Nova"/>
+                <a:ea typeface="Proxima Nova"/>
+                <a:cs typeface="Proxima Nova"/>
+                <a:sym typeface="Proxima Nova"/>
+              </a:rPr>
+              <a:t>Look Up Item</a:t>
             </a:r>
             <a:endParaRPr sz="1600">
               <a:latin typeface="Proxima Nova"/>
@@ -19097,7 +19284,72 @@
                 <a:cs typeface="Proxima Nova"/>
                 <a:sym typeface="Proxima Nova"/>
               </a:rPr>
-              <a:t>Display Price</a:t>
+              <a:t>Select Price or Inventory</a:t>
+            </a:r>
+            <a:endParaRPr sz="1600">
+              <a:latin typeface="Proxima Nova"/>
+              <a:ea typeface="Proxima Nova"/>
+              <a:cs typeface="Proxima Nova"/>
+              <a:sym typeface="Proxima Nova"/>
+            </a:endParaRPr>
+          </a:p>
+          <a:p>
+            <a:pPr indent="-330200" lvl="1" marL="914400" rtl="0" algn="l">
+              <a:spcBef>
+                <a:spcPts val="0"/>
+              </a:spcBef>
+              <a:spcAft>
+                <a:spcPts val="0"/>
+              </a:spcAft>
+              <a:buSzPts val="1600"/>
+              <a:buFont typeface="Proxima Nova"/>
+              <a:buChar char="○"/>
+            </a:pPr>
+            <a:r>
+              <a:rPr lang="en" sz="1600">
+                <a:latin typeface="Proxima Nova"/>
+                <a:ea typeface="Proxima Nova"/>
+                <a:cs typeface="Proxima Nova"/>
+                <a:sym typeface="Proxima Nova"/>
+              </a:rPr>
+              <a:t>Display Price </a:t>
+            </a:r>
+            <a:r>
+              <a:rPr lang="en" sz="1600">
+                <a:latin typeface="Proxima Nova"/>
+                <a:ea typeface="Proxima Nova"/>
+                <a:cs typeface="Proxima Nova"/>
+                <a:sym typeface="Proxima Nova"/>
+              </a:rPr>
+              <a:t>or Inventory From Database</a:t>
+            </a:r>
+            <a:endParaRPr sz="1600">
+              <a:latin typeface="Proxima Nova"/>
+              <a:ea typeface="Proxima Nova"/>
+              <a:cs typeface="Proxima Nova"/>
+              <a:sym typeface="Proxima Nova"/>
+            </a:endParaRPr>
+          </a:p>
+          <a:p>
+            <a:pPr indent="-330200" lvl="1" marL="914400" rtl="0" algn="l">
+              <a:spcBef>
+                <a:spcPts val="0"/>
+              </a:spcBef>
+              <a:spcAft>
+                <a:spcPts val="0"/>
+              </a:spcAft>
+              <a:buSzPts val="1600"/>
+              <a:buFont typeface="Proxima Nova"/>
+              <a:buChar char="○"/>
+            </a:pPr>
+            <a:r>
+              <a:rPr lang="en" sz="1600">
+                <a:latin typeface="Proxima Nova"/>
+                <a:ea typeface="Proxima Nova"/>
+                <a:cs typeface="Proxima Nova"/>
+                <a:sym typeface="Proxima Nova"/>
+              </a:rPr>
+              <a:t>Exit Condition: Click Exit</a:t>
             </a:r>
             <a:endParaRPr sz="1600">
               <a:latin typeface="Proxima Nova"/>
@@ -19125,7 +19377,25 @@
                 <a:cs typeface="Proxima Nova"/>
                 <a:sym typeface="Proxima Nova"/>
               </a:rPr>
-              <a:t>Remove/add inventory</a:t>
+              <a:t>Manage I</a:t>
+            </a:r>
+            <a:r>
+              <a:rPr lang="en" sz="1600">
+                <a:latin typeface="Proxima Nova"/>
+                <a:ea typeface="Proxima Nova"/>
+                <a:cs typeface="Proxima Nova"/>
+                <a:sym typeface="Proxima Nova"/>
+              </a:rPr>
+              <a:t>nventory</a:t>
+            </a:r>
+            <a:r>
+              <a:rPr lang="en" sz="1600">
+                <a:latin typeface="Proxima Nova"/>
+                <a:ea typeface="Proxima Nova"/>
+                <a:cs typeface="Proxima Nova"/>
+                <a:sym typeface="Proxima Nova"/>
+              </a:rPr>
+              <a:t> </a:t>
             </a:r>
             <a:endParaRPr sz="1600">
               <a:latin typeface="Proxima Nova"/>
@@ -19135,17 +19405,25 @@
             </a:endParaRPr>
           </a:p>
           <a:p>
-            <a:pPr indent="0" lvl="0" marL="0" rtl="0" algn="l">
-              <a:spcBef>
-                <a:spcPts val="0"/>
-              </a:spcBef>
-              <a:spcAft>
-                <a:spcPts val="0"/>
-              </a:spcAft>
-              <a:buNone/>
+            <a:pPr indent="-330200" lvl="1" marL="914400" rtl="0" algn="l">
+              <a:spcBef>
+                <a:spcPts val="0"/>
+              </a:spcBef>
+              <a:spcAft>
+                <a:spcPts val="0"/>
+              </a:spcAft>
+              <a:buSzPts val="1600"/>
+              <a:buFont typeface="Proxima Nova"/>
+              <a:buChar char="○"/>
             </a:pPr>
             <a:r>
-              <a:t/>
+              <a:rPr lang="en" sz="1600">
+                <a:latin typeface="Proxima Nova"/>
+                <a:ea typeface="Proxima Nova"/>
+                <a:cs typeface="Proxima Nova"/>
+                <a:sym typeface="Proxima Nova"/>
+              </a:rPr>
+              <a:t>Entry Condition: Click Manage Inventory</a:t>
             </a:r>
             <a:endParaRPr sz="1600">
               <a:latin typeface="Proxima Nova"/>
@@ -19155,17 +19433,25 @@
             </a:endParaRPr>
           </a:p>
           <a:p>
-            <a:pPr indent="0" lvl="0" marL="0" rtl="0" algn="l">
-              <a:spcBef>
-                <a:spcPts val="0"/>
-              </a:spcBef>
-              <a:spcAft>
-                <a:spcPts val="0"/>
-              </a:spcAft>
-              <a:buNone/>
+            <a:pPr indent="-330200" lvl="1" marL="914400" rtl="0" algn="l">
+              <a:spcBef>
+                <a:spcPts val="0"/>
+              </a:spcBef>
+              <a:spcAft>
+                <a:spcPts val="0"/>
+              </a:spcAft>
+              <a:buSzPts val="1600"/>
+              <a:buFont typeface="Proxima Nova"/>
+              <a:buChar char="○"/>
             </a:pPr>
             <a:r>
-              <a:t/>
+              <a:rPr lang="en" sz="1600">
+                <a:latin typeface="Proxima Nova"/>
+                <a:ea typeface="Proxima Nova"/>
+                <a:cs typeface="Proxima Nova"/>
+                <a:sym typeface="Proxima Nova"/>
+              </a:rPr>
+              <a:t>Scan Item</a:t>
             </a:r>
             <a:endParaRPr sz="1600">
               <a:latin typeface="Proxima Nova"/>
@@ -19175,14 +19461,16 @@
             </a:endParaRPr>
           </a:p>
           <a:p>
-            <a:pPr indent="0" lvl="0" marL="0" rtl="0" algn="l">
-              <a:spcBef>
-                <a:spcPts val="0"/>
-              </a:spcBef>
-              <a:spcAft>
-                <a:spcPts val="0"/>
-              </a:spcAft>
-              <a:buNone/>
+            <a:pPr indent="-330200" lvl="1" marL="914400" rtl="0" algn="l">
+              <a:spcBef>
+                <a:spcPts val="0"/>
+              </a:spcBef>
+              <a:spcAft>
+                <a:spcPts val="0"/>
+              </a:spcAft>
+              <a:buSzPts val="1600"/>
+              <a:buFont typeface="Proxima Nova"/>
+              <a:buChar char="○"/>
             </a:pPr>
             <a:r>
               <a:rPr lang="en" sz="1600">
@@ -19191,7 +19479,91 @@
                 <a:cs typeface="Proxima Nova"/>
                 <a:sym typeface="Proxima Nova"/>
               </a:rPr>
-              <a:t>Admin Use Cases:</a:t>
+              <a:t>Select Add or Remove</a:t>
+            </a:r>
+            <a:endParaRPr sz="1600">
+              <a:latin typeface="Proxima Nova"/>
+              <a:ea typeface="Proxima Nova"/>
+              <a:cs typeface="Proxima Nova"/>
+              <a:sym typeface="Proxima Nova"/>
+            </a:endParaRPr>
+          </a:p>
+          <a:p>
+            <a:pPr indent="-330200" lvl="1" marL="914400" rtl="0" algn="l">
+              <a:spcBef>
+                <a:spcPts val="0"/>
+              </a:spcBef>
+              <a:spcAft>
+                <a:spcPts val="0"/>
+              </a:spcAft>
+              <a:buSzPts val="1600"/>
+              <a:buFont typeface="Proxima Nova"/>
+              <a:buChar char="○"/>
+            </a:pPr>
+            <a:r>
+              <a:rPr lang="en" sz="1600">
+                <a:latin typeface="Proxima Nova"/>
+                <a:ea typeface="Proxima Nova"/>
+                <a:cs typeface="Proxima Nova"/>
+                <a:sym typeface="Proxima Nova"/>
+              </a:rPr>
+              <a:t>Enter Amount to be Added or Removed</a:t>
+            </a:r>
+            <a:endParaRPr sz="1600">
+              <a:latin typeface="Proxima Nova"/>
+              <a:ea typeface="Proxima Nova"/>
+              <a:cs typeface="Proxima Nova"/>
+              <a:sym typeface="Proxima Nova"/>
+            </a:endParaRPr>
+          </a:p>
+          <a:p>
+            <a:pPr indent="-330200" lvl="1" marL="914400" rtl="0" algn="l">
+              <a:spcBef>
+                <a:spcPts val="0"/>
+              </a:spcBef>
+              <a:spcAft>
+                <a:spcPts val="0"/>
+              </a:spcAft>
+              <a:buSzPts val="1600"/>
+              <a:buFont typeface="Proxima Nova"/>
+              <a:buChar char="○"/>
+            </a:pPr>
+            <a:r>
+              <a:rPr lang="en" sz="1600">
+                <a:latin typeface="Proxima Nova"/>
+                <a:ea typeface="Proxima Nova"/>
+                <a:cs typeface="Proxima Nova"/>
+                <a:sym typeface="Proxima Nova"/>
+              </a:rPr>
+              <a:t>Edit Inventory Amount in Database</a:t>
+            </a:r>
+            <a:endParaRPr sz="1600">
+              <a:latin typeface="Proxima Nova"/>
+              <a:ea typeface="Proxima Nova"/>
+              <a:cs typeface="Proxima Nova"/>
+              <a:sym typeface="Proxima Nova"/>
+            </a:endParaRPr>
+          </a:p>
+          <a:p>
+            <a:pPr indent="-330200" lvl="1" marL="914400" rtl="0" algn="l">
+              <a:spcBef>
+                <a:spcPts val="0"/>
+              </a:spcBef>
+              <a:spcAft>
+                <a:spcPts val="0"/>
+              </a:spcAft>
+              <a:buSzPts val="1600"/>
+              <a:buFont typeface="Proxima Nova"/>
+              <a:buChar char="○"/>
+            </a:pPr>
+            <a:r>
+              <a:rPr lang="en" sz="1600">
+                <a:latin typeface="Proxima Nova"/>
+                <a:ea typeface="Proxima Nova"/>
+                <a:cs typeface="Proxima Nova"/>
+                <a:sym typeface="Proxima Nova"/>
+              </a:rPr>
+              <a:t>Exit Condition: Click Done</a:t>
             </a:r>
             <a:endParaRPr sz="1600">
               <a:latin typeface="Proxima Nova"/>
@@ -19219,7 +19591,7 @@
                 <a:cs typeface="Proxima Nova"/>
                 <a:sym typeface="Proxima Nova"/>
               </a:rPr>
-              <a:t>Updates, adds, and/or removes product from database</a:t>
+              <a:t>Scanning</a:t>
             </a:r>
             <a:endParaRPr sz="1600">
               <a:latin typeface="Proxima Nova"/>
@@ -19229,7 +19601,7 @@
             </a:endParaRPr>
           </a:p>
           <a:p>
-            <a:pPr indent="-330200" lvl="0" marL="457200" rtl="0" algn="l">
+            <a:pPr indent="-330200" lvl="1" marL="914400" rtl="0" algn="l">
               <a:spcBef>
                 <a:spcPts val="0"/>
               </a:spcBef>
@@ -19238,7 +19610,7 @@
               </a:spcAft>
               <a:buSzPts val="1600"/>
               <a:buFont typeface="Proxima Nova"/>
-              <a:buChar char="●"/>
+              <a:buChar char="○"/>
             </a:pPr>
             <a:r>
               <a:rPr lang="en" sz="1600">
@@ -19247,7 +19619,63 @@
                 <a:cs typeface="Proxima Nova"/>
                 <a:sym typeface="Proxima Nova"/>
               </a:rPr>
-              <a:t>Displays inventory</a:t>
+              <a:t>Entry Condition: Manage Inventory Scan/Look Up Item Scan</a:t>
+            </a:r>
+            <a:endParaRPr sz="1600">
+              <a:latin typeface="Proxima Nova"/>
+              <a:ea typeface="Proxima Nova"/>
+              <a:cs typeface="Proxima Nova"/>
+              <a:sym typeface="Proxima Nova"/>
+            </a:endParaRPr>
+          </a:p>
+          <a:p>
+            <a:pPr indent="-330200" lvl="1" marL="914400" rtl="0" algn="l">
+              <a:spcBef>
+                <a:spcPts val="0"/>
+              </a:spcBef>
+              <a:spcAft>
+                <a:spcPts val="0"/>
+              </a:spcAft>
+              <a:buSzPts val="1600"/>
+              <a:buFont typeface="Proxima Nova"/>
+              <a:buChar char="○"/>
+            </a:pPr>
+            <a:r>
+              <a:rPr lang="en" sz="1600">
+                <a:latin typeface="Proxima Nova"/>
+                <a:ea typeface="Proxima Nova"/>
+                <a:cs typeface="Proxima Nova"/>
+                <a:sym typeface="Proxima Nova"/>
+              </a:rPr>
+              <a:t>Scan Item</a:t>
+            </a:r>
+            <a:endParaRPr sz="1600">
+              <a:latin typeface="Proxima Nova"/>
+              <a:ea typeface="Proxima Nova"/>
+              <a:cs typeface="Proxima Nova"/>
+              <a:sym typeface="Proxima Nova"/>
+            </a:endParaRPr>
+          </a:p>
+          <a:p>
+            <a:pPr indent="-330200" lvl="1" marL="914400" rtl="0" algn="l">
+              <a:spcBef>
+                <a:spcPts val="0"/>
+              </a:spcBef>
+              <a:spcAft>
+                <a:spcPts val="0"/>
+              </a:spcAft>
+              <a:buSzPts val="1600"/>
+              <a:buFont typeface="Proxima Nova"/>
+              <a:buChar char="○"/>
+            </a:pPr>
+            <a:r>
+              <a:rPr lang="en" sz="1600">
+                <a:latin typeface="Proxima Nova"/>
+                <a:ea typeface="Proxima Nova"/>
+                <a:cs typeface="Proxima Nova"/>
+                <a:sym typeface="Proxima Nova"/>
+              </a:rPr>
+              <a:t>Exit Condition: Item Scanned</a:t>
             </a:r>
             <a:endParaRPr sz="1600">
               <a:latin typeface="Proxima Nova"/>
@@ -19317,30 +19745,54 @@
             </a:pPr>
             <a:r>
               <a:rPr lang="en"/>
-              <a:t>Use-case Diagram</a:t>
+              <a:t>Use-Case</a:t>
+            </a:r>
+            <a:endParaRPr/>
+          </a:p>
+          <a:p>
+            <a:pPr indent="0" lvl="0" marL="0" rtl="0" algn="l">
+              <a:spcBef>
+                <a:spcPts val="0"/>
+              </a:spcBef>
+              <a:spcAft>
+                <a:spcPts val="0"/>
+              </a:spcAft>
+              <a:buNone/>
+            </a:pPr>
+            <a:r>
+              <a:rPr lang="en"/>
+              <a:t>Details</a:t>
+            </a:r>
+            <a:endParaRPr/>
+          </a:p>
+          <a:p>
+            <a:pPr indent="0" lvl="0" marL="0" rtl="0" algn="l">
+              <a:spcBef>
+                <a:spcPts val="0"/>
+              </a:spcBef>
+              <a:spcAft>
+                <a:spcPts val="0"/>
+              </a:spcAft>
+              <a:buNone/>
+            </a:pPr>
+            <a:r>
+              <a:rPr lang="en"/>
+              <a:t>Cont.</a:t>
             </a:r>
             <a:endParaRPr/>
           </a:p>
         </p:txBody>
       </p:sp>
-      <p:pic>
-        <p:nvPicPr>
+      <p:sp>
+        <p:nvSpPr>
           <p:cNvPr id="317" name="Google Shape;317;p20"/>
-          <p:cNvPicPr preferRelativeResize="0"/>
+          <p:cNvSpPr txBox="1"/>
           <p:nvPr/>
-        </p:nvPicPr>
-        <p:blipFill>
-          <a:blip r:embed="rId3">
-            <a:alphaModFix/>
-          </a:blip>
-          <a:stretch>
-            <a:fillRect/>
-          </a:stretch>
-        </p:blipFill>
+        </p:nvSpPr>
         <p:spPr>
           <a:xfrm>
-            <a:off x="1928950" y="0"/>
-            <a:ext cx="7215048" cy="5143498"/>
+            <a:off x="2307150" y="0"/>
+            <a:ext cx="6837000" cy="5143500"/>
           </a:xfrm>
           <a:prstGeom prst="rect">
             <a:avLst/>
@@ -19350,7 +19802,609 @@
             <a:noFill/>
           </a:ln>
         </p:spPr>
-      </p:pic>
+        <p:txBody>
+          <a:bodyPr anchorCtr="0" anchor="t" bIns="91425" lIns="91425" spcFirstLastPara="1" rIns="91425" wrap="square" tIns="91425">
+            <a:noAutofit/>
+          </a:bodyPr>
+          <a:lstStyle/>
+          <a:p>
+            <a:pPr indent="0" lvl="0" marL="0" rtl="0" algn="l">
+              <a:spcBef>
+                <a:spcPts val="0"/>
+              </a:spcBef>
+              <a:spcAft>
+                <a:spcPts val="0"/>
+              </a:spcAft>
+              <a:buNone/>
+            </a:pPr>
+            <a:r>
+              <a:rPr lang="en" sz="1600">
+                <a:latin typeface="Proxima Nova"/>
+                <a:ea typeface="Proxima Nova"/>
+                <a:cs typeface="Proxima Nova"/>
+                <a:sym typeface="Proxima Nova"/>
+              </a:rPr>
+              <a:t>Admin Only Use Cases:</a:t>
+            </a:r>
+            <a:endParaRPr sz="1600">
+              <a:latin typeface="Proxima Nova"/>
+              <a:ea typeface="Proxima Nova"/>
+              <a:cs typeface="Proxima Nova"/>
+              <a:sym typeface="Proxima Nova"/>
+            </a:endParaRPr>
+          </a:p>
+          <a:p>
+            <a:pPr indent="-330200" lvl="0" marL="457200" rtl="0" algn="l">
+              <a:spcBef>
+                <a:spcPts val="0"/>
+              </a:spcBef>
+              <a:spcAft>
+                <a:spcPts val="0"/>
+              </a:spcAft>
+              <a:buSzPts val="1600"/>
+              <a:buFont typeface="Proxima Nova"/>
+              <a:buChar char="●"/>
+            </a:pPr>
+            <a:r>
+              <a:rPr lang="en" sz="1600">
+                <a:latin typeface="Proxima Nova"/>
+                <a:ea typeface="Proxima Nova"/>
+                <a:cs typeface="Proxima Nova"/>
+                <a:sym typeface="Proxima Nova"/>
+              </a:rPr>
+              <a:t>Update Price</a:t>
+            </a:r>
+            <a:endParaRPr sz="1600">
+              <a:latin typeface="Proxima Nova"/>
+              <a:ea typeface="Proxima Nova"/>
+              <a:cs typeface="Proxima Nova"/>
+              <a:sym typeface="Proxima Nova"/>
+            </a:endParaRPr>
+          </a:p>
+          <a:p>
+            <a:pPr indent="-330200" lvl="1" marL="914400" rtl="0" algn="l">
+              <a:spcBef>
+                <a:spcPts val="0"/>
+              </a:spcBef>
+              <a:spcAft>
+                <a:spcPts val="0"/>
+              </a:spcAft>
+              <a:buSzPts val="1600"/>
+              <a:buFont typeface="Proxima Nova"/>
+              <a:buChar char="○"/>
+            </a:pPr>
+            <a:r>
+              <a:rPr lang="en" sz="1600">
+                <a:latin typeface="Proxima Nova"/>
+                <a:ea typeface="Proxima Nova"/>
+                <a:cs typeface="Proxima Nova"/>
+                <a:sym typeface="Proxima Nova"/>
+              </a:rPr>
+              <a:t>Entry Condition: Click Update Price</a:t>
+            </a:r>
+            <a:endParaRPr sz="1600">
+              <a:latin typeface="Proxima Nova"/>
+              <a:ea typeface="Proxima Nova"/>
+              <a:cs typeface="Proxima Nova"/>
+              <a:sym typeface="Proxima Nova"/>
+            </a:endParaRPr>
+          </a:p>
+          <a:p>
+            <a:pPr indent="-330200" lvl="1" marL="914400" rtl="0" algn="l">
+              <a:spcBef>
+                <a:spcPts val="0"/>
+              </a:spcBef>
+              <a:spcAft>
+                <a:spcPts val="0"/>
+              </a:spcAft>
+              <a:buSzPts val="1600"/>
+              <a:buFont typeface="Proxima Nova"/>
+              <a:buChar char="○"/>
+            </a:pPr>
+            <a:r>
+              <a:rPr lang="en" sz="1600">
+                <a:latin typeface="Proxima Nova"/>
+                <a:ea typeface="Proxima Nova"/>
+                <a:cs typeface="Proxima Nova"/>
+                <a:sym typeface="Proxima Nova"/>
+              </a:rPr>
+              <a:t>Scan Item or Enter bar Code</a:t>
+            </a:r>
+            <a:endParaRPr sz="1600">
+              <a:latin typeface="Proxima Nova"/>
+              <a:ea typeface="Proxima Nova"/>
+              <a:cs typeface="Proxima Nova"/>
+              <a:sym typeface="Proxima Nova"/>
+            </a:endParaRPr>
+          </a:p>
+          <a:p>
+            <a:pPr indent="-330200" lvl="1" marL="914400" rtl="0" algn="l">
+              <a:spcBef>
+                <a:spcPts val="0"/>
+              </a:spcBef>
+              <a:spcAft>
+                <a:spcPts val="0"/>
+              </a:spcAft>
+              <a:buSzPts val="1600"/>
+              <a:buFont typeface="Proxima Nova"/>
+              <a:buChar char="○"/>
+            </a:pPr>
+            <a:r>
+              <a:rPr lang="en" sz="1600">
+                <a:latin typeface="Proxima Nova"/>
+                <a:ea typeface="Proxima Nova"/>
+                <a:cs typeface="Proxima Nova"/>
+                <a:sym typeface="Proxima Nova"/>
+              </a:rPr>
+              <a:t>Enter New Price</a:t>
+            </a:r>
+            <a:endParaRPr sz="1600">
+              <a:latin typeface="Proxima Nova"/>
+              <a:ea typeface="Proxima Nova"/>
+              <a:cs typeface="Proxima Nova"/>
+              <a:sym typeface="Proxima Nova"/>
+            </a:endParaRPr>
+          </a:p>
+          <a:p>
+            <a:pPr indent="-330200" lvl="1" marL="914400" rtl="0" algn="l">
+              <a:spcBef>
+                <a:spcPts val="0"/>
+              </a:spcBef>
+              <a:spcAft>
+                <a:spcPts val="0"/>
+              </a:spcAft>
+              <a:buSzPts val="1600"/>
+              <a:buFont typeface="Proxima Nova"/>
+              <a:buChar char="○"/>
+            </a:pPr>
+            <a:r>
+              <a:rPr lang="en" sz="1600">
+                <a:latin typeface="Proxima Nova"/>
+                <a:ea typeface="Proxima Nova"/>
+                <a:cs typeface="Proxima Nova"/>
+                <a:sym typeface="Proxima Nova"/>
+              </a:rPr>
+              <a:t>Change Price in Database</a:t>
+            </a:r>
+            <a:endParaRPr sz="1600">
+              <a:latin typeface="Proxima Nova"/>
+              <a:ea typeface="Proxima Nova"/>
+              <a:cs typeface="Proxima Nova"/>
+              <a:sym typeface="Proxima Nova"/>
+            </a:endParaRPr>
+          </a:p>
+          <a:p>
+            <a:pPr indent="-330200" lvl="1" marL="914400" rtl="0" algn="l">
+              <a:spcBef>
+                <a:spcPts val="0"/>
+              </a:spcBef>
+              <a:spcAft>
+                <a:spcPts val="0"/>
+              </a:spcAft>
+              <a:buSzPts val="1600"/>
+              <a:buFont typeface="Proxima Nova"/>
+              <a:buChar char="○"/>
+            </a:pPr>
+            <a:r>
+              <a:rPr lang="en" sz="1600">
+                <a:latin typeface="Proxima Nova"/>
+                <a:ea typeface="Proxima Nova"/>
+                <a:cs typeface="Proxima Nova"/>
+                <a:sym typeface="Proxima Nova"/>
+              </a:rPr>
+              <a:t>Exit Condition: Click Done</a:t>
+            </a:r>
+            <a:endParaRPr sz="1600">
+              <a:latin typeface="Proxima Nova"/>
+              <a:ea typeface="Proxima Nova"/>
+              <a:cs typeface="Proxima Nova"/>
+              <a:sym typeface="Proxima Nova"/>
+            </a:endParaRPr>
+          </a:p>
+          <a:p>
+            <a:pPr indent="-330200" lvl="0" marL="457200" rtl="0" algn="l">
+              <a:spcBef>
+                <a:spcPts val="0"/>
+              </a:spcBef>
+              <a:spcAft>
+                <a:spcPts val="0"/>
+              </a:spcAft>
+              <a:buSzPts val="1600"/>
+              <a:buFont typeface="Proxima Nova"/>
+              <a:buChar char="●"/>
+            </a:pPr>
+            <a:r>
+              <a:rPr lang="en" sz="1600">
+                <a:latin typeface="Proxima Nova"/>
+                <a:ea typeface="Proxima Nova"/>
+                <a:cs typeface="Proxima Nova"/>
+                <a:sym typeface="Proxima Nova"/>
+              </a:rPr>
+              <a:t>Add</a:t>
+            </a:r>
+            <a:r>
+              <a:rPr lang="en" sz="1600">
+                <a:latin typeface="Proxima Nova"/>
+                <a:ea typeface="Proxima Nova"/>
+                <a:cs typeface="Proxima Nova"/>
+                <a:sym typeface="Proxima Nova"/>
+              </a:rPr>
+              <a:t> </a:t>
+            </a:r>
+            <a:r>
+              <a:rPr lang="en" sz="1600">
+                <a:latin typeface="Proxima Nova"/>
+                <a:ea typeface="Proxima Nova"/>
+                <a:cs typeface="Proxima Nova"/>
+                <a:sym typeface="Proxima Nova"/>
+              </a:rPr>
+              <a:t>Product</a:t>
+            </a:r>
+            <a:endParaRPr sz="1600">
+              <a:latin typeface="Proxima Nova"/>
+              <a:ea typeface="Proxima Nova"/>
+              <a:cs typeface="Proxima Nova"/>
+              <a:sym typeface="Proxima Nova"/>
+            </a:endParaRPr>
+          </a:p>
+          <a:p>
+            <a:pPr indent="-330200" lvl="1" marL="914400" rtl="0" algn="l">
+              <a:spcBef>
+                <a:spcPts val="0"/>
+              </a:spcBef>
+              <a:spcAft>
+                <a:spcPts val="0"/>
+              </a:spcAft>
+              <a:buSzPts val="1600"/>
+              <a:buFont typeface="Proxima Nova"/>
+              <a:buChar char="○"/>
+            </a:pPr>
+            <a:r>
+              <a:rPr lang="en" sz="1600">
+                <a:latin typeface="Proxima Nova"/>
+                <a:ea typeface="Proxima Nova"/>
+                <a:cs typeface="Proxima Nova"/>
+                <a:sym typeface="Proxima Nova"/>
+              </a:rPr>
+              <a:t>Entry Condition: Click Add Product</a:t>
+            </a:r>
+            <a:endParaRPr sz="1600">
+              <a:latin typeface="Proxima Nova"/>
+              <a:ea typeface="Proxima Nova"/>
+              <a:cs typeface="Proxima Nova"/>
+              <a:sym typeface="Proxima Nova"/>
+            </a:endParaRPr>
+          </a:p>
+          <a:p>
+            <a:pPr indent="-330200" lvl="1" marL="914400" rtl="0" algn="l">
+              <a:spcBef>
+                <a:spcPts val="0"/>
+              </a:spcBef>
+              <a:spcAft>
+                <a:spcPts val="0"/>
+              </a:spcAft>
+              <a:buSzPts val="1600"/>
+              <a:buFont typeface="Proxima Nova"/>
+              <a:buChar char="○"/>
+            </a:pPr>
+            <a:r>
+              <a:rPr lang="en" sz="1600">
+                <a:latin typeface="Proxima Nova"/>
+                <a:ea typeface="Proxima Nova"/>
+                <a:cs typeface="Proxima Nova"/>
+                <a:sym typeface="Proxima Nova"/>
+              </a:rPr>
+              <a:t>Scan Item or Enter Barcode</a:t>
+            </a:r>
+            <a:endParaRPr sz="1600">
+              <a:latin typeface="Proxima Nova"/>
+              <a:ea typeface="Proxima Nova"/>
+              <a:cs typeface="Proxima Nova"/>
+              <a:sym typeface="Proxima Nova"/>
+            </a:endParaRPr>
+          </a:p>
+          <a:p>
+            <a:pPr indent="-330200" lvl="1" marL="914400" rtl="0" algn="l">
+              <a:spcBef>
+                <a:spcPts val="0"/>
+              </a:spcBef>
+              <a:spcAft>
+                <a:spcPts val="0"/>
+              </a:spcAft>
+              <a:buSzPts val="1600"/>
+              <a:buFont typeface="Proxima Nova"/>
+              <a:buChar char="○"/>
+            </a:pPr>
+            <a:r>
+              <a:rPr lang="en" sz="1600">
+                <a:latin typeface="Proxima Nova"/>
+                <a:ea typeface="Proxima Nova"/>
+                <a:cs typeface="Proxima Nova"/>
+                <a:sym typeface="Proxima Nova"/>
+              </a:rPr>
+              <a:t>Enter Product Type</a:t>
+            </a:r>
+            <a:endParaRPr sz="1600">
+              <a:latin typeface="Proxima Nova"/>
+              <a:ea typeface="Proxima Nova"/>
+              <a:cs typeface="Proxima Nova"/>
+              <a:sym typeface="Proxima Nova"/>
+            </a:endParaRPr>
+          </a:p>
+          <a:p>
+            <a:pPr indent="-330200" lvl="1" marL="914400" rtl="0" algn="l">
+              <a:spcBef>
+                <a:spcPts val="0"/>
+              </a:spcBef>
+              <a:spcAft>
+                <a:spcPts val="0"/>
+              </a:spcAft>
+              <a:buSzPts val="1600"/>
+              <a:buFont typeface="Proxima Nova"/>
+              <a:buChar char="○"/>
+            </a:pPr>
+            <a:r>
+              <a:rPr lang="en" sz="1600">
+                <a:latin typeface="Proxima Nova"/>
+                <a:ea typeface="Proxima Nova"/>
+                <a:cs typeface="Proxima Nova"/>
+                <a:sym typeface="Proxima Nova"/>
+              </a:rPr>
+              <a:t>Enter SupplierID</a:t>
+            </a:r>
+            <a:endParaRPr sz="1600">
+              <a:latin typeface="Proxima Nova"/>
+              <a:ea typeface="Proxima Nova"/>
+              <a:cs typeface="Proxima Nova"/>
+              <a:sym typeface="Proxima Nova"/>
+            </a:endParaRPr>
+          </a:p>
+          <a:p>
+            <a:pPr indent="-330200" lvl="1" marL="914400" rtl="0" algn="l">
+              <a:spcBef>
+                <a:spcPts val="0"/>
+              </a:spcBef>
+              <a:spcAft>
+                <a:spcPts val="0"/>
+              </a:spcAft>
+              <a:buSzPts val="1600"/>
+              <a:buFont typeface="Proxima Nova"/>
+              <a:buChar char="○"/>
+            </a:pPr>
+            <a:r>
+              <a:rPr lang="en" sz="1600">
+                <a:latin typeface="Proxima Nova"/>
+                <a:ea typeface="Proxima Nova"/>
+                <a:cs typeface="Proxima Nova"/>
+                <a:sym typeface="Proxima Nova"/>
+              </a:rPr>
+              <a:t>Enter Amount of Product Received</a:t>
+            </a:r>
+            <a:endParaRPr sz="1600">
+              <a:latin typeface="Proxima Nova"/>
+              <a:ea typeface="Proxima Nova"/>
+              <a:cs typeface="Proxima Nova"/>
+              <a:sym typeface="Proxima Nova"/>
+            </a:endParaRPr>
+          </a:p>
+          <a:p>
+            <a:pPr indent="-330200" lvl="1" marL="914400" rtl="0" algn="l">
+              <a:spcBef>
+                <a:spcPts val="0"/>
+              </a:spcBef>
+              <a:spcAft>
+                <a:spcPts val="0"/>
+              </a:spcAft>
+              <a:buSzPts val="1600"/>
+              <a:buFont typeface="Proxima Nova"/>
+              <a:buChar char="○"/>
+            </a:pPr>
+            <a:r>
+              <a:rPr lang="en" sz="1600">
+                <a:latin typeface="Proxima Nova"/>
+                <a:ea typeface="Proxima Nova"/>
+                <a:cs typeface="Proxima Nova"/>
+                <a:sym typeface="Proxima Nova"/>
+              </a:rPr>
+              <a:t>Add Product to Database</a:t>
+            </a:r>
+            <a:endParaRPr sz="1600">
+              <a:latin typeface="Proxima Nova"/>
+              <a:ea typeface="Proxima Nova"/>
+              <a:cs typeface="Proxima Nova"/>
+              <a:sym typeface="Proxima Nova"/>
+            </a:endParaRPr>
+          </a:p>
+          <a:p>
+            <a:pPr indent="-330200" lvl="1" marL="914400" rtl="0" algn="l">
+              <a:spcBef>
+                <a:spcPts val="0"/>
+              </a:spcBef>
+              <a:spcAft>
+                <a:spcPts val="0"/>
+              </a:spcAft>
+              <a:buSzPts val="1600"/>
+              <a:buFont typeface="Proxima Nova"/>
+              <a:buChar char="○"/>
+            </a:pPr>
+            <a:r>
+              <a:rPr lang="en" sz="1600">
+                <a:latin typeface="Proxima Nova"/>
+                <a:ea typeface="Proxima Nova"/>
+                <a:cs typeface="Proxima Nova"/>
+                <a:sym typeface="Proxima Nova"/>
+              </a:rPr>
+              <a:t>Exit Condition: Click Done</a:t>
+            </a:r>
+            <a:endParaRPr sz="1600">
+              <a:latin typeface="Proxima Nova"/>
+              <a:ea typeface="Proxima Nova"/>
+              <a:cs typeface="Proxima Nova"/>
+              <a:sym typeface="Proxima Nova"/>
+            </a:endParaRPr>
+          </a:p>
+          <a:p>
+            <a:pPr indent="-330200" lvl="0" marL="457200" rtl="0" algn="l">
+              <a:spcBef>
+                <a:spcPts val="0"/>
+              </a:spcBef>
+              <a:spcAft>
+                <a:spcPts val="0"/>
+              </a:spcAft>
+              <a:buSzPts val="1600"/>
+              <a:buFont typeface="Proxima Nova"/>
+              <a:buChar char="●"/>
+            </a:pPr>
+            <a:r>
+              <a:rPr lang="en" sz="1600">
+                <a:latin typeface="Proxima Nova"/>
+                <a:ea typeface="Proxima Nova"/>
+                <a:cs typeface="Proxima Nova"/>
+                <a:sym typeface="Proxima Nova"/>
+              </a:rPr>
+              <a:t>Remove Product</a:t>
+            </a:r>
+            <a:endParaRPr sz="1600">
+              <a:latin typeface="Proxima Nova"/>
+              <a:ea typeface="Proxima Nova"/>
+              <a:cs typeface="Proxima Nova"/>
+              <a:sym typeface="Proxima Nova"/>
+            </a:endParaRPr>
+          </a:p>
+          <a:p>
+            <a:pPr indent="-330200" lvl="1" marL="914400" rtl="0" algn="l">
+              <a:spcBef>
+                <a:spcPts val="0"/>
+              </a:spcBef>
+              <a:spcAft>
+                <a:spcPts val="0"/>
+              </a:spcAft>
+              <a:buSzPts val="1600"/>
+              <a:buFont typeface="Proxima Nova"/>
+              <a:buChar char="○"/>
+            </a:pPr>
+            <a:r>
+              <a:rPr lang="en" sz="1600">
+                <a:latin typeface="Proxima Nova"/>
+                <a:ea typeface="Proxima Nova"/>
+                <a:cs typeface="Proxima Nova"/>
+                <a:sym typeface="Proxima Nova"/>
+              </a:rPr>
+              <a:t>Entry Condition: Click Remove Product</a:t>
+            </a:r>
+            <a:endParaRPr sz="1600">
+              <a:latin typeface="Proxima Nova"/>
+              <a:ea typeface="Proxima Nova"/>
+              <a:cs typeface="Proxima Nova"/>
+              <a:sym typeface="Proxima Nova"/>
+            </a:endParaRPr>
+          </a:p>
+          <a:p>
+            <a:pPr indent="-330200" lvl="1" marL="914400" rtl="0" algn="l">
+              <a:spcBef>
+                <a:spcPts val="0"/>
+              </a:spcBef>
+              <a:spcAft>
+                <a:spcPts val="0"/>
+              </a:spcAft>
+              <a:buSzPts val="1600"/>
+              <a:buFont typeface="Proxima Nova"/>
+              <a:buChar char="○"/>
+            </a:pPr>
+            <a:r>
+              <a:rPr lang="en" sz="1600">
+                <a:latin typeface="Proxima Nova"/>
+                <a:ea typeface="Proxima Nova"/>
+                <a:cs typeface="Proxima Nova"/>
+                <a:sym typeface="Proxima Nova"/>
+              </a:rPr>
+              <a:t>Scan Item or Enter Barcode</a:t>
+            </a:r>
+            <a:endParaRPr sz="1600">
+              <a:latin typeface="Proxima Nova"/>
+              <a:ea typeface="Proxima Nova"/>
+              <a:cs typeface="Proxima Nova"/>
+              <a:sym typeface="Proxima Nova"/>
+            </a:endParaRPr>
+          </a:p>
+          <a:p>
+            <a:pPr indent="-330200" lvl="1" marL="914400" rtl="0" algn="l">
+              <a:spcBef>
+                <a:spcPts val="0"/>
+              </a:spcBef>
+              <a:spcAft>
+                <a:spcPts val="0"/>
+              </a:spcAft>
+              <a:buSzPts val="1600"/>
+              <a:buFont typeface="Proxima Nova"/>
+              <a:buChar char="○"/>
+            </a:pPr>
+            <a:r>
+              <a:rPr lang="en" sz="1600">
+                <a:latin typeface="Proxima Nova"/>
+                <a:ea typeface="Proxima Nova"/>
+                <a:cs typeface="Proxima Nova"/>
+                <a:sym typeface="Proxima Nova"/>
+              </a:rPr>
+              <a:t>Remove Product From Database</a:t>
+            </a:r>
+            <a:endParaRPr sz="1600">
+              <a:latin typeface="Proxima Nova"/>
+              <a:ea typeface="Proxima Nova"/>
+              <a:cs typeface="Proxima Nova"/>
+              <a:sym typeface="Proxima Nova"/>
+            </a:endParaRPr>
+          </a:p>
+          <a:p>
+            <a:pPr indent="-330200" lvl="1" marL="914400" rtl="0" algn="l">
+              <a:spcBef>
+                <a:spcPts val="0"/>
+              </a:spcBef>
+              <a:spcAft>
+                <a:spcPts val="0"/>
+              </a:spcAft>
+              <a:buSzPts val="1600"/>
+              <a:buFont typeface="Proxima Nova"/>
+              <a:buChar char="○"/>
+            </a:pPr>
+            <a:r>
+              <a:rPr lang="en" sz="1600">
+                <a:latin typeface="Proxima Nova"/>
+                <a:ea typeface="Proxima Nova"/>
+                <a:cs typeface="Proxima Nova"/>
+                <a:sym typeface="Proxima Nova"/>
+              </a:rPr>
+              <a:t>Exit Condition: Click Done</a:t>
+            </a:r>
+            <a:endParaRPr sz="1600">
+              <a:latin typeface="Proxima Nova"/>
+              <a:ea typeface="Proxima Nova"/>
+              <a:cs typeface="Proxima Nova"/>
+              <a:sym typeface="Proxima Nova"/>
+            </a:endParaRPr>
+          </a:p>
+          <a:p>
+            <a:pPr indent="0" lvl="0" marL="914400" rtl="0" algn="l">
+              <a:spcBef>
+                <a:spcPts val="0"/>
+              </a:spcBef>
+              <a:spcAft>
+                <a:spcPts val="0"/>
+              </a:spcAft>
+              <a:buNone/>
+            </a:pPr>
+            <a:r>
+              <a:t/>
+            </a:r>
+            <a:endParaRPr sz="1600">
+              <a:latin typeface="Proxima Nova"/>
+              <a:ea typeface="Proxima Nova"/>
+              <a:cs typeface="Proxima Nova"/>
+              <a:sym typeface="Proxima Nova"/>
+            </a:endParaRPr>
+          </a:p>
+        </p:txBody>
+      </p:sp>
     </p:spTree>
   </p:cSld>
   <p:clrMapOvr>
@@ -19410,7 +20464,7 @@
             </a:pPr>
             <a:r>
               <a:rPr lang="en"/>
-              <a:t>E/R Diagram</a:t>
+              <a:t>Use-case Diagram</a:t>
             </a:r>
             <a:endParaRPr/>
           </a:p>
@@ -19422,17 +20476,18 @@
           <p:cNvPicPr preferRelativeResize="0"/>
           <p:nvPr/>
         </p:nvPicPr>
-        <p:blipFill rotWithShape="1">
+        <p:blipFill>
           <a:blip r:embed="rId3">
             <a:alphaModFix/>
           </a:blip>
-          <a:srcRect b="0" l="10058" r="5346" t="0"/>
-          <a:stretch/>
+          <a:stretch>
+            <a:fillRect/>
+          </a:stretch>
         </p:blipFill>
         <p:spPr>
           <a:xfrm>
-            <a:off x="2620375" y="236025"/>
-            <a:ext cx="6301801" cy="4907475"/>
+            <a:off x="1922225" y="0"/>
+            <a:ext cx="7221775" cy="5143500"/>
           </a:xfrm>
           <a:prstGeom prst="rect">
             <a:avLst/>
@@ -19479,6 +20534,98 @@
         <p:spPr>
           <a:xfrm>
             <a:off x="185350" y="352000"/>
+            <a:ext cx="2683200" cy="4078800"/>
+          </a:xfrm>
+          <a:prstGeom prst="rect">
+            <a:avLst/>
+          </a:prstGeom>
+        </p:spPr>
+        <p:txBody>
+          <a:bodyPr anchorCtr="0" anchor="t" bIns="91425" lIns="91425" spcFirstLastPara="1" rIns="91425" wrap="square" tIns="91425">
+            <a:noAutofit/>
+          </a:bodyPr>
+          <a:lstStyle/>
+          <a:p>
+            <a:pPr indent="0" lvl="0" marL="0" rtl="0" algn="l">
+              <a:spcBef>
+                <a:spcPts val="0"/>
+              </a:spcBef>
+              <a:spcAft>
+                <a:spcPts val="0"/>
+              </a:spcAft>
+              <a:buNone/>
+            </a:pPr>
+            <a:r>
+              <a:rPr lang="en"/>
+              <a:t>E/R Diagram</a:t>
+            </a:r>
+            <a:endParaRPr/>
+          </a:p>
+        </p:txBody>
+      </p:sp>
+      <p:pic>
+        <p:nvPicPr>
+          <p:cNvPr id="329" name="Google Shape;329;p22"/>
+          <p:cNvPicPr preferRelativeResize="0"/>
+          <p:nvPr/>
+        </p:nvPicPr>
+        <p:blipFill rotWithShape="1">
+          <a:blip r:embed="rId3">
+            <a:alphaModFix/>
+          </a:blip>
+          <a:srcRect b="0" l="10058" r="5346" t="0"/>
+          <a:stretch/>
+        </p:blipFill>
+        <p:spPr>
+          <a:xfrm>
+            <a:off x="2620375" y="236025"/>
+            <a:ext cx="6301801" cy="4907475"/>
+          </a:xfrm>
+          <a:prstGeom prst="rect">
+            <a:avLst/>
+          </a:prstGeom>
+          <a:noFill/>
+          <a:ln>
+            <a:noFill/>
+          </a:ln>
+        </p:spPr>
+      </p:pic>
+    </p:spTree>
+  </p:cSld>
+  <p:clrMapOvr>
+    <a:masterClrMapping/>
+  </p:clrMapOvr>
+</p:sld>
+</file>
+
+<file path=ppt/slides/slide7.xml><?xml version="1.0" encoding="utf-8"?>
+<p:sld xmlns:a="http://schemas.openxmlformats.org/drawingml/2006/main" xmlns:r="http://schemas.openxmlformats.org/officeDocument/2006/relationships" xmlns:mc="http://schemas.openxmlformats.org/markup-compatibility/2006" xmlns:mv="urn:schemas-microsoft-com:mac:vml" xmlns:p="http://schemas.openxmlformats.org/presentationml/2006/main" xmlns:c="http://schemas.openxmlformats.org/drawingml/2006/chart" xmlns:dgm="http://schemas.openxmlformats.org/drawingml/2006/diagram" xmlns:o="urn:schemas-microsoft-com:office:office" xmlns:v="urn:schemas-microsoft-com:vml" xmlns:pvml="urn:schemas-microsoft-com:office:powerpoint" xmlns:com="http://schemas.openxmlformats.org/drawingml/2006/compatibility" xmlns:p14="http://schemas.microsoft.com/office/powerpoint/2010/main" xmlns:p15="http://schemas.microsoft.com/office/powerpoint/2012/main" xmlns:ahyp="http://schemas.microsoft.com/office/drawing/2018/hyperlinkcolor">
+  <p:cSld>
+    <p:spTree>
+      <p:nvGrpSpPr>
+        <p:cNvPr id="333" name="Shape 333"/>
+        <p:cNvGrpSpPr/>
+        <p:nvPr/>
+      </p:nvGrpSpPr>
+      <p:grpSpPr>
+        <a:xfrm>
+          <a:off x="0" y="0"/>
+          <a:ext cx="0" cy="0"/>
+          <a:chOff x="0" y="0"/>
+          <a:chExt cx="0" cy="0"/>
+        </a:xfrm>
+      </p:grpSpPr>
+      <p:sp>
+        <p:nvSpPr>
+          <p:cNvPr id="334" name="Google Shape;334;p23"/>
+          <p:cNvSpPr txBox="1"/>
+          <p:nvPr>
+            <p:ph type="title"/>
+          </p:nvPr>
+        </p:nvSpPr>
+        <p:spPr>
+          <a:xfrm>
+            <a:off x="185350" y="352000"/>
             <a:ext cx="2683200" cy="1166100"/>
           </a:xfrm>
           <a:prstGeom prst="rect">
@@ -19510,7 +20657,7 @@
       </p:sp>
       <p:sp>
         <p:nvSpPr>
-          <p:cNvPr id="329" name="Google Shape;329;p22"/>
+          <p:cNvPr id="335" name="Google Shape;335;p23"/>
           <p:cNvSpPr txBox="1"/>
           <p:nvPr/>
         </p:nvSpPr>
@@ -19822,7 +20969,7 @@
       </p:sp>
       <p:sp>
         <p:nvSpPr>
-          <p:cNvPr id="330" name="Google Shape;330;p22"/>
+          <p:cNvPr id="336" name="Google Shape;336;p23"/>
           <p:cNvSpPr txBox="1"/>
           <p:nvPr/>
         </p:nvSpPr>
@@ -20127,7 +21274,7 @@
       </p:sp>
       <p:pic>
         <p:nvPicPr>
-          <p:cNvPr id="331" name="Google Shape;331;p22"/>
+          <p:cNvPr id="337" name="Google Shape;337;p23"/>
           <p:cNvPicPr preferRelativeResize="0"/>
           <p:nvPr/>
         </p:nvPicPr>
@@ -20161,12 +21308,12 @@
 </p:sld>
 </file>
 
-<file path=ppt/slides/slide7.xml><?xml version="1.0" encoding="utf-8"?>
+<file path=ppt/slides/slide8.xml><?xml version="1.0" encoding="utf-8"?>
 <p:sld xmlns:a="http://schemas.openxmlformats.org/drawingml/2006/main" xmlns:r="http://schemas.openxmlformats.org/officeDocument/2006/relationships" xmlns:mc="http://schemas.openxmlformats.org/markup-compatibility/2006" xmlns:mv="urn:schemas-microsoft-com:mac:vml" xmlns:p="http://schemas.openxmlformats.org/presentationml/2006/main" xmlns:c="http://schemas.openxmlformats.org/drawingml/2006/chart" xmlns:dgm="http://schemas.openxmlformats.org/drawingml/2006/diagram" xmlns:o="urn:schemas-microsoft-com:office:office" xmlns:v="urn:schemas-microsoft-com:vml" xmlns:pvml="urn:schemas-microsoft-com:office:powerpoint" xmlns:com="http://schemas.openxmlformats.org/drawingml/2006/compatibility" xmlns:p14="http://schemas.microsoft.com/office/powerpoint/2010/main" xmlns:p15="http://schemas.microsoft.com/office/powerpoint/2012/main" xmlns:ahyp="http://schemas.microsoft.com/office/drawing/2018/hyperlinkcolor">
   <p:cSld>
     <p:spTree>
       <p:nvGrpSpPr>
-        <p:cNvPr id="335" name="Shape 335"/>
+        <p:cNvPr id="341" name="Shape 341"/>
         <p:cNvGrpSpPr/>
         <p:nvPr/>
       </p:nvGrpSpPr>
@@ -20180,7 +21327,7 @@
       </p:grpSpPr>
       <p:sp>
         <p:nvSpPr>
-          <p:cNvPr id="336" name="Google Shape;336;p23"/>
+          <p:cNvPr id="342" name="Google Shape;342;p24"/>
           <p:cNvSpPr txBox="1"/>
           <p:nvPr>
             <p:ph type="ctrTitle"/>
@@ -20227,6 +21374,285 @@
 </file>
 
 <file path=ppt/theme/theme1.xml><?xml version="1.0" encoding="utf-8"?>
+<a:theme xmlns:a="http://schemas.openxmlformats.org/drawingml/2006/main" xmlns:r="http://schemas.openxmlformats.org/officeDocument/2006/relationships">
+  <a:themeElements>
+    <a:clrScheme name="Default">
+      <a:dk1>
+        <a:srgbClr val="000000"/>
+      </a:dk1>
+      <a:lt1>
+        <a:srgbClr val="FFFFFF"/>
+      </a:lt1>
+      <a:dk2>
+        <a:srgbClr val="158158"/>
+      </a:dk2>
+      <a:lt2>
+        <a:srgbClr val="F3F3F3"/>
+      </a:lt2>
+      <a:accent1>
+        <a:srgbClr val="058DC7"/>
+      </a:accent1>
+      <a:accent2>
+        <a:srgbClr val="50B432"/>
+      </a:accent2>
+      <a:accent3>
+        <a:srgbClr val="ED561B"/>
+      </a:accent3>
+      <a:accent4>
+        <a:srgbClr val="EDEF00"/>
+      </a:accent4>
+      <a:accent5>
+        <a:srgbClr val="24CBE5"/>
+      </a:accent5>
+      <a:accent6>
+        <a:srgbClr val="64E572"/>
+      </a:accent6>
+      <a:hlink>
+        <a:srgbClr val="2200CC"/>
+      </a:hlink>
+      <a:folHlink>
+        <a:srgbClr val="551A8B"/>
+      </a:folHlink>
+    </a:clrScheme>
+    <a:fontScheme name="Office">
+      <a:majorFont>
+        <a:latin typeface="Arial"/>
+        <a:ea typeface=""/>
+        <a:cs typeface=""/>
+        <a:font script="Jpan" typeface="ＭＳ Ｐゴシック"/>
+        <a:font script="Hang" typeface="맑은 고딕"/>
+        <a:font script="Hans" typeface="宋体"/>
+        <a:font script="Hant" typeface="新細明體"/>
+        <a:font script="Arab" typeface="Times New Roman"/>
+        <a:font script="Hebr" typeface="Times New Roman"/>
+        <a:font script="Thai" typeface="Angsana New"/>
+        <a:font script="Ethi" typeface="Nyala"/>
+        <a:font script="Beng" typeface="Vrinda"/>
+        <a:font script="Gujr" typeface="Shruti"/>
+        <a:font script="Khmr" typeface="MoolBoran"/>
+        <a:font script="Knda" typeface="Tunga"/>
+        <a:font script="Guru" typeface="Raavi"/>
+        <a:font script="Cans" typeface="Euphemia"/>
+        <a:font script="Cher" typeface="Plantagenet Cherokee"/>
+        <a:font script="Yiii" typeface="Microsoft Yi Baiti"/>
+        <a:font script="Tibt" typeface="Microsoft Himalaya"/>
+        <a:font script="Thaa" typeface="MV Boli"/>
+        <a:font script="Deva" typeface="Mangal"/>
+        <a:font script="Telu" typeface="Gautami"/>
+        <a:font script="Taml" typeface="Latha"/>
+        <a:font script="Syrc" typeface="Estrangelo Edessa"/>
+        <a:font script="Orya" typeface="Kalinga"/>
+        <a:font script="Mlym" typeface="Kartika"/>
+        <a:font script="Laoo" typeface="DokChampa"/>
+        <a:font script="Sinh" typeface="Iskoola Pota"/>
+        <a:font script="Mong" typeface="Mongolian Baiti"/>
+        <a:font script="Viet" typeface="Times New Roman"/>
+        <a:font script="Uigh" typeface="Microsoft Uighur"/>
+        <a:font script="Geor" typeface="Sylfaen"/>
+      </a:majorFont>
+      <a:minorFont>
+        <a:latin typeface="Arial"/>
+        <a:ea typeface=""/>
+        <a:cs typeface=""/>
+        <a:font script="Jpan" typeface="ＭＳ Ｐゴシック"/>
+        <a:font script="Hang" typeface="맑은 고딕"/>
+        <a:font script="Hans" typeface="宋体"/>
+        <a:font script="Hant" typeface="新細明體"/>
+        <a:font script="Arab" typeface="Arial"/>
+        <a:font script="Hebr" typeface="Arial"/>
+        <a:font script="Thai" typeface="Cordia New"/>
+        <a:font script="Ethi" typeface="Nyala"/>
+        <a:font script="Beng" typeface="Vrinda"/>
+        <a:font script="Gujr" typeface="Shruti"/>
+        <a:font script="Khmr" typeface="DaunPenh"/>
+        <a:font script="Knda" typeface="Tunga"/>
+        <a:font script="Guru" typeface="Raavi"/>
+        <a:font script="Cans" typeface="Euphemia"/>
+        <a:font script="Cher" typeface="Plantagenet Cherokee"/>
+        <a:font script="Yiii" typeface="Microsoft Yi Baiti"/>
+        <a:font script="Tibt" typeface="Microsoft Himalaya"/>
+        <a:font script="Thaa" typeface="MV Boli"/>
+        <a:font script="Deva" typeface="Mangal"/>
+        <a:font script="Telu" typeface="Gautami"/>
+        <a:font script="Taml" typeface="Latha"/>
+        <a:font script="Syrc" typeface="Estrangelo Edessa"/>
+        <a:font script="Orya" typeface="Kalinga"/>
+        <a:font script="Mlym" typeface="Kartika"/>
+        <a:font script="Laoo" typeface="DokChampa"/>
+        <a:font script="Sinh" typeface="Iskoola Pota"/>
+        <a:font script="Mong" typeface="Mongolian Baiti"/>
+        <a:font script="Viet" typeface="Arial"/>
+        <a:font script="Uigh" typeface="Microsoft Uighur"/>
+        <a:font script="Geor" typeface="Sylfaen"/>
+      </a:minorFont>
+    </a:fontScheme>
+    <a:fmtScheme name="Office">
+      <a:fillStyleLst>
+        <a:solidFill>
+          <a:schemeClr val="phClr"/>
+        </a:solidFill>
+        <a:gradFill rotWithShape="1">
+          <a:gsLst>
+            <a:gs pos="0">
+              <a:schemeClr val="phClr">
+                <a:tint val="50000"/>
+                <a:satMod val="300000"/>
+              </a:schemeClr>
+            </a:gs>
+            <a:gs pos="35000">
+              <a:schemeClr val="phClr">
+                <a:tint val="37000"/>
+                <a:satMod val="300000"/>
+              </a:schemeClr>
+            </a:gs>
+            <a:gs pos="100000">
+              <a:schemeClr val="phClr">
+                <a:tint val="15000"/>
+                <a:satMod val="350000"/>
+              </a:schemeClr>
+            </a:gs>
+          </a:gsLst>
+          <a:lin ang="16200000" scaled="1"/>
+        </a:gradFill>
+        <a:gradFill rotWithShape="1">
+          <a:gsLst>
+            <a:gs pos="0">
+              <a:schemeClr val="phClr">
+                <a:tint val="100000"/>
+                <a:shade val="100000"/>
+                <a:satMod val="130000"/>
+              </a:schemeClr>
+            </a:gs>
+            <a:gs pos="100000">
+              <a:schemeClr val="phClr">
+                <a:tint val="50000"/>
+                <a:shade val="100000"/>
+                <a:satMod val="350000"/>
+              </a:schemeClr>
+            </a:gs>
+          </a:gsLst>
+          <a:lin ang="16200000" scaled="0"/>
+        </a:gradFill>
+      </a:fillStyleLst>
+      <a:lnStyleLst>
+        <a:ln w="9525" cap="flat" cmpd="sng" algn="ctr">
+          <a:solidFill>
+            <a:schemeClr val="phClr">
+              <a:shade val="95000"/>
+              <a:satMod val="105000"/>
+            </a:schemeClr>
+          </a:solidFill>
+          <a:prstDash val="solid"/>
+        </a:ln>
+        <a:ln w="25400" cap="flat" cmpd="sng" algn="ctr">
+          <a:solidFill>
+            <a:schemeClr val="phClr"/>
+          </a:solidFill>
+          <a:prstDash val="solid"/>
+        </a:ln>
+        <a:ln w="38100" cap="flat" cmpd="sng" algn="ctr">
+          <a:solidFill>
+            <a:schemeClr val="phClr"/>
+          </a:solidFill>
+          <a:prstDash val="solid"/>
+        </a:ln>
+      </a:lnStyleLst>
+      <a:effectStyleLst>
+        <a:effectStyle>
+          <a:effectLst>
+            <a:outerShdw blurRad="40000" dist="20000" dir="5400000" rotWithShape="0">
+              <a:srgbClr val="000000">
+                <a:alpha val="38000"/>
+              </a:srgbClr>
+            </a:outerShdw>
+          </a:effectLst>
+        </a:effectStyle>
+        <a:effectStyle>
+          <a:effectLst>
+            <a:outerShdw blurRad="40000" dist="23000" dir="5400000" rotWithShape="0">
+              <a:srgbClr val="000000">
+                <a:alpha val="35000"/>
+              </a:srgbClr>
+            </a:outerShdw>
+          </a:effectLst>
+        </a:effectStyle>
+        <a:effectStyle>
+          <a:effectLst>
+            <a:outerShdw blurRad="40000" dist="23000" dir="5400000" rotWithShape="0">
+              <a:srgbClr val="000000">
+                <a:alpha val="35000"/>
+              </a:srgbClr>
+            </a:outerShdw>
+          </a:effectLst>
+          <a:scene3d>
+            <a:camera prst="orthographicFront">
+              <a:rot lat="0" lon="0" rev="0"/>
+            </a:camera>
+            <a:lightRig rig="threePt" dir="t">
+              <a:rot lat="0" lon="0" rev="1200000"/>
+            </a:lightRig>
+          </a:scene3d>
+          <a:sp3d>
+            <a:bevelT w="63500" h="25400"/>
+          </a:sp3d>
+        </a:effectStyle>
+      </a:effectStyleLst>
+      <a:bgFillStyleLst>
+        <a:solidFill>
+          <a:schemeClr val="phClr"/>
+        </a:solidFill>
+        <a:gradFill rotWithShape="1">
+          <a:gsLst>
+            <a:gs pos="0">
+              <a:schemeClr val="phClr">
+                <a:tint val="40000"/>
+                <a:satMod val="350000"/>
+              </a:schemeClr>
+            </a:gs>
+            <a:gs pos="40000">
+              <a:schemeClr val="phClr">
+                <a:tint val="45000"/>
+                <a:shade val="99000"/>
+                <a:satMod val="350000"/>
+              </a:schemeClr>
+            </a:gs>
+            <a:gs pos="100000">
+              <a:schemeClr val="phClr">
+                <a:shade val="20000"/>
+                <a:satMod val="255000"/>
+              </a:schemeClr>
+            </a:gs>
+          </a:gsLst>
+          <a:path path="circle">
+            <a:fillToRect l="50000" t="-80000" r="50000" b="180000"/>
+          </a:path>
+        </a:gradFill>
+        <a:gradFill rotWithShape="1">
+          <a:gsLst>
+            <a:gs pos="0">
+              <a:schemeClr val="phClr">
+                <a:tint val="80000"/>
+                <a:satMod val="300000"/>
+              </a:schemeClr>
+            </a:gs>
+            <a:gs pos="100000">
+              <a:schemeClr val="phClr">
+                <a:shade val="30000"/>
+                <a:satMod val="200000"/>
+              </a:schemeClr>
+            </a:gs>
+          </a:gsLst>
+          <a:path path="circle">
+            <a:fillToRect l="50000" t="50000" r="50000" b="50000"/>
+          </a:path>
+        </a:gradFill>
+      </a:bgFillStyleLst>
+    </a:fmtScheme>
+  </a:themeElements>
+</a:theme>
+</file>
+
+<file path=ppt/theme/theme2.xml><?xml version="1.0" encoding="utf-8"?>
 <a:theme xmlns:a="http://schemas.openxmlformats.org/drawingml/2006/main" xmlns:r="http://schemas.openxmlformats.org/officeDocument/2006/relationships" name="Spearmint">
   <a:themeElements>
     <a:clrScheme name="Spearmint">
@@ -20503,283 +21929,4 @@
     </a:fmtScheme>
   </a:themeElements>
 </a:theme>
-</file>
-
-<file path=ppt/theme/theme2.xml><?xml version="1.0" encoding="utf-8"?>
-<a:theme xmlns:a="http://schemas.openxmlformats.org/drawingml/2006/main" xmlns:r="http://schemas.openxmlformats.org/officeDocument/2006/relationships">
-  <a:themeElements>
-    <a:clrScheme name="Default">
-      <a:dk1>
-        <a:srgbClr val="000000"/>
-      </a:dk1>
-      <a:lt1>
-        <a:srgbClr val="FFFFFF"/>
-      </a:lt1>
-      <a:dk2>
-        <a:srgbClr val="158158"/>
-      </a:dk2>
-      <a:lt2>
-        <a:srgbClr val="F3F3F3"/>
-      </a:lt2>
-      <a:accent1>
-        <a:srgbClr val="058DC7"/>
-      </a:accent1>
-      <a:accent2>
-        <a:srgbClr val="50B432"/>
-      </a:accent2>
-      <a:accent3>
-        <a:srgbClr val="ED561B"/>
-      </a:accent3>
-      <a:accent4>
-        <a:srgbClr val="EDEF00"/>
-      </a:accent4>
-      <a:accent5>
-        <a:srgbClr val="24CBE5"/>
-      </a:accent5>
-      <a:accent6>
-        <a:srgbClr val="64E572"/>
-      </a:accent6>
-      <a:hlink>
-        <a:srgbClr val="2200CC"/>
-      </a:hlink>
-      <a:folHlink>
-        <a:srgbClr val="551A8B"/>
-      </a:folHlink>
-    </a:clrScheme>
-    <a:fontScheme name="Office">
-      <a:majorFont>
-        <a:latin typeface="Arial"/>
-        <a:ea typeface=""/>
-        <a:cs typeface=""/>
-        <a:font script="Jpan" typeface="ＭＳ Ｐゴシック"/>
-        <a:font script="Hang" typeface="맑은 고딕"/>
-        <a:font script="Hans" typeface="宋体"/>
-        <a:font script="Hant" typeface="新細明體"/>
-        <a:font script="Arab" typeface="Times New Roman"/>
-        <a:font script="Hebr" typeface="Times New Roman"/>
-        <a:font script="Thai" typeface="Angsana New"/>
-        <a:font script="Ethi" typeface="Nyala"/>
-        <a:font script="Beng" typeface="Vrinda"/>
-        <a:font script="Gujr" typeface="Shruti"/>
-        <a:font script="Khmr" typeface="MoolBoran"/>
-        <a:font script="Knda" typeface="Tunga"/>
-        <a:font script="Guru" typeface="Raavi"/>
-        <a:font script="Cans" typeface="Euphemia"/>
-        <a:font script="Cher" typeface="Plantagenet Cherokee"/>
-        <a:font script="Yiii" typeface="Microsoft Yi Baiti"/>
-        <a:font script="Tibt" typeface="Microsoft Himalaya"/>
-        <a:font script="Thaa" typeface="MV Boli"/>
-        <a:font script="Deva" typeface="Mangal"/>
-        <a:font script="Telu" typeface="Gautami"/>
-        <a:font script="Taml" typeface="Latha"/>
-        <a:font script="Syrc" typeface="Estrangelo Edessa"/>
-        <a:font script="Orya" typeface="Kalinga"/>
-        <a:font script="Mlym" typeface="Kartika"/>
-        <a:font script="Laoo" typeface="DokChampa"/>
-        <a:font script="Sinh" typeface="Iskoola Pota"/>
-        <a:font script="Mong" typeface="Mongolian Baiti"/>
-        <a:font script="Viet" typeface="Times New Roman"/>
-        <a:font script="Uigh" typeface="Microsoft Uighur"/>
-        <a:font script="Geor" typeface="Sylfaen"/>
-      </a:majorFont>
-      <a:minorFont>
-        <a:latin typeface="Arial"/>
-        <a:ea typeface=""/>
-        <a:cs typeface=""/>
-        <a:font script="Jpan" typeface="ＭＳ Ｐゴシック"/>
-        <a:font script="Hang" typeface="맑은 고딕"/>
-        <a:font script="Hans" typeface="宋体"/>
-        <a:font script="Hant" typeface="新細明體"/>
-        <a:font script="Arab" typeface="Arial"/>
-        <a:font script="Hebr" typeface="Arial"/>
-        <a:font script="Thai" typeface="Cordia New"/>
-        <a:font script="Ethi" typeface="Nyala"/>
-        <a:font script="Beng" typeface="Vrinda"/>
-        <a:font script="Gujr" typeface="Shruti"/>
-        <a:font script="Khmr" typeface="DaunPenh"/>
-        <a:font script="Knda" typeface="Tunga"/>
-        <a:font script="Guru" typeface="Raavi"/>
-        <a:font script="Cans" typeface="Euphemia"/>
-        <a:font script="Cher" typeface="Plantagenet Cherokee"/>
-        <a:font script="Yiii" typeface="Microsoft Yi Baiti"/>
-        <a:font script="Tibt" typeface="Microsoft Himalaya"/>
-        <a:font script="Thaa" typeface="MV Boli"/>
-        <a:font script="Deva" typeface="Mangal"/>
-        <a:font script="Telu" typeface="Gautami"/>
-        <a:font script="Taml" typeface="Latha"/>
-        <a:font script="Syrc" typeface="Estrangelo Edessa"/>
-        <a:font script="Orya" typeface="Kalinga"/>
-        <a:font script="Mlym" typeface="Kartika"/>
-        <a:font script="Laoo" typeface="DokChampa"/>
-        <a:font script="Sinh" typeface="Iskoola Pota"/>
-        <a:font script="Mong" typeface="Mongolian Baiti"/>
-        <a:font script="Viet" typeface="Arial"/>
-        <a:font script="Uigh" typeface="Microsoft Uighur"/>
-        <a:font script="Geor" typeface="Sylfaen"/>
-      </a:minorFont>
-    </a:fontScheme>
-    <a:fmtScheme name="Office">
-      <a:fillStyleLst>
-        <a:solidFill>
-          <a:schemeClr val="phClr"/>
-        </a:solidFill>
-        <a:gradFill rotWithShape="1">
-          <a:gsLst>
-            <a:gs pos="0">
-              <a:schemeClr val="phClr">
-                <a:tint val="50000"/>
-                <a:satMod val="300000"/>
-              </a:schemeClr>
-            </a:gs>
-            <a:gs pos="35000">
-              <a:schemeClr val="phClr">
-                <a:tint val="37000"/>
-                <a:satMod val="300000"/>
-              </a:schemeClr>
-            </a:gs>
-            <a:gs pos="100000">
-              <a:schemeClr val="phClr">
-                <a:tint val="15000"/>
-                <a:satMod val="350000"/>
-              </a:schemeClr>
-            </a:gs>
-          </a:gsLst>
-          <a:lin ang="16200000" scaled="1"/>
-        </a:gradFill>
-        <a:gradFill rotWithShape="1">
-          <a:gsLst>
-            <a:gs pos="0">
-              <a:schemeClr val="phClr">
-                <a:tint val="100000"/>
-                <a:shade val="100000"/>
-                <a:satMod val="130000"/>
-              </a:schemeClr>
-            </a:gs>
-            <a:gs pos="100000">
-              <a:schemeClr val="phClr">
-                <a:tint val="50000"/>
-                <a:shade val="100000"/>
-                <a:satMod val="350000"/>
-              </a:schemeClr>
-            </a:gs>
-          </a:gsLst>
-          <a:lin ang="16200000" scaled="0"/>
-        </a:gradFill>
-      </a:fillStyleLst>
-      <a:lnStyleLst>
-        <a:ln w="9525" cap="flat" cmpd="sng" algn="ctr">
-          <a:solidFill>
-            <a:schemeClr val="phClr">
-              <a:shade val="95000"/>
-              <a:satMod val="105000"/>
-            </a:schemeClr>
-          </a:solidFill>
-          <a:prstDash val="solid"/>
-        </a:ln>
-        <a:ln w="25400" cap="flat" cmpd="sng" algn="ctr">
-          <a:solidFill>
-            <a:schemeClr val="phClr"/>
-          </a:solidFill>
-          <a:prstDash val="solid"/>
-        </a:ln>
-        <a:ln w="38100" cap="flat" cmpd="sng" algn="ctr">
-          <a:solidFill>
-            <a:schemeClr val="phClr"/>
-          </a:solidFill>
-          <a:prstDash val="solid"/>
-        </a:ln>
-      </a:lnStyleLst>
-      <a:effectStyleLst>
-        <a:effectStyle>
-          <a:effectLst>
-            <a:outerShdw blurRad="40000" dist="20000" dir="5400000" rotWithShape="0">
-              <a:srgbClr val="000000">
-                <a:alpha val="38000"/>
-              </a:srgbClr>
-            </a:outerShdw>
-          </a:effectLst>
-        </a:effectStyle>
-        <a:effectStyle>
-          <a:effectLst>
-            <a:outerShdw blurRad="40000" dist="23000" dir="5400000" rotWithShape="0">
-              <a:srgbClr val="000000">
-                <a:alpha val="35000"/>
-              </a:srgbClr>
-            </a:outerShdw>
-          </a:effectLst>
-        </a:effectStyle>
-        <a:effectStyle>
-          <a:effectLst>
-            <a:outerShdw blurRad="40000" dist="23000" dir="5400000" rotWithShape="0">
-              <a:srgbClr val="000000">
-                <a:alpha val="35000"/>
-              </a:srgbClr>
-            </a:outerShdw>
-          </a:effectLst>
-          <a:scene3d>
-            <a:camera prst="orthographicFront">
-              <a:rot lat="0" lon="0" rev="0"/>
-            </a:camera>
-            <a:lightRig rig="threePt" dir="t">
-              <a:rot lat="0" lon="0" rev="1200000"/>
-            </a:lightRig>
-          </a:scene3d>
-          <a:sp3d>
-            <a:bevelT w="63500" h="25400"/>
-          </a:sp3d>
-        </a:effectStyle>
-      </a:effectStyleLst>
-      <a:bgFillStyleLst>
-        <a:solidFill>
-          <a:schemeClr val="phClr"/>
-        </a:solidFill>
-        <a:gradFill rotWithShape="1">
-          <a:gsLst>
-            <a:gs pos="0">
-              <a:schemeClr val="phClr">
-                <a:tint val="40000"/>
-                <a:satMod val="350000"/>
-              </a:schemeClr>
-            </a:gs>
-            <a:gs pos="40000">
-              <a:schemeClr val="phClr">
-                <a:tint val="45000"/>
-                <a:shade val="99000"/>
-                <a:satMod val="350000"/>
-              </a:schemeClr>
-            </a:gs>
-            <a:gs pos="100000">
-              <a:schemeClr val="phClr">
-                <a:shade val="20000"/>
-                <a:satMod val="255000"/>
-              </a:schemeClr>
-            </a:gs>
-          </a:gsLst>
-          <a:path path="circle">
-            <a:fillToRect l="50000" t="-80000" r="50000" b="180000"/>
-          </a:path>
-        </a:gradFill>
-        <a:gradFill rotWithShape="1">
-          <a:gsLst>
-            <a:gs pos="0">
-              <a:schemeClr val="phClr">
-                <a:tint val="80000"/>
-                <a:satMod val="300000"/>
-              </a:schemeClr>
-            </a:gs>
-            <a:gs pos="100000">
-              <a:schemeClr val="phClr">
-                <a:shade val="30000"/>
-                <a:satMod val="200000"/>
-              </a:schemeClr>
-            </a:gs>
-          </a:gsLst>
-          <a:path path="circle">
-            <a:fillToRect l="50000" t="50000" r="50000" b="50000"/>
-          </a:path>
-        </a:gradFill>
-      </a:bgFillStyleLst>
-    </a:fmtScheme>
-  </a:themeElements>
-</a:theme>
 </file>
--- a/Barcode Reader Database.pptx
+++ b/Barcode Reader Database.pptx
@@ -18639,7 +18639,7 @@
             </a:pPr>
             <a:r>
               <a:rPr lang="en"/>
-              <a:t>Barcode Reader Database</a:t>
+              <a:t>Barcode Reader Database and Inventory System</a:t>
             </a:r>
             <a:endParaRPr/>
           </a:p>
@@ -20486,8 +20486,8 @@
         </p:blipFill>
         <p:spPr>
           <a:xfrm>
-            <a:off x="1922225" y="0"/>
-            <a:ext cx="7221775" cy="5143500"/>
+            <a:off x="1883050" y="0"/>
+            <a:ext cx="7260949" cy="5143501"/>
           </a:xfrm>
           <a:prstGeom prst="rect">
             <a:avLst/>
@@ -20569,17 +20569,18 @@
           <p:cNvPicPr preferRelativeResize="0"/>
           <p:nvPr/>
         </p:nvPicPr>
-        <p:blipFill rotWithShape="1">
+        <p:blipFill>
           <a:blip r:embed="rId3">
             <a:alphaModFix/>
           </a:blip>
-          <a:srcRect b="0" l="10058" r="5346" t="0"/>
-          <a:stretch/>
+          <a:stretch>
+            <a:fillRect/>
+          </a:stretch>
         </p:blipFill>
         <p:spPr>
           <a:xfrm>
-            <a:off x="2620375" y="236025"/>
-            <a:ext cx="6301801" cy="4907475"/>
+            <a:off x="2434125" y="0"/>
+            <a:ext cx="6709877" cy="5143501"/>
           </a:xfrm>
           <a:prstGeom prst="rect">
             <a:avLst/>
@@ -21374,6 +21375,285 @@
 </file>
 
 <file path=ppt/theme/theme1.xml><?xml version="1.0" encoding="utf-8"?>
+<a:theme xmlns:a="http://schemas.openxmlformats.org/drawingml/2006/main" xmlns:r="http://schemas.openxmlformats.org/officeDocument/2006/relationships" name="Spearmint">
+  <a:themeElements>
+    <a:clrScheme name="Spearmint">
+      <a:dk1>
+        <a:srgbClr val="202729"/>
+      </a:dk1>
+      <a:lt1>
+        <a:srgbClr val="FFFFFF"/>
+      </a:lt1>
+      <a:dk2>
+        <a:srgbClr val="4BA173"/>
+      </a:dk2>
+      <a:lt2>
+        <a:srgbClr val="63D297"/>
+      </a:lt2>
+      <a:accent1>
+        <a:srgbClr val="353744"/>
+      </a:accent1>
+      <a:accent2>
+        <a:srgbClr val="424242"/>
+      </a:accent2>
+      <a:accent3>
+        <a:srgbClr val="616161"/>
+      </a:accent3>
+      <a:accent4>
+        <a:srgbClr val="999999"/>
+      </a:accent4>
+      <a:accent5>
+        <a:srgbClr val="FF5252"/>
+      </a:accent5>
+      <a:accent6>
+        <a:srgbClr val="FFF176"/>
+      </a:accent6>
+      <a:hlink>
+        <a:srgbClr val="FF5252"/>
+      </a:hlink>
+      <a:folHlink>
+        <a:srgbClr val="FF5252"/>
+      </a:folHlink>
+    </a:clrScheme>
+    <a:fontScheme name="Office">
+      <a:majorFont>
+        <a:latin typeface="Arial"/>
+        <a:ea typeface=""/>
+        <a:cs typeface=""/>
+        <a:font script="Jpan" typeface="ＭＳ Ｐゴシック"/>
+        <a:font script="Hang" typeface="맑은 고딕"/>
+        <a:font script="Hans" typeface="宋体"/>
+        <a:font script="Hant" typeface="新細明體"/>
+        <a:font script="Arab" typeface="Times New Roman"/>
+        <a:font script="Hebr" typeface="Times New Roman"/>
+        <a:font script="Thai" typeface="Angsana New"/>
+        <a:font script="Ethi" typeface="Nyala"/>
+        <a:font script="Beng" typeface="Vrinda"/>
+        <a:font script="Gujr" typeface="Shruti"/>
+        <a:font script="Khmr" typeface="MoolBoran"/>
+        <a:font script="Knda" typeface="Tunga"/>
+        <a:font script="Guru" typeface="Raavi"/>
+        <a:font script="Cans" typeface="Euphemia"/>
+        <a:font script="Cher" typeface="Plantagenet Cherokee"/>
+        <a:font script="Yiii" typeface="Microsoft Yi Baiti"/>
+        <a:font script="Tibt" typeface="Microsoft Himalaya"/>
+        <a:font script="Thaa" typeface="MV Boli"/>
+        <a:font script="Deva" typeface="Mangal"/>
+        <a:font script="Telu" typeface="Gautami"/>
+        <a:font script="Taml" typeface="Latha"/>
+        <a:font script="Syrc" typeface="Estrangelo Edessa"/>
+        <a:font script="Orya" typeface="Kalinga"/>
+        <a:font script="Mlym" typeface="Kartika"/>
+        <a:font script="Laoo" typeface="DokChampa"/>
+        <a:font script="Sinh" typeface="Iskoola Pota"/>
+        <a:font script="Mong" typeface="Mongolian Baiti"/>
+        <a:font script="Viet" typeface="Times New Roman"/>
+        <a:font script="Uigh" typeface="Microsoft Uighur"/>
+        <a:font script="Geor" typeface="Sylfaen"/>
+      </a:majorFont>
+      <a:minorFont>
+        <a:latin typeface="Arial"/>
+        <a:ea typeface=""/>
+        <a:cs typeface=""/>
+        <a:font script="Jpan" typeface="ＭＳ Ｐゴシック"/>
+        <a:font script="Hang" typeface="맑은 고딕"/>
+        <a:font script="Hans" typeface="宋体"/>
+        <a:font script="Hant" typeface="新細明體"/>
+        <a:font script="Arab" typeface="Arial"/>
+        <a:font script="Hebr" typeface="Arial"/>
+        <a:font script="Thai" typeface="Cordia New"/>
+        <a:font script="Ethi" typeface="Nyala"/>
+        <a:font script="Beng" typeface="Vrinda"/>
+        <a:font script="Gujr" typeface="Shruti"/>
+        <a:font script="Khmr" typeface="DaunPenh"/>
+        <a:font script="Knda" typeface="Tunga"/>
+        <a:font script="Guru" typeface="Raavi"/>
+        <a:font script="Cans" typeface="Euphemia"/>
+        <a:font script="Cher" typeface="Plantagenet Cherokee"/>
+        <a:font script="Yiii" typeface="Microsoft Yi Baiti"/>
+        <a:font script="Tibt" typeface="Microsoft Himalaya"/>
+        <a:font script="Thaa" typeface="MV Boli"/>
+        <a:font script="Deva" typeface="Mangal"/>
+        <a:font script="Telu" typeface="Gautami"/>
+        <a:font script="Taml" typeface="Latha"/>
+        <a:font script="Syrc" typeface="Estrangelo Edessa"/>
+        <a:font script="Orya" typeface="Kalinga"/>
+        <a:font script="Mlym" typeface="Kartika"/>
+        <a:font script="Laoo" typeface="DokChampa"/>
+        <a:font script="Sinh" typeface="Iskoola Pota"/>
+        <a:font script="Mong" typeface="Mongolian Baiti"/>
+        <a:font script="Viet" typeface="Arial"/>
+        <a:font script="Uigh" typeface="Microsoft Uighur"/>
+        <a:font script="Geor" typeface="Sylfaen"/>
+      </a:minorFont>
+    </a:fontScheme>
+    <a:fmtScheme name="Office">
+      <a:fillStyleLst>
+        <a:solidFill>
+          <a:schemeClr val="phClr"/>
+        </a:solidFill>
+        <a:gradFill rotWithShape="1">
+          <a:gsLst>
+            <a:gs pos="0">
+              <a:schemeClr val="phClr">
+                <a:tint val="50000"/>
+                <a:satMod val="300000"/>
+              </a:schemeClr>
+            </a:gs>
+            <a:gs pos="35000">
+              <a:schemeClr val="phClr">
+                <a:tint val="37000"/>
+                <a:satMod val="300000"/>
+              </a:schemeClr>
+            </a:gs>
+            <a:gs pos="100000">
+              <a:schemeClr val="phClr">
+                <a:tint val="15000"/>
+                <a:satMod val="350000"/>
+              </a:schemeClr>
+            </a:gs>
+          </a:gsLst>
+          <a:lin ang="16200000" scaled="1"/>
+        </a:gradFill>
+        <a:gradFill rotWithShape="1">
+          <a:gsLst>
+            <a:gs pos="0">
+              <a:schemeClr val="phClr">
+                <a:tint val="100000"/>
+                <a:shade val="100000"/>
+                <a:satMod val="130000"/>
+              </a:schemeClr>
+            </a:gs>
+            <a:gs pos="100000">
+              <a:schemeClr val="phClr">
+                <a:tint val="50000"/>
+                <a:shade val="100000"/>
+                <a:satMod val="350000"/>
+              </a:schemeClr>
+            </a:gs>
+          </a:gsLst>
+          <a:lin ang="16200000" scaled="0"/>
+        </a:gradFill>
+      </a:fillStyleLst>
+      <a:lnStyleLst>
+        <a:ln w="9525" cap="flat" cmpd="sng" algn="ctr">
+          <a:solidFill>
+            <a:schemeClr val="phClr">
+              <a:shade val="95000"/>
+              <a:satMod val="105000"/>
+            </a:schemeClr>
+          </a:solidFill>
+          <a:prstDash val="solid"/>
+        </a:ln>
+        <a:ln w="25400" cap="flat" cmpd="sng" algn="ctr">
+          <a:solidFill>
+            <a:schemeClr val="phClr"/>
+          </a:solidFill>
+          <a:prstDash val="solid"/>
+        </a:ln>
+        <a:ln w="38100" cap="flat" cmpd="sng" algn="ctr">
+          <a:solidFill>
+            <a:schemeClr val="phClr"/>
+          </a:solidFill>
+          <a:prstDash val="solid"/>
+        </a:ln>
+      </a:lnStyleLst>
+      <a:effectStyleLst>
+        <a:effectStyle>
+          <a:effectLst>
+            <a:outerShdw blurRad="40000" dist="20000" dir="5400000" rotWithShape="0">
+              <a:srgbClr val="000000">
+                <a:alpha val="38000"/>
+              </a:srgbClr>
+            </a:outerShdw>
+          </a:effectLst>
+        </a:effectStyle>
+        <a:effectStyle>
+          <a:effectLst>
+            <a:outerShdw blurRad="40000" dist="23000" dir="5400000" rotWithShape="0">
+              <a:srgbClr val="000000">
+                <a:alpha val="35000"/>
+              </a:srgbClr>
+            </a:outerShdw>
+          </a:effectLst>
+        </a:effectStyle>
+        <a:effectStyle>
+          <a:effectLst>
+            <a:outerShdw blurRad="40000" dist="23000" dir="5400000" rotWithShape="0">
+              <a:srgbClr val="000000">
+                <a:alpha val="35000"/>
+              </a:srgbClr>
+            </a:outerShdw>
+          </a:effectLst>
+          <a:scene3d>
+            <a:camera prst="orthographicFront">
+              <a:rot lat="0" lon="0" rev="0"/>
+            </a:camera>
+            <a:lightRig rig="threePt" dir="t">
+              <a:rot lat="0" lon="0" rev="1200000"/>
+            </a:lightRig>
+          </a:scene3d>
+          <a:sp3d>
+            <a:bevelT w="63500" h="25400"/>
+          </a:sp3d>
+        </a:effectStyle>
+      </a:effectStyleLst>
+      <a:bgFillStyleLst>
+        <a:solidFill>
+          <a:schemeClr val="phClr"/>
+        </a:solidFill>
+        <a:gradFill rotWithShape="1">
+          <a:gsLst>
+            <a:gs pos="0">
+              <a:schemeClr val="phClr">
+                <a:tint val="40000"/>
+                <a:satMod val="350000"/>
+              </a:schemeClr>
+            </a:gs>
+            <a:gs pos="40000">
+              <a:schemeClr val="phClr">
+                <a:tint val="45000"/>
+                <a:shade val="99000"/>
+                <a:satMod val="350000"/>
+              </a:schemeClr>
+            </a:gs>
+            <a:gs pos="100000">
+              <a:schemeClr val="phClr">
+                <a:shade val="20000"/>
+                <a:satMod val="255000"/>
+              </a:schemeClr>
+            </a:gs>
+          </a:gsLst>
+          <a:path path="circle">
+            <a:fillToRect l="50000" t="-80000" r="50000" b="180000"/>
+          </a:path>
+        </a:gradFill>
+        <a:gradFill rotWithShape="1">
+          <a:gsLst>
+            <a:gs pos="0">
+              <a:schemeClr val="phClr">
+                <a:tint val="80000"/>
+                <a:satMod val="300000"/>
+              </a:schemeClr>
+            </a:gs>
+            <a:gs pos="100000">
+              <a:schemeClr val="phClr">
+                <a:shade val="30000"/>
+                <a:satMod val="200000"/>
+              </a:schemeClr>
+            </a:gs>
+          </a:gsLst>
+          <a:path path="circle">
+            <a:fillToRect l="50000" t="50000" r="50000" b="50000"/>
+          </a:path>
+        </a:gradFill>
+      </a:bgFillStyleLst>
+    </a:fmtScheme>
+  </a:themeElements>
+</a:theme>
+</file>
+
+<file path=ppt/theme/theme2.xml><?xml version="1.0" encoding="utf-8"?>
 <a:theme xmlns:a="http://schemas.openxmlformats.org/drawingml/2006/main" xmlns:r="http://schemas.openxmlformats.org/officeDocument/2006/relationships">
   <a:themeElements>
     <a:clrScheme name="Default">
@@ -21650,283 +21930,4 @@
     </a:fmtScheme>
   </a:themeElements>
 </a:theme>
-</file>
-
-<file path=ppt/theme/theme2.xml><?xml version="1.0" encoding="utf-8"?>
-<a:theme xmlns:a="http://schemas.openxmlformats.org/drawingml/2006/main" xmlns:r="http://schemas.openxmlformats.org/officeDocument/2006/relationships" name="Spearmint">
-  <a:themeElements>
-    <a:clrScheme name="Spearmint">
-      <a:dk1>
-        <a:srgbClr val="202729"/>
-      </a:dk1>
-      <a:lt1>
-        <a:srgbClr val="FFFFFF"/>
-      </a:lt1>
-      <a:dk2>
-        <a:srgbClr val="4BA173"/>
-      </a:dk2>
-      <a:lt2>
-        <a:srgbClr val="63D297"/>
-      </a:lt2>
-      <a:accent1>
-        <a:srgbClr val="353744"/>
-      </a:accent1>
-      <a:accent2>
-        <a:srgbClr val="424242"/>
-      </a:accent2>
-      <a:accent3>
-        <a:srgbClr val="616161"/>
-      </a:accent3>
-      <a:accent4>
-        <a:srgbClr val="999999"/>
-      </a:accent4>
-      <a:accent5>
-        <a:srgbClr val="FF5252"/>
-      </a:accent5>
-      <a:accent6>
-        <a:srgbClr val="FFF176"/>
-      </a:accent6>
-      <a:hlink>
-        <a:srgbClr val="FF5252"/>
-      </a:hlink>
-      <a:folHlink>
-        <a:srgbClr val="FF5252"/>
-      </a:folHlink>
-    </a:clrScheme>
-    <a:fontScheme name="Office">
-      <a:majorFont>
-        <a:latin typeface="Arial"/>
-        <a:ea typeface=""/>
-        <a:cs typeface=""/>
-        <a:font script="Jpan" typeface="ＭＳ Ｐゴシック"/>
-        <a:font script="Hang" typeface="맑은 고딕"/>
-        <a:font script="Hans" typeface="宋体"/>
-        <a:font script="Hant" typeface="新細明體"/>
-        <a:font script="Arab" typeface="Times New Roman"/>
-        <a:font script="Hebr" typeface="Times New Roman"/>
-        <a:font script="Thai" typeface="Angsana New"/>
-        <a:font script="Ethi" typeface="Nyala"/>
-        <a:font script="Beng" typeface="Vrinda"/>
-        <a:font script="Gujr" typeface="Shruti"/>
-        <a:font script="Khmr" typeface="MoolBoran"/>
-        <a:font script="Knda" typeface="Tunga"/>
-        <a:font script="Guru" typeface="Raavi"/>
-        <a:font script="Cans" typeface="Euphemia"/>
-        <a:font script="Cher" typeface="Plantagenet Cherokee"/>
-        <a:font script="Yiii" typeface="Microsoft Yi Baiti"/>
-        <a:font script="Tibt" typeface="Microsoft Himalaya"/>
-        <a:font script="Thaa" typeface="MV Boli"/>
-        <a:font script="Deva" typeface="Mangal"/>
-        <a:font script="Telu" typeface="Gautami"/>
-        <a:font script="Taml" typeface="Latha"/>
-        <a:font script="Syrc" typeface="Estrangelo Edessa"/>
-        <a:font script="Orya" typeface="Kalinga"/>
-        <a:font script="Mlym" typeface="Kartika"/>
-        <a:font script="Laoo" typeface="DokChampa"/>
-        <a:font script="Sinh" typeface="Iskoola Pota"/>
-        <a:font script="Mong" typeface="Mongolian Baiti"/>
-        <a:font script="Viet" typeface="Times New Roman"/>
-        <a:font script="Uigh" typeface="Microsoft Uighur"/>
-        <a:font script="Geor" typeface="Sylfaen"/>
-      </a:majorFont>
-      <a:minorFont>
-        <a:latin typeface="Arial"/>
-        <a:ea typeface=""/>
-        <a:cs typeface=""/>
-        <a:font script="Jpan" typeface="ＭＳ Ｐゴシック"/>
-        <a:font script="Hang" typeface="맑은 고딕"/>
-        <a:font script="Hans" typeface="宋体"/>
-        <a:font script="Hant" typeface="新細明體"/>
-        <a:font script="Arab" typeface="Arial"/>
-        <a:font script="Hebr" typeface="Arial"/>
-        <a:font script="Thai" typeface="Cordia New"/>
-        <a:font script="Ethi" typeface="Nyala"/>
-        <a:font script="Beng" typeface="Vrinda"/>
-        <a:font script="Gujr" typeface="Shruti"/>
-        <a:font script="Khmr" typeface="DaunPenh"/>
-        <a:font script="Knda" typeface="Tunga"/>
-        <a:font script="Guru" typeface="Raavi"/>
-        <a:font script="Cans" typeface="Euphemia"/>
-        <a:font script="Cher" typeface="Plantagenet Cherokee"/>
-        <a:font script="Yiii" typeface="Microsoft Yi Baiti"/>
-        <a:font script="Tibt" typeface="Microsoft Himalaya"/>
-        <a:font script="Thaa" typeface="MV Boli"/>
-        <a:font script="Deva" typeface="Mangal"/>
-        <a:font script="Telu" typeface="Gautami"/>
-        <a:font script="Taml" typeface="Latha"/>
-        <a:font script="Syrc" typeface="Estrangelo Edessa"/>
-        <a:font script="Orya" typeface="Kalinga"/>
-        <a:font script="Mlym" typeface="Kartika"/>
-        <a:font script="Laoo" typeface="DokChampa"/>
-        <a:font script="Sinh" typeface="Iskoola Pota"/>
-        <a:font script="Mong" typeface="Mongolian Baiti"/>
-        <a:font script="Viet" typeface="Arial"/>
-        <a:font script="Uigh" typeface="Microsoft Uighur"/>
-        <a:font script="Geor" typeface="Sylfaen"/>
-      </a:minorFont>
-    </a:fontScheme>
-    <a:fmtScheme name="Office">
-      <a:fillStyleLst>
-        <a:solidFill>
-          <a:schemeClr val="phClr"/>
-        </a:solidFill>
-        <a:gradFill rotWithShape="1">
-          <a:gsLst>
-            <a:gs pos="0">
-              <a:schemeClr val="phClr">
-                <a:tint val="50000"/>
-                <a:satMod val="300000"/>
-              </a:schemeClr>
-            </a:gs>
-            <a:gs pos="35000">
-              <a:schemeClr val="phClr">
-                <a:tint val="37000"/>
-                <a:satMod val="300000"/>
-              </a:schemeClr>
-            </a:gs>
-            <a:gs pos="100000">
-              <a:schemeClr val="phClr">
-                <a:tint val="15000"/>
-                <a:satMod val="350000"/>
-              </a:schemeClr>
-            </a:gs>
-          </a:gsLst>
-          <a:lin ang="16200000" scaled="1"/>
-        </a:gradFill>
-        <a:gradFill rotWithShape="1">
-          <a:gsLst>
-            <a:gs pos="0">
-              <a:schemeClr val="phClr">
-                <a:tint val="100000"/>
-                <a:shade val="100000"/>
-                <a:satMod val="130000"/>
-              </a:schemeClr>
-            </a:gs>
-            <a:gs pos="100000">
-              <a:schemeClr val="phClr">
-                <a:tint val="50000"/>
-                <a:shade val="100000"/>
-                <a:satMod val="350000"/>
-              </a:schemeClr>
-            </a:gs>
-          </a:gsLst>
-          <a:lin ang="16200000" scaled="0"/>
-        </a:gradFill>
-      </a:fillStyleLst>
-      <a:lnStyleLst>
-        <a:ln w="9525" cap="flat" cmpd="sng" algn="ctr">
-          <a:solidFill>
-            <a:schemeClr val="phClr">
-              <a:shade val="95000"/>
-              <a:satMod val="105000"/>
-            </a:schemeClr>
-          </a:solidFill>
-          <a:prstDash val="solid"/>
-        </a:ln>
-        <a:ln w="25400" cap="flat" cmpd="sng" algn="ctr">
-          <a:solidFill>
-            <a:schemeClr val="phClr"/>
-          </a:solidFill>
-          <a:prstDash val="solid"/>
-        </a:ln>
-        <a:ln w="38100" cap="flat" cmpd="sng" algn="ctr">
-          <a:solidFill>
-            <a:schemeClr val="phClr"/>
-          </a:solidFill>
-          <a:prstDash val="solid"/>
-        </a:ln>
-      </a:lnStyleLst>
-      <a:effectStyleLst>
-        <a:effectStyle>
-          <a:effectLst>
-            <a:outerShdw blurRad="40000" dist="20000" dir="5400000" rotWithShape="0">
-              <a:srgbClr val="000000">
-                <a:alpha val="38000"/>
-              </a:srgbClr>
-            </a:outerShdw>
-          </a:effectLst>
-        </a:effectStyle>
-        <a:effectStyle>
-          <a:effectLst>
-            <a:outerShdw blurRad="40000" dist="23000" dir="5400000" rotWithShape="0">
-              <a:srgbClr val="000000">
-                <a:alpha val="35000"/>
-              </a:srgbClr>
-            </a:outerShdw>
-          </a:effectLst>
-        </a:effectStyle>
-        <a:effectStyle>
-          <a:effectLst>
-            <a:outerShdw blurRad="40000" dist="23000" dir="5400000" rotWithShape="0">
-              <a:srgbClr val="000000">
-                <a:alpha val="35000"/>
-              </a:srgbClr>
-            </a:outerShdw>
-          </a:effectLst>
-          <a:scene3d>
-            <a:camera prst="orthographicFront">
-              <a:rot lat="0" lon="0" rev="0"/>
-            </a:camera>
-            <a:lightRig rig="threePt" dir="t">
-              <a:rot lat="0" lon="0" rev="1200000"/>
-            </a:lightRig>
-          </a:scene3d>
-          <a:sp3d>
-            <a:bevelT w="63500" h="25400"/>
-          </a:sp3d>
-        </a:effectStyle>
-      </a:effectStyleLst>
-      <a:bgFillStyleLst>
-        <a:solidFill>
-          <a:schemeClr val="phClr"/>
-        </a:solidFill>
-        <a:gradFill rotWithShape="1">
-          <a:gsLst>
-            <a:gs pos="0">
-              <a:schemeClr val="phClr">
-                <a:tint val="40000"/>
-                <a:satMod val="350000"/>
-              </a:schemeClr>
-            </a:gs>
-            <a:gs pos="40000">
-              <a:schemeClr val="phClr">
-                <a:tint val="45000"/>
-                <a:shade val="99000"/>
-                <a:satMod val="350000"/>
-              </a:schemeClr>
-            </a:gs>
-            <a:gs pos="100000">
-              <a:schemeClr val="phClr">
-                <a:shade val="20000"/>
-                <a:satMod val="255000"/>
-              </a:schemeClr>
-            </a:gs>
-          </a:gsLst>
-          <a:path path="circle">
-            <a:fillToRect l="50000" t="-80000" r="50000" b="180000"/>
-          </a:path>
-        </a:gradFill>
-        <a:gradFill rotWithShape="1">
-          <a:gsLst>
-            <a:gs pos="0">
-              <a:schemeClr val="phClr">
-                <a:tint val="80000"/>
-                <a:satMod val="300000"/>
-              </a:schemeClr>
-            </a:gs>
-            <a:gs pos="100000">
-              <a:schemeClr val="phClr">
-                <a:shade val="30000"/>
-                <a:satMod val="200000"/>
-              </a:schemeClr>
-            </a:gs>
-          </a:gsLst>
-          <a:path path="circle">
-            <a:fillToRect l="50000" t="50000" r="50000" b="50000"/>
-          </a:path>
-        </a:gradFill>
-      </a:bgFillStyleLst>
-    </a:fmtScheme>
-  </a:themeElements>
-</a:theme>
 </file>
--- a/Barcode Reader Database.pptx
+++ b/Barcode Reader Database.pptx
@@ -18803,6 +18803,26 @@
             </a:endParaRPr>
           </a:p>
           <a:p>
+            <a:pPr indent="0" lvl="0" marL="457200" rtl="0" algn="l">
+              <a:spcBef>
+                <a:spcPts val="0"/>
+              </a:spcBef>
+              <a:spcAft>
+                <a:spcPts val="0"/>
+              </a:spcAft>
+              <a:buNone/>
+            </a:pPr>
+            <a:r>
+              <a:t/>
+            </a:r>
+            <a:endParaRPr sz="1700">
+              <a:latin typeface="Proxima Nova"/>
+              <a:ea typeface="Proxima Nova"/>
+              <a:cs typeface="Proxima Nova"/>
+              <a:sym typeface="Proxima Nova"/>
+            </a:endParaRPr>
+          </a:p>
+          <a:p>
             <a:pPr indent="-336550" lvl="0" marL="457200" rtl="0" algn="l">
               <a:spcBef>
                 <a:spcPts val="0"/>
@@ -18884,6 +18904,26 @@
             </a:endParaRPr>
           </a:p>
           <a:p>
+            <a:pPr indent="0" lvl="0" marL="457200" rtl="0" algn="l">
+              <a:spcBef>
+                <a:spcPts val="0"/>
+              </a:spcBef>
+              <a:spcAft>
+                <a:spcPts val="0"/>
+              </a:spcAft>
+              <a:buNone/>
+            </a:pPr>
+            <a:r>
+              <a:t/>
+            </a:r>
+            <a:endParaRPr sz="1700">
+              <a:latin typeface="Proxima Nova"/>
+              <a:ea typeface="Proxima Nova"/>
+              <a:cs typeface="Proxima Nova"/>
+              <a:sym typeface="Proxima Nova"/>
+            </a:endParaRPr>
+          </a:p>
+          <a:p>
             <a:pPr indent="-336550" lvl="0" marL="457200" rtl="0" algn="l">
               <a:spcBef>
                 <a:spcPts val="0"/>
@@ -18903,6 +18943,26 @@
                 <a:sym typeface="Proxima Nova"/>
               </a:rPr>
               <a:t>Clerk Can Update Inventory Product Amounts or Lookup Unit Price</a:t>
+            </a:r>
+            <a:endParaRPr sz="1700">
+              <a:latin typeface="Proxima Nova"/>
+              <a:ea typeface="Proxima Nova"/>
+              <a:cs typeface="Proxima Nova"/>
+              <a:sym typeface="Proxima Nova"/>
+            </a:endParaRPr>
+          </a:p>
+          <a:p>
+            <a:pPr indent="0" lvl="0" marL="457200" rtl="0" algn="l">
+              <a:spcBef>
+                <a:spcPts val="0"/>
+              </a:spcBef>
+              <a:spcAft>
+                <a:spcPts val="0"/>
+              </a:spcAft>
+              <a:buNone/>
+            </a:pPr>
+            <a:r>
+              <a:t/>
             </a:r>
             <a:endParaRPr sz="1700">
               <a:latin typeface="Proxima Nova"/>
@@ -20579,8 +20639,8 @@
         </p:blipFill>
         <p:spPr>
           <a:xfrm>
-            <a:off x="2434125" y="0"/>
-            <a:ext cx="6709877" cy="5143501"/>
+            <a:off x="2445825" y="0"/>
+            <a:ext cx="6698175" cy="5143503"/>
           </a:xfrm>
           <a:prstGeom prst="rect">
             <a:avLst/>

--- a/Barcode Reader Database.pptx
+++ b/Barcode Reader Database.pptx
@@ -18859,33 +18859,7 @@
                 <a:cs typeface="Proxima Nova"/>
                 <a:sym typeface="Proxima Nova"/>
               </a:rPr>
-              <a:t>, Add New Products,</a:t>
-            </a:r>
-            <a:endParaRPr sz="1700">
-              <a:latin typeface="Proxima Nova"/>
-              <a:ea typeface="Proxima Nova"/>
-              <a:cs typeface="Proxima Nova"/>
-              <a:sym typeface="Proxima Nova"/>
-            </a:endParaRPr>
-          </a:p>
-          <a:p>
-            <a:pPr indent="0" lvl="0" marL="457200" rtl="0" algn="l">
-              <a:spcBef>
-                <a:spcPts val="0"/>
-              </a:spcBef>
-              <a:spcAft>
-                <a:spcPts val="0"/>
-              </a:spcAft>
-              <a:buNone/>
-            </a:pPr>
-            <a:r>
-              <a:rPr lang="en" sz="1700">
-                <a:latin typeface="Proxima Nova"/>
-                <a:ea typeface="Proxima Nova"/>
-                <a:cs typeface="Proxima Nova"/>
-                <a:sym typeface="Proxima Nova"/>
-              </a:rPr>
-              <a:t>Or </a:t>
+              <a:t>, Update Product Price, Add New Products, Or </a:t>
             </a:r>
             <a:r>
               <a:rPr lang="en" sz="1700">
@@ -18935,6 +18909,15 @@
               <a:buFont typeface="Proxima Nova"/>
               <a:buChar char="●"/>
             </a:pPr>
+            <a:r>
+              <a:rPr lang="en" sz="1700">
+                <a:latin typeface="Proxima Nova"/>
+                <a:ea typeface="Proxima Nova"/>
+                <a:cs typeface="Proxima Nova"/>
+                <a:sym typeface="Proxima Nova"/>
+              </a:rPr>
+              <a:t>Inventory </a:t>
+            </a:r>
             <a:r>
               <a:rPr lang="en" sz="1700">
                 <a:latin typeface="Proxima Nova"/>

--- a/Barcode Reader Database.pptx
+++ b/Barcode Reader Database.pptx
@@ -16,16 +16,17 @@
     <p:sldId id="261" r:id="rId11"/>
     <p:sldId id="262" r:id="rId12"/>
     <p:sldId id="263" r:id="rId13"/>
+    <p:sldId id="264" r:id="rId14"/>
   </p:sldIdLst>
   <p:sldSz cy="5143500" cx="9144000"/>
   <p:notesSz cx="6858000" cy="9144000"/>
   <p:embeddedFontLst>
     <p:embeddedFont>
       <p:font typeface="Proxima Nova"/>
-      <p:regular r:id="rId14"/>
-      <p:bold r:id="rId15"/>
-      <p:italic r:id="rId16"/>
-      <p:boldItalic r:id="rId17"/>
+      <p:regular r:id="rId15"/>
+      <p:bold r:id="rId16"/>
+      <p:italic r:id="rId17"/>
+      <p:boldItalic r:id="rId18"/>
     </p:embeddedFont>
   </p:embeddedFontLst>
   <p:defaultTextStyle>
@@ -1400,7 +1401,7 @@
   <p:cSld>
     <p:spTree>
       <p:nvGrpSpPr>
-        <p:cNvPr id="338" name="Shape 338"/>
+        <p:cNvPr id="336" name="Shape 336"/>
         <p:cNvGrpSpPr/>
         <p:nvPr/>
       </p:nvGrpSpPr>
@@ -1414,7 +1415,7 @@
       </p:grpSpPr>
       <p:sp>
         <p:nvSpPr>
-          <p:cNvPr id="339" name="Google Shape;339;g9d32a4484b_0_5694:notes"/>
+          <p:cNvPr id="337" name="Google Shape;337;ga490bd8d71_0_8:notes"/>
           <p:cNvSpPr/>
           <p:nvPr>
             <p:ph idx="2" type="sldImg"/>
@@ -1449,7 +1450,106 @@
       </p:sp>
       <p:sp>
         <p:nvSpPr>
-          <p:cNvPr id="340" name="Google Shape;340;g9d32a4484b_0_5694:notes"/>
+          <p:cNvPr id="338" name="Google Shape;338;ga490bd8d71_0_8:notes"/>
+          <p:cNvSpPr txBox="1"/>
+          <p:nvPr>
+            <p:ph idx="1" type="body"/>
+          </p:nvPr>
+        </p:nvSpPr>
+        <p:spPr>
+          <a:xfrm>
+            <a:off x="685800" y="4343400"/>
+            <a:ext cx="5486400" cy="4114800"/>
+          </a:xfrm>
+          <a:prstGeom prst="rect">
+            <a:avLst/>
+          </a:prstGeom>
+        </p:spPr>
+        <p:txBody>
+          <a:bodyPr anchorCtr="0" anchor="t" bIns="91425" lIns="91425" spcFirstLastPara="1" rIns="91425" wrap="square" tIns="91425">
+            <a:noAutofit/>
+          </a:bodyPr>
+          <a:lstStyle/>
+          <a:p>
+            <a:pPr indent="0" lvl="0" marL="0" rtl="0" algn="l">
+              <a:spcBef>
+                <a:spcPts val="0"/>
+              </a:spcBef>
+              <a:spcAft>
+                <a:spcPts val="0"/>
+              </a:spcAft>
+              <a:buNone/>
+            </a:pPr>
+            <a:r>
+              <a:t/>
+            </a:r>
+            <a:endParaRPr/>
+          </a:p>
+        </p:txBody>
+      </p:sp>
+    </p:spTree>
+  </p:cSld>
+  <p:clrMapOvr>
+    <a:masterClrMapping/>
+  </p:clrMapOvr>
+</p:notes>
+</file>
+
+<file path=ppt/notesSlides/notesSlide9.xml><?xml version="1.0" encoding="utf-8"?>
+<p:notes xmlns:a="http://schemas.openxmlformats.org/drawingml/2006/main" xmlns:r="http://schemas.openxmlformats.org/officeDocument/2006/relationships" xmlns:mc="http://schemas.openxmlformats.org/markup-compatibility/2006" xmlns:mv="urn:schemas-microsoft-com:mac:vml" xmlns:p="http://schemas.openxmlformats.org/presentationml/2006/main" xmlns:c="http://schemas.openxmlformats.org/drawingml/2006/chart" xmlns:dgm="http://schemas.openxmlformats.org/drawingml/2006/diagram" xmlns:o="urn:schemas-microsoft-com:office:office" xmlns:v="urn:schemas-microsoft-com:vml" xmlns:pvml="urn:schemas-microsoft-com:office:powerpoint" xmlns:com="http://schemas.openxmlformats.org/drawingml/2006/compatibility" xmlns:p14="http://schemas.microsoft.com/office/powerpoint/2010/main" xmlns:p15="http://schemas.microsoft.com/office/powerpoint/2012/main" xmlns:ahyp="http://schemas.microsoft.com/office/drawing/2018/hyperlinkcolor" showMasterPhAnim="0" showMasterSp="0">
+  <p:cSld>
+    <p:spTree>
+      <p:nvGrpSpPr>
+        <p:cNvPr id="344" name="Shape 344"/>
+        <p:cNvGrpSpPr/>
+        <p:nvPr/>
+      </p:nvGrpSpPr>
+      <p:grpSpPr>
+        <a:xfrm>
+          <a:off x="0" y="0"/>
+          <a:ext cx="0" cy="0"/>
+          <a:chOff x="0" y="0"/>
+          <a:chExt cx="0" cy="0"/>
+        </a:xfrm>
+      </p:grpSpPr>
+      <p:sp>
+        <p:nvSpPr>
+          <p:cNvPr id="345" name="Google Shape;345;g9d32a4484b_0_5694:notes"/>
+          <p:cNvSpPr/>
+          <p:nvPr>
+            <p:ph idx="2" type="sldImg"/>
+          </p:nvPr>
+        </p:nvSpPr>
+        <p:spPr>
+          <a:xfrm>
+            <a:off x="381300" y="685800"/>
+            <a:ext cx="6096000" cy="3429000"/>
+          </a:xfrm>
+          <a:custGeom>
+            <a:rect b="b" l="l" r="r" t="t"/>
+            <a:pathLst>
+              <a:path extrusionOk="0" h="120000" w="120000">
+                <a:moveTo>
+                  <a:pt x="0" y="0"/>
+                </a:moveTo>
+                <a:lnTo>
+                  <a:pt x="120000" y="0"/>
+                </a:lnTo>
+                <a:lnTo>
+                  <a:pt x="120000" y="120000"/>
+                </a:lnTo>
+                <a:lnTo>
+                  <a:pt x="0" y="120000"/>
+                </a:lnTo>
+                <a:close/>
+              </a:path>
+            </a:pathLst>
+          </a:custGeom>
+        </p:spPr>
+      </p:sp>
+      <p:sp>
+        <p:nvSpPr>
+          <p:cNvPr id="346" name="Google Shape;346;g9d32a4484b_0_5694:notes"/>
           <p:cNvSpPr txBox="1"/>
           <p:nvPr>
             <p:ph idx="1" type="body"/>
@@ -20622,8 +20722,8 @@
         </p:blipFill>
         <p:spPr>
           <a:xfrm>
-            <a:off x="2445825" y="0"/>
-            <a:ext cx="6698175" cy="5143503"/>
+            <a:off x="2420600" y="0"/>
+            <a:ext cx="6711827" cy="5143498"/>
           </a:xfrm>
           <a:prstGeom prst="rect">
             <a:avLst/>
@@ -20699,626 +20799,9 @@
           </a:p>
         </p:txBody>
       </p:sp>
-      <p:sp>
-        <p:nvSpPr>
-          <p:cNvPr id="335" name="Google Shape;335;p23"/>
-          <p:cNvSpPr txBox="1"/>
-          <p:nvPr/>
-        </p:nvSpPr>
-        <p:spPr>
-          <a:xfrm>
-            <a:off x="185350" y="1402925"/>
-            <a:ext cx="1679100" cy="3275400"/>
-          </a:xfrm>
-          <a:prstGeom prst="rect">
-            <a:avLst/>
-          </a:prstGeom>
-          <a:noFill/>
-          <a:ln>
-            <a:noFill/>
-          </a:ln>
-        </p:spPr>
-        <p:txBody>
-          <a:bodyPr anchorCtr="0" anchor="t" bIns="91425" lIns="91425" spcFirstLastPara="1" rIns="91425" wrap="square" tIns="91425">
-            <a:noAutofit/>
-          </a:bodyPr>
-          <a:lstStyle/>
-          <a:p>
-            <a:pPr indent="0" lvl="0" marL="0" rtl="0" algn="l">
-              <a:lnSpc>
-                <a:spcPct val="115000"/>
-              </a:lnSpc>
-              <a:spcBef>
-                <a:spcPts val="0"/>
-              </a:spcBef>
-              <a:spcAft>
-                <a:spcPts val="0"/>
-              </a:spcAft>
-              <a:buNone/>
-            </a:pPr>
-            <a:r>
-              <a:rPr lang="en"/>
-              <a:t>Inventory</a:t>
-            </a:r>
-            <a:endParaRPr/>
-          </a:p>
-          <a:p>
-            <a:pPr indent="0" lvl="0" marL="0" rtl="0" algn="l">
-              <a:lnSpc>
-                <a:spcPct val="115000"/>
-              </a:lnSpc>
-              <a:spcBef>
-                <a:spcPts val="0"/>
-              </a:spcBef>
-              <a:spcAft>
-                <a:spcPts val="0"/>
-              </a:spcAft>
-              <a:buNone/>
-            </a:pPr>
-            <a:r>
-              <a:rPr lang="en"/>
-              <a:t>- i_barcode</a:t>
-            </a:r>
-            <a:endParaRPr/>
-          </a:p>
-          <a:p>
-            <a:pPr indent="0" lvl="0" marL="0" rtl="0" algn="l">
-              <a:lnSpc>
-                <a:spcPct val="115000"/>
-              </a:lnSpc>
-              <a:spcBef>
-                <a:spcPts val="0"/>
-              </a:spcBef>
-              <a:spcAft>
-                <a:spcPts val="0"/>
-              </a:spcAft>
-              <a:buNone/>
-            </a:pPr>
-            <a:r>
-              <a:rPr lang="en"/>
-              <a:t>- i_stock</a:t>
-            </a:r>
-            <a:endParaRPr/>
-          </a:p>
-          <a:p>
-            <a:pPr indent="0" lvl="0" marL="0" rtl="0" algn="l">
-              <a:lnSpc>
-                <a:spcPct val="115000"/>
-              </a:lnSpc>
-              <a:spcBef>
-                <a:spcPts val="0"/>
-              </a:spcBef>
-              <a:spcAft>
-                <a:spcPts val="0"/>
-              </a:spcAft>
-              <a:buNone/>
-            </a:pPr>
-            <a:r>
-              <a:rPr lang="en"/>
-              <a:t>- i_storeID</a:t>
-            </a:r>
-            <a:endParaRPr/>
-          </a:p>
-          <a:p>
-            <a:pPr indent="0" lvl="0" marL="0" rtl="0" algn="l">
-              <a:lnSpc>
-                <a:spcPct val="115000"/>
-              </a:lnSpc>
-              <a:spcBef>
-                <a:spcPts val="0"/>
-              </a:spcBef>
-              <a:spcAft>
-                <a:spcPts val="0"/>
-              </a:spcAft>
-              <a:buNone/>
-            </a:pPr>
-            <a:r>
-              <a:t/>
-            </a:r>
-            <a:endParaRPr/>
-          </a:p>
-          <a:p>
-            <a:pPr indent="0" lvl="0" marL="0" rtl="0" algn="l">
-              <a:lnSpc>
-                <a:spcPct val="115000"/>
-              </a:lnSpc>
-              <a:spcBef>
-                <a:spcPts val="0"/>
-              </a:spcBef>
-              <a:spcAft>
-                <a:spcPts val="0"/>
-              </a:spcAft>
-              <a:buNone/>
-            </a:pPr>
-            <a:r>
-              <a:rPr lang="en"/>
-              <a:t>Producer</a:t>
-            </a:r>
-            <a:endParaRPr/>
-          </a:p>
-          <a:p>
-            <a:pPr indent="0" lvl="0" marL="0" rtl="0" algn="l">
-              <a:lnSpc>
-                <a:spcPct val="115000"/>
-              </a:lnSpc>
-              <a:spcBef>
-                <a:spcPts val="0"/>
-              </a:spcBef>
-              <a:spcAft>
-                <a:spcPts val="0"/>
-              </a:spcAft>
-              <a:buNone/>
-            </a:pPr>
-            <a:r>
-              <a:rPr lang="en"/>
-              <a:t>- pr_type</a:t>
-            </a:r>
-            <a:endParaRPr/>
-          </a:p>
-          <a:p>
-            <a:pPr indent="0" lvl="0" marL="0" rtl="0" algn="l">
-              <a:lnSpc>
-                <a:spcPct val="115000"/>
-              </a:lnSpc>
-              <a:spcBef>
-                <a:spcPts val="0"/>
-              </a:spcBef>
-              <a:spcAft>
-                <a:spcPts val="0"/>
-              </a:spcAft>
-              <a:buNone/>
-            </a:pPr>
-            <a:r>
-              <a:rPr lang="en"/>
-              <a:t>- pr_city</a:t>
-            </a:r>
-            <a:endParaRPr/>
-          </a:p>
-          <a:p>
-            <a:pPr indent="0" lvl="0" marL="0" rtl="0" algn="l">
-              <a:lnSpc>
-                <a:spcPct val="115000"/>
-              </a:lnSpc>
-              <a:spcBef>
-                <a:spcPts val="0"/>
-              </a:spcBef>
-              <a:spcAft>
-                <a:spcPts val="0"/>
-              </a:spcAft>
-              <a:buNone/>
-            </a:pPr>
-            <a:r>
-              <a:rPr lang="en"/>
-              <a:t>- pr_county</a:t>
-            </a:r>
-            <a:endParaRPr/>
-          </a:p>
-          <a:p>
-            <a:pPr indent="0" lvl="0" marL="0" rtl="0" algn="l">
-              <a:spcBef>
-                <a:spcPts val="0"/>
-              </a:spcBef>
-              <a:spcAft>
-                <a:spcPts val="0"/>
-              </a:spcAft>
-              <a:buNone/>
-            </a:pPr>
-            <a:r>
-              <a:t/>
-            </a:r>
-            <a:endParaRPr>
-              <a:latin typeface="Proxima Nova"/>
-              <a:ea typeface="Proxima Nova"/>
-              <a:cs typeface="Proxima Nova"/>
-              <a:sym typeface="Proxima Nova"/>
-            </a:endParaRPr>
-          </a:p>
-          <a:p>
-            <a:pPr indent="0" lvl="0" marL="0" rtl="0" algn="l">
-              <a:lnSpc>
-                <a:spcPct val="115000"/>
-              </a:lnSpc>
-              <a:spcBef>
-                <a:spcPts val="0"/>
-              </a:spcBef>
-              <a:spcAft>
-                <a:spcPts val="0"/>
-              </a:spcAft>
-              <a:buNone/>
-            </a:pPr>
-            <a:r>
-              <a:rPr lang="en"/>
-              <a:t>Supplier</a:t>
-            </a:r>
-            <a:endParaRPr/>
-          </a:p>
-          <a:p>
-            <a:pPr indent="0" lvl="0" marL="0" rtl="0" algn="l">
-              <a:lnSpc>
-                <a:spcPct val="115000"/>
-              </a:lnSpc>
-              <a:spcBef>
-                <a:spcPts val="0"/>
-              </a:spcBef>
-              <a:spcAft>
-                <a:spcPts val="0"/>
-              </a:spcAft>
-              <a:buNone/>
-            </a:pPr>
-            <a:r>
-              <a:rPr lang="en"/>
-              <a:t>- s_supplierID</a:t>
-            </a:r>
-            <a:endParaRPr/>
-          </a:p>
-          <a:p>
-            <a:pPr indent="0" lvl="0" marL="0" rtl="0" algn="l">
-              <a:lnSpc>
-                <a:spcPct val="115000"/>
-              </a:lnSpc>
-              <a:spcBef>
-                <a:spcPts val="0"/>
-              </a:spcBef>
-              <a:spcAft>
-                <a:spcPts val="0"/>
-              </a:spcAft>
-              <a:buNone/>
-            </a:pPr>
-            <a:r>
-              <a:rPr lang="en"/>
-              <a:t>- s_city</a:t>
-            </a:r>
-            <a:endParaRPr/>
-          </a:p>
-          <a:p>
-            <a:pPr indent="0" lvl="0" marL="0" rtl="0" algn="l">
-              <a:lnSpc>
-                <a:spcPct val="115000"/>
-              </a:lnSpc>
-              <a:spcBef>
-                <a:spcPts val="0"/>
-              </a:spcBef>
-              <a:spcAft>
-                <a:spcPts val="0"/>
-              </a:spcAft>
-              <a:buNone/>
-            </a:pPr>
-            <a:r>
-              <a:rPr lang="en"/>
-              <a:t>- s_county</a:t>
-            </a:r>
-            <a:endParaRPr/>
-          </a:p>
-          <a:p>
-            <a:pPr indent="0" lvl="0" marL="0" rtl="0" algn="l">
-              <a:spcBef>
-                <a:spcPts val="0"/>
-              </a:spcBef>
-              <a:spcAft>
-                <a:spcPts val="0"/>
-              </a:spcAft>
-              <a:buNone/>
-            </a:pPr>
-            <a:r>
-              <a:t/>
-            </a:r>
-            <a:endParaRPr>
-              <a:latin typeface="Proxima Nova"/>
-              <a:ea typeface="Proxima Nova"/>
-              <a:cs typeface="Proxima Nova"/>
-              <a:sym typeface="Proxima Nova"/>
-            </a:endParaRPr>
-          </a:p>
-        </p:txBody>
-      </p:sp>
-      <p:sp>
-        <p:nvSpPr>
-          <p:cNvPr id="336" name="Google Shape;336;p23"/>
-          <p:cNvSpPr txBox="1"/>
-          <p:nvPr/>
-        </p:nvSpPr>
-        <p:spPr>
-          <a:xfrm>
-            <a:off x="1379650" y="1402925"/>
-            <a:ext cx="1488900" cy="3666000"/>
-          </a:xfrm>
-          <a:prstGeom prst="rect">
-            <a:avLst/>
-          </a:prstGeom>
-          <a:noFill/>
-          <a:ln>
-            <a:noFill/>
-          </a:ln>
-        </p:spPr>
-        <p:txBody>
-          <a:bodyPr anchorCtr="0" anchor="t" bIns="91425" lIns="91425" spcFirstLastPara="1" rIns="91425" wrap="square" tIns="91425">
-            <a:noAutofit/>
-          </a:bodyPr>
-          <a:lstStyle/>
-          <a:p>
-            <a:pPr indent="0" lvl="0" marL="0" rtl="0" algn="l">
-              <a:lnSpc>
-                <a:spcPct val="115000"/>
-              </a:lnSpc>
-              <a:spcBef>
-                <a:spcPts val="0"/>
-              </a:spcBef>
-              <a:spcAft>
-                <a:spcPts val="0"/>
-              </a:spcAft>
-              <a:buNone/>
-            </a:pPr>
-            <a:r>
-              <a:rPr lang="en"/>
-              <a:t>Product</a:t>
-            </a:r>
-            <a:endParaRPr/>
-          </a:p>
-          <a:p>
-            <a:pPr indent="0" lvl="0" marL="0" rtl="0" algn="l">
-              <a:lnSpc>
-                <a:spcPct val="115000"/>
-              </a:lnSpc>
-              <a:spcBef>
-                <a:spcPts val="0"/>
-              </a:spcBef>
-              <a:spcAft>
-                <a:spcPts val="0"/>
-              </a:spcAft>
-              <a:buNone/>
-            </a:pPr>
-            <a:r>
-              <a:rPr lang="en"/>
-              <a:t>- p_barcode</a:t>
-            </a:r>
-            <a:endParaRPr/>
-          </a:p>
-          <a:p>
-            <a:pPr indent="0" lvl="0" marL="0" rtl="0" algn="l">
-              <a:lnSpc>
-                <a:spcPct val="115000"/>
-              </a:lnSpc>
-              <a:spcBef>
-                <a:spcPts val="0"/>
-              </a:spcBef>
-              <a:spcAft>
-                <a:spcPts val="0"/>
-              </a:spcAft>
-              <a:buNone/>
-            </a:pPr>
-            <a:r>
-              <a:rPr lang="en"/>
-              <a:t>- p_suppliedID</a:t>
-            </a:r>
-            <a:endParaRPr/>
-          </a:p>
-          <a:p>
-            <a:pPr indent="0" lvl="0" marL="0" rtl="0" algn="l">
-              <a:lnSpc>
-                <a:spcPct val="115000"/>
-              </a:lnSpc>
-              <a:spcBef>
-                <a:spcPts val="0"/>
-              </a:spcBef>
-              <a:spcAft>
-                <a:spcPts val="0"/>
-              </a:spcAft>
-              <a:buNone/>
-            </a:pPr>
-            <a:r>
-              <a:rPr lang="en"/>
-              <a:t>- p_type</a:t>
-            </a:r>
-            <a:endParaRPr/>
-          </a:p>
-          <a:p>
-            <a:pPr indent="0" lvl="0" marL="0" rtl="0" algn="l">
-              <a:lnSpc>
-                <a:spcPct val="115000"/>
-              </a:lnSpc>
-              <a:spcBef>
-                <a:spcPts val="0"/>
-              </a:spcBef>
-              <a:spcAft>
-                <a:spcPts val="0"/>
-              </a:spcAft>
-              <a:buNone/>
-            </a:pPr>
-            <a:r>
-              <a:t/>
-            </a:r>
-            <a:endParaRPr/>
-          </a:p>
-          <a:p>
-            <a:pPr indent="0" lvl="0" marL="0" rtl="0" algn="l">
-              <a:lnSpc>
-                <a:spcPct val="115000"/>
-              </a:lnSpc>
-              <a:spcBef>
-                <a:spcPts val="0"/>
-              </a:spcBef>
-              <a:spcAft>
-                <a:spcPts val="0"/>
-              </a:spcAft>
-              <a:buNone/>
-            </a:pPr>
-            <a:r>
-              <a:rPr lang="en"/>
-              <a:t>Customer</a:t>
-            </a:r>
-            <a:endParaRPr/>
-          </a:p>
-          <a:p>
-            <a:pPr indent="0" lvl="0" marL="0" rtl="0" algn="l">
-              <a:lnSpc>
-                <a:spcPct val="115000"/>
-              </a:lnSpc>
-              <a:spcBef>
-                <a:spcPts val="0"/>
-              </a:spcBef>
-              <a:spcAft>
-                <a:spcPts val="0"/>
-              </a:spcAft>
-              <a:buNone/>
-            </a:pPr>
-            <a:r>
-              <a:rPr lang="en"/>
-              <a:t>- c_storeID</a:t>
-            </a:r>
-            <a:endParaRPr/>
-          </a:p>
-          <a:p>
-            <a:pPr indent="0" lvl="0" marL="0" rtl="0" algn="l">
-              <a:lnSpc>
-                <a:spcPct val="115000"/>
-              </a:lnSpc>
-              <a:spcBef>
-                <a:spcPts val="0"/>
-              </a:spcBef>
-              <a:spcAft>
-                <a:spcPts val="0"/>
-              </a:spcAft>
-              <a:buNone/>
-            </a:pPr>
-            <a:r>
-              <a:rPr lang="en"/>
-              <a:t>- c_barcode</a:t>
-            </a:r>
-            <a:endParaRPr/>
-          </a:p>
-          <a:p>
-            <a:pPr indent="0" lvl="0" marL="0" rtl="0" algn="l">
-              <a:lnSpc>
-                <a:spcPct val="115000"/>
-              </a:lnSpc>
-              <a:spcBef>
-                <a:spcPts val="0"/>
-              </a:spcBef>
-              <a:spcAft>
-                <a:spcPts val="0"/>
-              </a:spcAft>
-              <a:buNone/>
-            </a:pPr>
-            <a:r>
-              <a:rPr lang="en"/>
-              <a:t>- c_customerID</a:t>
-            </a:r>
-            <a:endParaRPr/>
-          </a:p>
-          <a:p>
-            <a:pPr indent="0" lvl="0" marL="0" rtl="0" algn="l">
-              <a:lnSpc>
-                <a:spcPct val="115000"/>
-              </a:lnSpc>
-              <a:spcBef>
-                <a:spcPts val="0"/>
-              </a:spcBef>
-              <a:spcAft>
-                <a:spcPts val="0"/>
-              </a:spcAft>
-              <a:buNone/>
-            </a:pPr>
-            <a:r>
-              <a:t/>
-            </a:r>
-            <a:endParaRPr/>
-          </a:p>
-          <a:p>
-            <a:pPr indent="0" lvl="0" marL="0" rtl="0" algn="l">
-              <a:lnSpc>
-                <a:spcPct val="115000"/>
-              </a:lnSpc>
-              <a:spcBef>
-                <a:spcPts val="0"/>
-              </a:spcBef>
-              <a:spcAft>
-                <a:spcPts val="0"/>
-              </a:spcAft>
-              <a:buNone/>
-            </a:pPr>
-            <a:r>
-              <a:rPr lang="en"/>
-              <a:t>Store</a:t>
-            </a:r>
-            <a:endParaRPr/>
-          </a:p>
-          <a:p>
-            <a:pPr indent="0" lvl="0" marL="0" rtl="0" algn="l">
-              <a:lnSpc>
-                <a:spcPct val="115000"/>
-              </a:lnSpc>
-              <a:spcBef>
-                <a:spcPts val="0"/>
-              </a:spcBef>
-              <a:spcAft>
-                <a:spcPts val="0"/>
-              </a:spcAft>
-              <a:buNone/>
-            </a:pPr>
-            <a:r>
-              <a:rPr lang="en"/>
-              <a:t>- st_storeID</a:t>
-            </a:r>
-            <a:endParaRPr/>
-          </a:p>
-          <a:p>
-            <a:pPr indent="0" lvl="0" marL="0" rtl="0" algn="l">
-              <a:lnSpc>
-                <a:spcPct val="115000"/>
-              </a:lnSpc>
-              <a:spcBef>
-                <a:spcPts val="0"/>
-              </a:spcBef>
-              <a:spcAft>
-                <a:spcPts val="0"/>
-              </a:spcAft>
-              <a:buNone/>
-            </a:pPr>
-            <a:r>
-              <a:rPr lang="en"/>
-              <a:t>- st_city</a:t>
-            </a:r>
-            <a:endParaRPr/>
-          </a:p>
-          <a:p>
-            <a:pPr indent="0" lvl="0" marL="0" rtl="0" algn="l">
-              <a:lnSpc>
-                <a:spcPct val="115000"/>
-              </a:lnSpc>
-              <a:spcBef>
-                <a:spcPts val="0"/>
-              </a:spcBef>
-              <a:spcAft>
-                <a:spcPts val="0"/>
-              </a:spcAft>
-              <a:buNone/>
-            </a:pPr>
-            <a:r>
-              <a:rPr lang="en"/>
-              <a:t>- st_county</a:t>
-            </a:r>
-            <a:endParaRPr/>
-          </a:p>
-          <a:p>
-            <a:pPr indent="0" lvl="0" marL="0" rtl="0" algn="l">
-              <a:spcBef>
-                <a:spcPts val="0"/>
-              </a:spcBef>
-              <a:spcAft>
-                <a:spcPts val="0"/>
-              </a:spcAft>
-              <a:buNone/>
-            </a:pPr>
-            <a:r>
-              <a:t/>
-            </a:r>
-            <a:endParaRPr/>
-          </a:p>
-        </p:txBody>
-      </p:sp>
       <p:pic>
         <p:nvPicPr>
-          <p:cNvPr id="337" name="Google Shape;337;p23"/>
+          <p:cNvPr id="335" name="Google Shape;335;p23"/>
           <p:cNvPicPr preferRelativeResize="0"/>
           <p:nvPr/>
         </p:nvPicPr>
@@ -21332,8 +20815,8 @@
         </p:blipFill>
         <p:spPr>
           <a:xfrm>
-            <a:off x="2728025" y="15025"/>
-            <a:ext cx="6415975" cy="5128475"/>
+            <a:off x="2004575" y="0"/>
+            <a:ext cx="7139423" cy="5143502"/>
           </a:xfrm>
           <a:prstGeom prst="rect">
             <a:avLst/>
@@ -21357,7 +20840,7 @@
   <p:cSld>
     <p:spTree>
       <p:nvGrpSpPr>
-        <p:cNvPr id="341" name="Shape 341"/>
+        <p:cNvPr id="339" name="Shape 339"/>
         <p:cNvGrpSpPr/>
         <p:nvPr/>
       </p:nvGrpSpPr>
@@ -21371,7 +20854,999 @@
       </p:grpSpPr>
       <p:sp>
         <p:nvSpPr>
+          <p:cNvPr id="340" name="Google Shape;340;p24"/>
+          <p:cNvSpPr txBox="1"/>
+          <p:nvPr>
+            <p:ph type="title"/>
+          </p:nvPr>
+        </p:nvSpPr>
+        <p:spPr>
+          <a:xfrm>
+            <a:off x="185350" y="352000"/>
+            <a:ext cx="2683200" cy="1166100"/>
+          </a:xfrm>
+          <a:prstGeom prst="rect">
+            <a:avLst/>
+          </a:prstGeom>
+        </p:spPr>
+        <p:txBody>
+          <a:bodyPr anchorCtr="0" anchor="t" bIns="91425" lIns="91425" spcFirstLastPara="1" rIns="91425" wrap="square" tIns="91425">
+            <a:noAutofit/>
+          </a:bodyPr>
+          <a:lstStyle/>
+          <a:p>
+            <a:pPr indent="0" lvl="0" marL="0" rtl="0" algn="l">
+              <a:spcBef>
+                <a:spcPts val="0"/>
+              </a:spcBef>
+              <a:spcAft>
+                <a:spcPts val="0"/>
+              </a:spcAft>
+              <a:buNone/>
+            </a:pPr>
+            <a:r>
+              <a:rPr lang="en"/>
+              <a:t>Tables</a:t>
+            </a:r>
+            <a:endParaRPr/>
+          </a:p>
+        </p:txBody>
+      </p:sp>
+      <p:sp>
+        <p:nvSpPr>
+          <p:cNvPr id="341" name="Google Shape;341;p24"/>
+          <p:cNvSpPr txBox="1"/>
+          <p:nvPr/>
+        </p:nvSpPr>
+        <p:spPr>
+          <a:xfrm>
+            <a:off x="554825" y="1129350"/>
+            <a:ext cx="2313900" cy="3275400"/>
+          </a:xfrm>
+          <a:prstGeom prst="rect">
+            <a:avLst/>
+          </a:prstGeom>
+          <a:noFill/>
+          <a:ln>
+            <a:noFill/>
+          </a:ln>
+        </p:spPr>
+        <p:txBody>
+          <a:bodyPr anchorCtr="0" anchor="t" bIns="91425" lIns="91425" spcFirstLastPara="1" rIns="91425" wrap="square" tIns="91425">
+            <a:noAutofit/>
+          </a:bodyPr>
+          <a:lstStyle/>
+          <a:p>
+            <a:pPr indent="0" lvl="0" marL="0" rtl="0" algn="l">
+              <a:lnSpc>
+                <a:spcPct val="115000"/>
+              </a:lnSpc>
+              <a:spcBef>
+                <a:spcPts val="0"/>
+              </a:spcBef>
+              <a:spcAft>
+                <a:spcPts val="0"/>
+              </a:spcAft>
+              <a:buNone/>
+            </a:pPr>
+            <a:r>
+              <a:rPr lang="en"/>
+              <a:t>Inventory</a:t>
+            </a:r>
+            <a:endParaRPr/>
+          </a:p>
+          <a:p>
+            <a:pPr indent="0" lvl="0" marL="0" rtl="0" algn="l">
+              <a:lnSpc>
+                <a:spcPct val="115000"/>
+              </a:lnSpc>
+              <a:spcBef>
+                <a:spcPts val="0"/>
+              </a:spcBef>
+              <a:spcAft>
+                <a:spcPts val="0"/>
+              </a:spcAft>
+              <a:buNone/>
+            </a:pPr>
+            <a:r>
+              <a:rPr lang="en"/>
+              <a:t>- i_barcode INT</a:t>
+            </a:r>
+            <a:endParaRPr/>
+          </a:p>
+          <a:p>
+            <a:pPr indent="0" lvl="0" marL="0" rtl="0" algn="l">
+              <a:lnSpc>
+                <a:spcPct val="115000"/>
+              </a:lnSpc>
+              <a:spcBef>
+                <a:spcPts val="0"/>
+              </a:spcBef>
+              <a:spcAft>
+                <a:spcPts val="0"/>
+              </a:spcAft>
+              <a:buNone/>
+            </a:pPr>
+            <a:r>
+              <a:rPr lang="en"/>
+              <a:t>- i_stock      INT </a:t>
+            </a:r>
+            <a:endParaRPr/>
+          </a:p>
+          <a:p>
+            <a:pPr indent="0" lvl="0" marL="0" rtl="0" algn="l">
+              <a:lnSpc>
+                <a:spcPct val="115000"/>
+              </a:lnSpc>
+              <a:spcBef>
+                <a:spcPts val="0"/>
+              </a:spcBef>
+              <a:spcAft>
+                <a:spcPts val="0"/>
+              </a:spcAft>
+              <a:buNone/>
+            </a:pPr>
+            <a:r>
+              <a:rPr lang="en"/>
+              <a:t>- i_storeID   INT</a:t>
+            </a:r>
+            <a:endParaRPr/>
+          </a:p>
+          <a:p>
+            <a:pPr indent="0" lvl="0" marL="0" rtl="0" algn="l">
+              <a:lnSpc>
+                <a:spcPct val="115000"/>
+              </a:lnSpc>
+              <a:spcBef>
+                <a:spcPts val="0"/>
+              </a:spcBef>
+              <a:spcAft>
+                <a:spcPts val="0"/>
+              </a:spcAft>
+              <a:buNone/>
+            </a:pPr>
+            <a:r>
+              <a:t/>
+            </a:r>
+            <a:endParaRPr/>
+          </a:p>
+          <a:p>
+            <a:pPr indent="0" lvl="0" marL="0" rtl="0" algn="l">
+              <a:lnSpc>
+                <a:spcPct val="115000"/>
+              </a:lnSpc>
+              <a:spcBef>
+                <a:spcPts val="0"/>
+              </a:spcBef>
+              <a:spcAft>
+                <a:spcPts val="0"/>
+              </a:spcAft>
+              <a:buNone/>
+            </a:pPr>
+            <a:r>
+              <a:rPr lang="en"/>
+              <a:t>Producer</a:t>
+            </a:r>
+            <a:endParaRPr/>
+          </a:p>
+          <a:p>
+            <a:pPr indent="0" lvl="0" marL="0" rtl="0" algn="l">
+              <a:lnSpc>
+                <a:spcPct val="115000"/>
+              </a:lnSpc>
+              <a:spcBef>
+                <a:spcPts val="0"/>
+              </a:spcBef>
+              <a:spcAft>
+                <a:spcPts val="0"/>
+              </a:spcAft>
+              <a:buNone/>
+            </a:pPr>
+            <a:r>
+              <a:rPr lang="en"/>
+              <a:t>- pr_type VARCHAR</a:t>
+            </a:r>
+            <a:endParaRPr/>
+          </a:p>
+          <a:p>
+            <a:pPr indent="0" lvl="0" marL="0" rtl="0" algn="l">
+              <a:lnSpc>
+                <a:spcPct val="115000"/>
+              </a:lnSpc>
+              <a:spcBef>
+                <a:spcPts val="0"/>
+              </a:spcBef>
+              <a:spcAft>
+                <a:spcPts val="0"/>
+              </a:spcAft>
+              <a:buNone/>
+            </a:pPr>
+            <a:r>
+              <a:rPr lang="en"/>
+              <a:t>- pr_cityKey INT   </a:t>
+            </a:r>
+            <a:endParaRPr/>
+          </a:p>
+          <a:p>
+            <a:pPr indent="0" lvl="0" marL="0" rtl="0" algn="l">
+              <a:lnSpc>
+                <a:spcPct val="115000"/>
+              </a:lnSpc>
+              <a:spcBef>
+                <a:spcPts val="0"/>
+              </a:spcBef>
+              <a:spcAft>
+                <a:spcPts val="0"/>
+              </a:spcAft>
+              <a:buNone/>
+            </a:pPr>
+            <a:r>
+              <a:rPr lang="en"/>
+              <a:t>- pr_shippingRateKey INT</a:t>
+            </a:r>
+            <a:endParaRPr/>
+          </a:p>
+          <a:p>
+            <a:pPr indent="0" lvl="0" marL="0" rtl="0" algn="l">
+              <a:spcBef>
+                <a:spcPts val="0"/>
+              </a:spcBef>
+              <a:spcAft>
+                <a:spcPts val="0"/>
+              </a:spcAft>
+              <a:buNone/>
+            </a:pPr>
+            <a:r>
+              <a:t/>
+            </a:r>
+            <a:endParaRPr>
+              <a:latin typeface="Proxima Nova"/>
+              <a:ea typeface="Proxima Nova"/>
+              <a:cs typeface="Proxima Nova"/>
+              <a:sym typeface="Proxima Nova"/>
+            </a:endParaRPr>
+          </a:p>
+          <a:p>
+            <a:pPr indent="0" lvl="0" marL="0" rtl="0" algn="l">
+              <a:lnSpc>
+                <a:spcPct val="115000"/>
+              </a:lnSpc>
+              <a:spcBef>
+                <a:spcPts val="0"/>
+              </a:spcBef>
+              <a:spcAft>
+                <a:spcPts val="0"/>
+              </a:spcAft>
+              <a:buNone/>
+            </a:pPr>
+            <a:r>
+              <a:rPr lang="en"/>
+              <a:t>Supplier</a:t>
+            </a:r>
+            <a:endParaRPr/>
+          </a:p>
+          <a:p>
+            <a:pPr indent="0" lvl="0" marL="0" rtl="0" algn="l">
+              <a:lnSpc>
+                <a:spcPct val="115000"/>
+              </a:lnSpc>
+              <a:spcBef>
+                <a:spcPts val="0"/>
+              </a:spcBef>
+              <a:spcAft>
+                <a:spcPts val="0"/>
+              </a:spcAft>
+              <a:buNone/>
+            </a:pPr>
+            <a:r>
+              <a:rPr lang="en"/>
+              <a:t>- s_supplierID INT</a:t>
+            </a:r>
+            <a:endParaRPr/>
+          </a:p>
+          <a:p>
+            <a:pPr indent="0" lvl="0" marL="0" rtl="0" algn="l">
+              <a:lnSpc>
+                <a:spcPct val="115000"/>
+              </a:lnSpc>
+              <a:spcBef>
+                <a:spcPts val="0"/>
+              </a:spcBef>
+              <a:spcAft>
+                <a:spcPts val="0"/>
+              </a:spcAft>
+              <a:buNone/>
+            </a:pPr>
+            <a:r>
+              <a:rPr lang="en"/>
+              <a:t>- s_cityKey      INT</a:t>
+            </a:r>
+            <a:endParaRPr/>
+          </a:p>
+          <a:p>
+            <a:pPr indent="0" lvl="0" marL="0" rtl="0" algn="l">
+              <a:lnSpc>
+                <a:spcPct val="115000"/>
+              </a:lnSpc>
+              <a:spcBef>
+                <a:spcPts val="0"/>
+              </a:spcBef>
+              <a:spcAft>
+                <a:spcPts val="0"/>
+              </a:spcAft>
+              <a:buNone/>
+            </a:pPr>
+            <a:r>
+              <a:rPr lang="en"/>
+              <a:t>- s</a:t>
+            </a:r>
+            <a:r>
+              <a:rPr lang="en"/>
+              <a:t>_shippingRateKey INT </a:t>
+            </a:r>
+            <a:r>
+              <a:rPr lang="en"/>
+              <a:t>     </a:t>
+            </a:r>
+            <a:endParaRPr/>
+          </a:p>
+          <a:p>
+            <a:pPr indent="0" lvl="0" marL="0" rtl="0" algn="l">
+              <a:spcBef>
+                <a:spcPts val="0"/>
+              </a:spcBef>
+              <a:spcAft>
+                <a:spcPts val="0"/>
+              </a:spcAft>
+              <a:buNone/>
+            </a:pPr>
+            <a:r>
+              <a:t/>
+            </a:r>
+            <a:endParaRPr>
+              <a:latin typeface="Proxima Nova"/>
+              <a:ea typeface="Proxima Nova"/>
+              <a:cs typeface="Proxima Nova"/>
+              <a:sym typeface="Proxima Nova"/>
+            </a:endParaRPr>
+          </a:p>
+        </p:txBody>
+      </p:sp>
+      <p:sp>
+        <p:nvSpPr>
           <p:cNvPr id="342" name="Google Shape;342;p24"/>
+          <p:cNvSpPr txBox="1"/>
+          <p:nvPr/>
+        </p:nvSpPr>
+        <p:spPr>
+          <a:xfrm>
+            <a:off x="2930250" y="1129350"/>
+            <a:ext cx="1872900" cy="3666000"/>
+          </a:xfrm>
+          <a:prstGeom prst="rect">
+            <a:avLst/>
+          </a:prstGeom>
+          <a:noFill/>
+          <a:ln>
+            <a:noFill/>
+          </a:ln>
+        </p:spPr>
+        <p:txBody>
+          <a:bodyPr anchorCtr="0" anchor="t" bIns="91425" lIns="91425" spcFirstLastPara="1" rIns="91425" wrap="square" tIns="91425">
+            <a:noAutofit/>
+          </a:bodyPr>
+          <a:lstStyle/>
+          <a:p>
+            <a:pPr indent="0" lvl="0" marL="0" rtl="0" algn="l">
+              <a:lnSpc>
+                <a:spcPct val="115000"/>
+              </a:lnSpc>
+              <a:spcBef>
+                <a:spcPts val="0"/>
+              </a:spcBef>
+              <a:spcAft>
+                <a:spcPts val="0"/>
+              </a:spcAft>
+              <a:buNone/>
+            </a:pPr>
+            <a:r>
+              <a:rPr lang="en"/>
+              <a:t>Product</a:t>
+            </a:r>
+            <a:endParaRPr/>
+          </a:p>
+          <a:p>
+            <a:pPr indent="0" lvl="0" marL="0" rtl="0" algn="l">
+              <a:lnSpc>
+                <a:spcPct val="115000"/>
+              </a:lnSpc>
+              <a:spcBef>
+                <a:spcPts val="0"/>
+              </a:spcBef>
+              <a:spcAft>
+                <a:spcPts val="0"/>
+              </a:spcAft>
+              <a:buNone/>
+            </a:pPr>
+            <a:r>
+              <a:rPr lang="en"/>
+              <a:t>- p_barcode INT</a:t>
+            </a:r>
+            <a:endParaRPr/>
+          </a:p>
+          <a:p>
+            <a:pPr indent="0" lvl="0" marL="0" rtl="0" algn="l">
+              <a:lnSpc>
+                <a:spcPct val="115000"/>
+              </a:lnSpc>
+              <a:spcBef>
+                <a:spcPts val="0"/>
+              </a:spcBef>
+              <a:spcAft>
+                <a:spcPts val="0"/>
+              </a:spcAft>
+              <a:buNone/>
+            </a:pPr>
+            <a:r>
+              <a:rPr lang="en"/>
+              <a:t>- p_supplierID INT</a:t>
+            </a:r>
+            <a:endParaRPr/>
+          </a:p>
+          <a:p>
+            <a:pPr indent="0" lvl="0" marL="0" rtl="0" algn="l">
+              <a:lnSpc>
+                <a:spcPct val="115000"/>
+              </a:lnSpc>
+              <a:spcBef>
+                <a:spcPts val="0"/>
+              </a:spcBef>
+              <a:spcAft>
+                <a:spcPts val="0"/>
+              </a:spcAft>
+              <a:buNone/>
+            </a:pPr>
+            <a:r>
+              <a:rPr lang="en"/>
+              <a:t>- p_type   </a:t>
+            </a:r>
+            <a:r>
+              <a:rPr lang="en"/>
+              <a:t>VARCHAR</a:t>
+            </a:r>
+            <a:endParaRPr/>
+          </a:p>
+          <a:p>
+            <a:pPr indent="0" lvl="0" marL="0" rtl="0" algn="l">
+              <a:lnSpc>
+                <a:spcPct val="115000"/>
+              </a:lnSpc>
+              <a:spcBef>
+                <a:spcPts val="0"/>
+              </a:spcBef>
+              <a:spcAft>
+                <a:spcPts val="0"/>
+              </a:spcAft>
+              <a:buNone/>
+            </a:pPr>
+            <a:r>
+              <a:t/>
+            </a:r>
+            <a:endParaRPr/>
+          </a:p>
+          <a:p>
+            <a:pPr indent="0" lvl="0" marL="0" rtl="0" algn="l">
+              <a:lnSpc>
+                <a:spcPct val="115000"/>
+              </a:lnSpc>
+              <a:spcBef>
+                <a:spcPts val="0"/>
+              </a:spcBef>
+              <a:spcAft>
+                <a:spcPts val="0"/>
+              </a:spcAft>
+              <a:buNone/>
+            </a:pPr>
+            <a:r>
+              <a:rPr lang="en"/>
+              <a:t>Customer</a:t>
+            </a:r>
+            <a:endParaRPr/>
+          </a:p>
+          <a:p>
+            <a:pPr indent="0" lvl="0" marL="0" rtl="0" algn="l">
+              <a:lnSpc>
+                <a:spcPct val="115000"/>
+              </a:lnSpc>
+              <a:spcBef>
+                <a:spcPts val="0"/>
+              </a:spcBef>
+              <a:spcAft>
+                <a:spcPts val="0"/>
+              </a:spcAft>
+              <a:buNone/>
+            </a:pPr>
+            <a:r>
+              <a:rPr lang="en"/>
+              <a:t>- cu_storeID INT</a:t>
+            </a:r>
+            <a:endParaRPr/>
+          </a:p>
+          <a:p>
+            <a:pPr indent="0" lvl="0" marL="0" rtl="0" algn="l">
+              <a:lnSpc>
+                <a:spcPct val="115000"/>
+              </a:lnSpc>
+              <a:spcBef>
+                <a:spcPts val="0"/>
+              </a:spcBef>
+              <a:spcAft>
+                <a:spcPts val="0"/>
+              </a:spcAft>
+              <a:buNone/>
+            </a:pPr>
+            <a:r>
+              <a:rPr lang="en"/>
+              <a:t>- cu_barcode INT</a:t>
+            </a:r>
+            <a:endParaRPr/>
+          </a:p>
+          <a:p>
+            <a:pPr indent="0" lvl="0" marL="0" rtl="0" algn="l">
+              <a:lnSpc>
+                <a:spcPct val="115000"/>
+              </a:lnSpc>
+              <a:spcBef>
+                <a:spcPts val="0"/>
+              </a:spcBef>
+              <a:spcAft>
+                <a:spcPts val="0"/>
+              </a:spcAft>
+              <a:buNone/>
+            </a:pPr>
+            <a:r>
+              <a:rPr lang="en"/>
+              <a:t>- cu_customerID INT</a:t>
+            </a:r>
+            <a:endParaRPr/>
+          </a:p>
+          <a:p>
+            <a:pPr indent="0" lvl="0" marL="0" rtl="0" algn="l">
+              <a:lnSpc>
+                <a:spcPct val="115000"/>
+              </a:lnSpc>
+              <a:spcBef>
+                <a:spcPts val="0"/>
+              </a:spcBef>
+              <a:spcAft>
+                <a:spcPts val="0"/>
+              </a:spcAft>
+              <a:buNone/>
+            </a:pPr>
+            <a:r>
+              <a:t/>
+            </a:r>
+            <a:endParaRPr/>
+          </a:p>
+          <a:p>
+            <a:pPr indent="0" lvl="0" marL="0" rtl="0" algn="l">
+              <a:lnSpc>
+                <a:spcPct val="115000"/>
+              </a:lnSpc>
+              <a:spcBef>
+                <a:spcPts val="0"/>
+              </a:spcBef>
+              <a:spcAft>
+                <a:spcPts val="0"/>
+              </a:spcAft>
+              <a:buNone/>
+            </a:pPr>
+            <a:r>
+              <a:rPr lang="en"/>
+              <a:t>Store</a:t>
+            </a:r>
+            <a:endParaRPr/>
+          </a:p>
+          <a:p>
+            <a:pPr indent="0" lvl="0" marL="0" rtl="0" algn="l">
+              <a:lnSpc>
+                <a:spcPct val="115000"/>
+              </a:lnSpc>
+              <a:spcBef>
+                <a:spcPts val="0"/>
+              </a:spcBef>
+              <a:spcAft>
+                <a:spcPts val="0"/>
+              </a:spcAft>
+              <a:buNone/>
+            </a:pPr>
+            <a:r>
+              <a:rPr lang="en"/>
+              <a:t>- st_storeID INT</a:t>
+            </a:r>
+            <a:endParaRPr/>
+          </a:p>
+          <a:p>
+            <a:pPr indent="0" lvl="0" marL="0" rtl="0" algn="l">
+              <a:lnSpc>
+                <a:spcPct val="115000"/>
+              </a:lnSpc>
+              <a:spcBef>
+                <a:spcPts val="0"/>
+              </a:spcBef>
+              <a:spcAft>
+                <a:spcPts val="0"/>
+              </a:spcAft>
+              <a:buNone/>
+            </a:pPr>
+            <a:r>
+              <a:rPr lang="en"/>
+              <a:t>- st_</a:t>
+            </a:r>
+            <a:r>
+              <a:rPr lang="en"/>
+              <a:t>cityKey INT</a:t>
+            </a:r>
+            <a:endParaRPr/>
+          </a:p>
+          <a:p>
+            <a:pPr indent="0" lvl="0" marL="0" rtl="0" algn="l">
+              <a:lnSpc>
+                <a:spcPct val="115000"/>
+              </a:lnSpc>
+              <a:spcBef>
+                <a:spcPts val="0"/>
+              </a:spcBef>
+              <a:spcAft>
+                <a:spcPts val="0"/>
+              </a:spcAft>
+              <a:buNone/>
+            </a:pPr>
+            <a:r>
+              <a:rPr lang="en"/>
+              <a:t>- st_type   VARCHAR</a:t>
+            </a:r>
+            <a:endParaRPr/>
+          </a:p>
+          <a:p>
+            <a:pPr indent="0" lvl="0" marL="0" rtl="0" algn="l">
+              <a:spcBef>
+                <a:spcPts val="0"/>
+              </a:spcBef>
+              <a:spcAft>
+                <a:spcPts val="0"/>
+              </a:spcAft>
+              <a:buNone/>
+            </a:pPr>
+            <a:r>
+              <a:t/>
+            </a:r>
+            <a:endParaRPr/>
+          </a:p>
+        </p:txBody>
+      </p:sp>
+      <p:sp>
+        <p:nvSpPr>
+          <p:cNvPr id="343" name="Google Shape;343;p24"/>
+          <p:cNvSpPr txBox="1"/>
+          <p:nvPr/>
+        </p:nvSpPr>
+        <p:spPr>
+          <a:xfrm>
+            <a:off x="5225775" y="1129350"/>
+            <a:ext cx="2905500" cy="3666000"/>
+          </a:xfrm>
+          <a:prstGeom prst="rect">
+            <a:avLst/>
+          </a:prstGeom>
+          <a:noFill/>
+          <a:ln>
+            <a:noFill/>
+          </a:ln>
+        </p:spPr>
+        <p:txBody>
+          <a:bodyPr anchorCtr="0" anchor="t" bIns="91425" lIns="91425" spcFirstLastPara="1" rIns="91425" wrap="square" tIns="91425">
+            <a:noAutofit/>
+          </a:bodyPr>
+          <a:lstStyle/>
+          <a:p>
+            <a:pPr indent="0" lvl="0" marL="0" rtl="0" algn="l">
+              <a:lnSpc>
+                <a:spcPct val="115000"/>
+              </a:lnSpc>
+              <a:spcBef>
+                <a:spcPts val="0"/>
+              </a:spcBef>
+              <a:spcAft>
+                <a:spcPts val="0"/>
+              </a:spcAft>
+              <a:buNone/>
+            </a:pPr>
+            <a:r>
+              <a:rPr lang="en"/>
+              <a:t>Shipping Cost</a:t>
+            </a:r>
+            <a:endParaRPr/>
+          </a:p>
+          <a:p>
+            <a:pPr indent="0" lvl="0" marL="0" rtl="0" algn="l">
+              <a:lnSpc>
+                <a:spcPct val="115000"/>
+              </a:lnSpc>
+              <a:spcBef>
+                <a:spcPts val="0"/>
+              </a:spcBef>
+              <a:spcAft>
+                <a:spcPts val="0"/>
+              </a:spcAft>
+              <a:buNone/>
+            </a:pPr>
+            <a:r>
+              <a:rPr lang="en"/>
+              <a:t>- sh_countryKey   INT</a:t>
+            </a:r>
+            <a:endParaRPr/>
+          </a:p>
+          <a:p>
+            <a:pPr indent="0" lvl="0" marL="0" rtl="0" algn="l">
+              <a:lnSpc>
+                <a:spcPct val="115000"/>
+              </a:lnSpc>
+              <a:spcBef>
+                <a:spcPts val="0"/>
+              </a:spcBef>
+              <a:spcAft>
+                <a:spcPts val="0"/>
+              </a:spcAft>
+              <a:buNone/>
+            </a:pPr>
+            <a:r>
+              <a:rPr lang="en"/>
+              <a:t>- </a:t>
+            </a:r>
+            <a:r>
+              <a:rPr lang="en"/>
+              <a:t>sh_shippingRate  DECIMAL</a:t>
+            </a:r>
+            <a:endParaRPr/>
+          </a:p>
+          <a:p>
+            <a:pPr indent="0" lvl="0" marL="0" rtl="0" algn="l">
+              <a:lnSpc>
+                <a:spcPct val="115000"/>
+              </a:lnSpc>
+              <a:spcBef>
+                <a:spcPts val="0"/>
+              </a:spcBef>
+              <a:spcAft>
+                <a:spcPts val="0"/>
+              </a:spcAft>
+              <a:buNone/>
+            </a:pPr>
+            <a:r>
+              <a:rPr lang="en"/>
+              <a:t>- sh_shippingRateKey INT</a:t>
+            </a:r>
+            <a:endParaRPr/>
+          </a:p>
+          <a:p>
+            <a:pPr indent="0" lvl="0" marL="0" rtl="0" algn="l">
+              <a:lnSpc>
+                <a:spcPct val="115000"/>
+              </a:lnSpc>
+              <a:spcBef>
+                <a:spcPts val="0"/>
+              </a:spcBef>
+              <a:spcAft>
+                <a:spcPts val="0"/>
+              </a:spcAft>
+              <a:buNone/>
+            </a:pPr>
+            <a:r>
+              <a:t/>
+            </a:r>
+            <a:endParaRPr/>
+          </a:p>
+          <a:p>
+            <a:pPr indent="0" lvl="0" marL="0" rtl="0" algn="l">
+              <a:lnSpc>
+                <a:spcPct val="115000"/>
+              </a:lnSpc>
+              <a:spcBef>
+                <a:spcPts val="0"/>
+              </a:spcBef>
+              <a:spcAft>
+                <a:spcPts val="0"/>
+              </a:spcAft>
+              <a:buNone/>
+            </a:pPr>
+            <a:r>
+              <a:rPr lang="en"/>
+              <a:t>Country</a:t>
+            </a:r>
+            <a:endParaRPr/>
+          </a:p>
+          <a:p>
+            <a:pPr indent="0" lvl="0" marL="0" rtl="0" algn="l">
+              <a:lnSpc>
+                <a:spcPct val="115000"/>
+              </a:lnSpc>
+              <a:spcBef>
+                <a:spcPts val="0"/>
+              </a:spcBef>
+              <a:spcAft>
+                <a:spcPts val="0"/>
+              </a:spcAft>
+              <a:buNone/>
+            </a:pPr>
+            <a:r>
+              <a:rPr lang="en"/>
+              <a:t>- c_countryKey INT</a:t>
+            </a:r>
+            <a:endParaRPr/>
+          </a:p>
+          <a:p>
+            <a:pPr indent="0" lvl="0" marL="0" rtl="0" algn="l">
+              <a:lnSpc>
+                <a:spcPct val="115000"/>
+              </a:lnSpc>
+              <a:spcBef>
+                <a:spcPts val="0"/>
+              </a:spcBef>
+              <a:spcAft>
+                <a:spcPts val="0"/>
+              </a:spcAft>
+              <a:buNone/>
+            </a:pPr>
+            <a:r>
+              <a:rPr lang="en"/>
+              <a:t>- c_name    VARCHAR</a:t>
+            </a:r>
+            <a:endParaRPr/>
+          </a:p>
+          <a:p>
+            <a:pPr indent="0" lvl="0" marL="0" rtl="0" algn="l">
+              <a:lnSpc>
+                <a:spcPct val="115000"/>
+              </a:lnSpc>
+              <a:spcBef>
+                <a:spcPts val="0"/>
+              </a:spcBef>
+              <a:spcAft>
+                <a:spcPts val="0"/>
+              </a:spcAft>
+              <a:buNone/>
+            </a:pPr>
+            <a:r>
+              <a:t/>
+            </a:r>
+            <a:endParaRPr/>
+          </a:p>
+          <a:p>
+            <a:pPr indent="0" lvl="0" marL="0" rtl="0" algn="l">
+              <a:lnSpc>
+                <a:spcPct val="115000"/>
+              </a:lnSpc>
+              <a:spcBef>
+                <a:spcPts val="0"/>
+              </a:spcBef>
+              <a:spcAft>
+                <a:spcPts val="0"/>
+              </a:spcAft>
+              <a:buNone/>
+            </a:pPr>
+            <a:r>
+              <a:rPr lang="en"/>
+              <a:t>City</a:t>
+            </a:r>
+            <a:endParaRPr/>
+          </a:p>
+          <a:p>
+            <a:pPr indent="0" lvl="0" marL="0" rtl="0" algn="l">
+              <a:lnSpc>
+                <a:spcPct val="115000"/>
+              </a:lnSpc>
+              <a:spcBef>
+                <a:spcPts val="0"/>
+              </a:spcBef>
+              <a:spcAft>
+                <a:spcPts val="0"/>
+              </a:spcAft>
+              <a:buNone/>
+            </a:pPr>
+            <a:r>
+              <a:rPr lang="en"/>
+              <a:t>- ci_cityKey  INT</a:t>
+            </a:r>
+            <a:endParaRPr/>
+          </a:p>
+          <a:p>
+            <a:pPr indent="0" lvl="0" marL="0" rtl="0" algn="l">
+              <a:lnSpc>
+                <a:spcPct val="115000"/>
+              </a:lnSpc>
+              <a:spcBef>
+                <a:spcPts val="0"/>
+              </a:spcBef>
+              <a:spcAft>
+                <a:spcPts val="0"/>
+              </a:spcAft>
+              <a:buNone/>
+            </a:pPr>
+            <a:r>
+              <a:rPr lang="en"/>
+              <a:t>- ci_countryKey  INT</a:t>
+            </a:r>
+            <a:endParaRPr/>
+          </a:p>
+          <a:p>
+            <a:pPr indent="0" lvl="0" marL="0" rtl="0" algn="l">
+              <a:lnSpc>
+                <a:spcPct val="115000"/>
+              </a:lnSpc>
+              <a:spcBef>
+                <a:spcPts val="0"/>
+              </a:spcBef>
+              <a:spcAft>
+                <a:spcPts val="0"/>
+              </a:spcAft>
+              <a:buNone/>
+            </a:pPr>
+            <a:r>
+              <a:rPr lang="en"/>
+              <a:t>- ci_name   </a:t>
+            </a:r>
+            <a:r>
+              <a:rPr lang="en"/>
+              <a:t>VARCHAR</a:t>
+            </a:r>
+            <a:endParaRPr/>
+          </a:p>
+          <a:p>
+            <a:pPr indent="0" lvl="0" marL="0" rtl="0" algn="l">
+              <a:spcBef>
+                <a:spcPts val="0"/>
+              </a:spcBef>
+              <a:spcAft>
+                <a:spcPts val="0"/>
+              </a:spcAft>
+              <a:buNone/>
+            </a:pPr>
+            <a:r>
+              <a:t/>
+            </a:r>
+            <a:endParaRPr/>
+          </a:p>
+        </p:txBody>
+      </p:sp>
+    </p:spTree>
+  </p:cSld>
+  <p:clrMapOvr>
+    <a:masterClrMapping/>
+  </p:clrMapOvr>
+</p:sld>
+</file>
+
+<file path=ppt/slides/slide9.xml><?xml version="1.0" encoding="utf-8"?>
+<p:sld xmlns:a="http://schemas.openxmlformats.org/drawingml/2006/main" xmlns:r="http://schemas.openxmlformats.org/officeDocument/2006/relationships" xmlns:mc="http://schemas.openxmlformats.org/markup-compatibility/2006" xmlns:mv="urn:schemas-microsoft-com:mac:vml" xmlns:p="http://schemas.openxmlformats.org/presentationml/2006/main" xmlns:c="http://schemas.openxmlformats.org/drawingml/2006/chart" xmlns:dgm="http://schemas.openxmlformats.org/drawingml/2006/diagram" xmlns:o="urn:schemas-microsoft-com:office:office" xmlns:v="urn:schemas-microsoft-com:vml" xmlns:pvml="urn:schemas-microsoft-com:office:powerpoint" xmlns:com="http://schemas.openxmlformats.org/drawingml/2006/compatibility" xmlns:p14="http://schemas.microsoft.com/office/powerpoint/2010/main" xmlns:p15="http://schemas.microsoft.com/office/powerpoint/2012/main" xmlns:ahyp="http://schemas.microsoft.com/office/drawing/2018/hyperlinkcolor">
+  <p:cSld>
+    <p:spTree>
+      <p:nvGrpSpPr>
+        <p:cNvPr id="347" name="Shape 347"/>
+        <p:cNvGrpSpPr/>
+        <p:nvPr/>
+      </p:nvGrpSpPr>
+      <p:grpSpPr>
+        <a:xfrm>
+          <a:off x="0" y="0"/>
+          <a:ext cx="0" cy="0"/>
+          <a:chOff x="0" y="0"/>
+          <a:chExt cx="0" cy="0"/>
+        </a:xfrm>
+      </p:grpSpPr>
+      <p:sp>
+        <p:nvSpPr>
+          <p:cNvPr id="348" name="Google Shape;348;p25"/>
           <p:cNvSpPr txBox="1"/>
           <p:nvPr>
             <p:ph type="ctrTitle"/>
@@ -21418,6 +21893,285 @@
 </file>
 
 <file path=ppt/theme/theme1.xml><?xml version="1.0" encoding="utf-8"?>
+<a:theme xmlns:a="http://schemas.openxmlformats.org/drawingml/2006/main" xmlns:r="http://schemas.openxmlformats.org/officeDocument/2006/relationships">
+  <a:themeElements>
+    <a:clrScheme name="Default">
+      <a:dk1>
+        <a:srgbClr val="000000"/>
+      </a:dk1>
+      <a:lt1>
+        <a:srgbClr val="FFFFFF"/>
+      </a:lt1>
+      <a:dk2>
+        <a:srgbClr val="158158"/>
+      </a:dk2>
+      <a:lt2>
+        <a:srgbClr val="F3F3F3"/>
+      </a:lt2>
+      <a:accent1>
+        <a:srgbClr val="058DC7"/>
+      </a:accent1>
+      <a:accent2>
+        <a:srgbClr val="50B432"/>
+      </a:accent2>
+      <a:accent3>
+        <a:srgbClr val="ED561B"/>
+      </a:accent3>
+      <a:accent4>
+        <a:srgbClr val="EDEF00"/>
+      </a:accent4>
+      <a:accent5>
+        <a:srgbClr val="24CBE5"/>
+      </a:accent5>
+      <a:accent6>
+        <a:srgbClr val="64E572"/>
+      </a:accent6>
+      <a:hlink>
+        <a:srgbClr val="2200CC"/>
+      </a:hlink>
+      <a:folHlink>
+        <a:srgbClr val="551A8B"/>
+      </a:folHlink>
+    </a:clrScheme>
+    <a:fontScheme name="Office">
+      <a:majorFont>
+        <a:latin typeface="Arial"/>
+        <a:ea typeface=""/>
+        <a:cs typeface=""/>
+        <a:font script="Jpan" typeface="ＭＳ Ｐゴシック"/>
+        <a:font script="Hang" typeface="맑은 고딕"/>
+        <a:font script="Hans" typeface="宋体"/>
+        <a:font script="Hant" typeface="新細明體"/>
+        <a:font script="Arab" typeface="Times New Roman"/>
+        <a:font script="Hebr" typeface="Times New Roman"/>
+        <a:font script="Thai" typeface="Angsana New"/>
+        <a:font script="Ethi" typeface="Nyala"/>
+        <a:font script="Beng" typeface="Vrinda"/>
+        <a:font script="Gujr" typeface="Shruti"/>
+        <a:font script="Khmr" typeface="MoolBoran"/>
+        <a:font script="Knda" typeface="Tunga"/>
+        <a:font script="Guru" typeface="Raavi"/>
+        <a:font script="Cans" typeface="Euphemia"/>
+        <a:font script="Cher" typeface="Plantagenet Cherokee"/>
+        <a:font script="Yiii" typeface="Microsoft Yi Baiti"/>
+        <a:font script="Tibt" typeface="Microsoft Himalaya"/>
+        <a:font script="Thaa" typeface="MV Boli"/>
+        <a:font script="Deva" typeface="Mangal"/>
+        <a:font script="Telu" typeface="Gautami"/>
+        <a:font script="Taml" typeface="Latha"/>
+        <a:font script="Syrc" typeface="Estrangelo Edessa"/>
+        <a:font script="Orya" typeface="Kalinga"/>
+        <a:font script="Mlym" typeface="Kartika"/>
+        <a:font script="Laoo" typeface="DokChampa"/>
+        <a:font script="Sinh" typeface="Iskoola Pota"/>
+        <a:font script="Mong" typeface="Mongolian Baiti"/>
+        <a:font script="Viet" typeface="Times New Roman"/>
+        <a:font script="Uigh" typeface="Microsoft Uighur"/>
+        <a:font script="Geor" typeface="Sylfaen"/>
+      </a:majorFont>
+      <a:minorFont>
+        <a:latin typeface="Arial"/>
+        <a:ea typeface=""/>
+        <a:cs typeface=""/>
+        <a:font script="Jpan" typeface="ＭＳ Ｐゴシック"/>
+        <a:font script="Hang" typeface="맑은 고딕"/>
+        <a:font script="Hans" typeface="宋体"/>
+        <a:font script="Hant" typeface="新細明體"/>
+        <a:font script="Arab" typeface="Arial"/>
+        <a:font script="Hebr" typeface="Arial"/>
+        <a:font script="Thai" typeface="Cordia New"/>
+        <a:font script="Ethi" typeface="Nyala"/>
+        <a:font script="Beng" typeface="Vrinda"/>
+        <a:font script="Gujr" typeface="Shruti"/>
+        <a:font script="Khmr" typeface="DaunPenh"/>
+        <a:font script="Knda" typeface="Tunga"/>
+        <a:font script="Guru" typeface="Raavi"/>
+        <a:font script="Cans" typeface="Euphemia"/>
+        <a:font script="Cher" typeface="Plantagenet Cherokee"/>
+        <a:font script="Yiii" typeface="Microsoft Yi Baiti"/>
+        <a:font script="Tibt" typeface="Microsoft Himalaya"/>
+        <a:font script="Thaa" typeface="MV Boli"/>
+        <a:font script="Deva" typeface="Mangal"/>
+        <a:font script="Telu" typeface="Gautami"/>
+        <a:font script="Taml" typeface="Latha"/>
+        <a:font script="Syrc" typeface="Estrangelo Edessa"/>
+        <a:font script="Orya" typeface="Kalinga"/>
+        <a:font script="Mlym" typeface="Kartika"/>
+        <a:font script="Laoo" typeface="DokChampa"/>
+        <a:font script="Sinh" typeface="Iskoola Pota"/>
+        <a:font script="Mong" typeface="Mongolian Baiti"/>
+        <a:font script="Viet" typeface="Arial"/>
+        <a:font script="Uigh" typeface="Microsoft Uighur"/>
+        <a:font script="Geor" typeface="Sylfaen"/>
+      </a:minorFont>
+    </a:fontScheme>
+    <a:fmtScheme name="Office">
+      <a:fillStyleLst>
+        <a:solidFill>
+          <a:schemeClr val="phClr"/>
+        </a:solidFill>
+        <a:gradFill rotWithShape="1">
+          <a:gsLst>
+            <a:gs pos="0">
+              <a:schemeClr val="phClr">
+                <a:tint val="50000"/>
+                <a:satMod val="300000"/>
+              </a:schemeClr>
+            </a:gs>
+            <a:gs pos="35000">
+              <a:schemeClr val="phClr">
+                <a:tint val="37000"/>
+                <a:satMod val="300000"/>
+              </a:schemeClr>
+            </a:gs>
+            <a:gs pos="100000">
+              <a:schemeClr val="phClr">
+                <a:tint val="15000"/>
+                <a:satMod val="350000"/>
+              </a:schemeClr>
+            </a:gs>
+          </a:gsLst>
+          <a:lin ang="16200000" scaled="1"/>
+        </a:gradFill>
+        <a:gradFill rotWithShape="1">
+          <a:gsLst>
+            <a:gs pos="0">
+              <a:schemeClr val="phClr">
+                <a:tint val="100000"/>
+                <a:shade val="100000"/>
+                <a:satMod val="130000"/>
+              </a:schemeClr>
+            </a:gs>
+            <a:gs pos="100000">
+              <a:schemeClr val="phClr">
+                <a:tint val="50000"/>
+                <a:shade val="100000"/>
+                <a:satMod val="350000"/>
+              </a:schemeClr>
+            </a:gs>
+          </a:gsLst>
+          <a:lin ang="16200000" scaled="0"/>
+        </a:gradFill>
+      </a:fillStyleLst>
+      <a:lnStyleLst>
+        <a:ln w="9525" cap="flat" cmpd="sng" algn="ctr">
+          <a:solidFill>
+            <a:schemeClr val="phClr">
+              <a:shade val="95000"/>
+              <a:satMod val="105000"/>
+            </a:schemeClr>
+          </a:solidFill>
+          <a:prstDash val="solid"/>
+        </a:ln>
+        <a:ln w="25400" cap="flat" cmpd="sng" algn="ctr">
+          <a:solidFill>
+            <a:schemeClr val="phClr"/>
+          </a:solidFill>
+          <a:prstDash val="solid"/>
+        </a:ln>
+        <a:ln w="38100" cap="flat" cmpd="sng" algn="ctr">
+          <a:solidFill>
+            <a:schemeClr val="phClr"/>
+          </a:solidFill>
+          <a:prstDash val="solid"/>
+        </a:ln>
+      </a:lnStyleLst>
+      <a:effectStyleLst>
+        <a:effectStyle>
+          <a:effectLst>
+            <a:outerShdw blurRad="40000" dist="20000" dir="5400000" rotWithShape="0">
+              <a:srgbClr val="000000">
+                <a:alpha val="38000"/>
+              </a:srgbClr>
+            </a:outerShdw>
+          </a:effectLst>
+        </a:effectStyle>
+        <a:effectStyle>
+          <a:effectLst>
+            <a:outerShdw blurRad="40000" dist="23000" dir="5400000" rotWithShape="0">
+              <a:srgbClr val="000000">
+                <a:alpha val="35000"/>
+              </a:srgbClr>
+            </a:outerShdw>
+          </a:effectLst>
+        </a:effectStyle>
+        <a:effectStyle>
+          <a:effectLst>
+            <a:outerShdw blurRad="40000" dist="23000" dir="5400000" rotWithShape="0">
+              <a:srgbClr val="000000">
+                <a:alpha val="35000"/>
+              </a:srgbClr>
+            </a:outerShdw>
+          </a:effectLst>
+          <a:scene3d>
+            <a:camera prst="orthographicFront">
+              <a:rot lat="0" lon="0" rev="0"/>
+            </a:camera>
+            <a:lightRig rig="threePt" dir="t">
+              <a:rot lat="0" lon="0" rev="1200000"/>
+            </a:lightRig>
+          </a:scene3d>
+          <a:sp3d>
+            <a:bevelT w="63500" h="25400"/>
+          </a:sp3d>
+        </a:effectStyle>
+      </a:effectStyleLst>
+      <a:bgFillStyleLst>
+        <a:solidFill>
+          <a:schemeClr val="phClr"/>
+        </a:solidFill>
+        <a:gradFill rotWithShape="1">
+          <a:gsLst>
+            <a:gs pos="0">
+              <a:schemeClr val="phClr">
+                <a:tint val="40000"/>
+                <a:satMod val="350000"/>
+              </a:schemeClr>
+            </a:gs>
+            <a:gs pos="40000">
+              <a:schemeClr val="phClr">
+                <a:tint val="45000"/>
+                <a:shade val="99000"/>
+                <a:satMod val="350000"/>
+              </a:schemeClr>
+            </a:gs>
+            <a:gs pos="100000">
+              <a:schemeClr val="phClr">
+                <a:shade val="20000"/>
+                <a:satMod val="255000"/>
+              </a:schemeClr>
+            </a:gs>
+          </a:gsLst>
+          <a:path path="circle">
+            <a:fillToRect l="50000" t="-80000" r="50000" b="180000"/>
+          </a:path>
+        </a:gradFill>
+        <a:gradFill rotWithShape="1">
+          <a:gsLst>
+            <a:gs pos="0">
+              <a:schemeClr val="phClr">
+                <a:tint val="80000"/>
+                <a:satMod val="300000"/>
+              </a:schemeClr>
+            </a:gs>
+            <a:gs pos="100000">
+              <a:schemeClr val="phClr">
+                <a:shade val="30000"/>
+                <a:satMod val="200000"/>
+              </a:schemeClr>
+            </a:gs>
+          </a:gsLst>
+          <a:path path="circle">
+            <a:fillToRect l="50000" t="50000" r="50000" b="50000"/>
+          </a:path>
+        </a:gradFill>
+      </a:bgFillStyleLst>
+    </a:fmtScheme>
+  </a:themeElements>
+</a:theme>
+</file>
+
+<file path=ppt/theme/theme2.xml><?xml version="1.0" encoding="utf-8"?>
 <a:theme xmlns:a="http://schemas.openxmlformats.org/drawingml/2006/main" xmlns:r="http://schemas.openxmlformats.org/officeDocument/2006/relationships" name="Spearmint">
   <a:themeElements>
     <a:clrScheme name="Spearmint">
@@ -21694,283 +22448,4 @@
     </a:fmtScheme>
   </a:themeElements>
 </a:theme>
-</file>
-
-<file path=ppt/theme/theme2.xml><?xml version="1.0" encoding="utf-8"?>
-<a:theme xmlns:a="http://schemas.openxmlformats.org/drawingml/2006/main" xmlns:r="http://schemas.openxmlformats.org/officeDocument/2006/relationships">
-  <a:themeElements>
-    <a:clrScheme name="Default">
-      <a:dk1>
-        <a:srgbClr val="000000"/>
-      </a:dk1>
-      <a:lt1>
-        <a:srgbClr val="FFFFFF"/>
-      </a:lt1>
-      <a:dk2>
-        <a:srgbClr val="158158"/>
-      </a:dk2>
-      <a:lt2>
-        <a:srgbClr val="F3F3F3"/>
-      </a:lt2>
-      <a:accent1>
-        <a:srgbClr val="058DC7"/>
-      </a:accent1>
-      <a:accent2>
-        <a:srgbClr val="50B432"/>
-      </a:accent2>
-      <a:accent3>
-        <a:srgbClr val="ED561B"/>
-      </a:accent3>
-      <a:accent4>
-        <a:srgbClr val="EDEF00"/>
-      </a:accent4>
-      <a:accent5>
-        <a:srgbClr val="24CBE5"/>
-      </a:accent5>
-      <a:accent6>
-        <a:srgbClr val="64E572"/>
-      </a:accent6>
-      <a:hlink>
-        <a:srgbClr val="2200CC"/>
-      </a:hlink>
-      <a:folHlink>
-        <a:srgbClr val="551A8B"/>
-      </a:folHlink>
-    </a:clrScheme>
-    <a:fontScheme name="Office">
-      <a:majorFont>
-        <a:latin typeface="Arial"/>
-        <a:ea typeface=""/>
-        <a:cs typeface=""/>
-        <a:font script="Jpan" typeface="ＭＳ Ｐゴシック"/>
-        <a:font script="Hang" typeface="맑은 고딕"/>
-        <a:font script="Hans" typeface="宋体"/>
-        <a:font script="Hant" typeface="新細明體"/>
-        <a:font script="Arab" typeface="Times New Roman"/>
-        <a:font script="Hebr" typeface="Times New Roman"/>
-        <a:font script="Thai" typeface="Angsana New"/>
-        <a:font script="Ethi" typeface="Nyala"/>
-        <a:font script="Beng" typeface="Vrinda"/>
-        <a:font script="Gujr" typeface="Shruti"/>
-        <a:font script="Khmr" typeface="MoolBoran"/>
-        <a:font script="Knda" typeface="Tunga"/>
-        <a:font script="Guru" typeface="Raavi"/>
-        <a:font script="Cans" typeface="Euphemia"/>
-        <a:font script="Cher" typeface="Plantagenet Cherokee"/>
-        <a:font script="Yiii" typeface="Microsoft Yi Baiti"/>
-        <a:font script="Tibt" typeface="Microsoft Himalaya"/>
-        <a:font script="Thaa" typeface="MV Boli"/>
-        <a:font script="Deva" typeface="Mangal"/>
-        <a:font script="Telu" typeface="Gautami"/>
-        <a:font script="Taml" typeface="Latha"/>
-        <a:font script="Syrc" typeface="Estrangelo Edessa"/>
-        <a:font script="Orya" typeface="Kalinga"/>
-        <a:font script="Mlym" typeface="Kartika"/>
-        <a:font script="Laoo" typeface="DokChampa"/>
-        <a:font script="Sinh" typeface="Iskoola Pota"/>
-        <a:font script="Mong" typeface="Mongolian Baiti"/>
-        <a:font script="Viet" typeface="Times New Roman"/>
-        <a:font script="Uigh" typeface="Microsoft Uighur"/>
-        <a:font script="Geor" typeface="Sylfaen"/>
-      </a:majorFont>
-      <a:minorFont>
-        <a:latin typeface="Arial"/>
-        <a:ea typeface=""/>
-        <a:cs typeface=""/>
-        <a:font script="Jpan" typeface="ＭＳ Ｐゴシック"/>
-        <a:font script="Hang" typeface="맑은 고딕"/>
-        <a:font script="Hans" typeface="宋体"/>
-        <a:font script="Hant" typeface="新細明體"/>
-        <a:font script="Arab" typeface="Arial"/>
-        <a:font script="Hebr" typeface="Arial"/>
-        <a:font script="Thai" typeface="Cordia New"/>
-        <a:font script="Ethi" typeface="Nyala"/>
-        <a:font script="Beng" typeface="Vrinda"/>
-        <a:font script="Gujr" typeface="Shruti"/>
-        <a:font script="Khmr" typeface="DaunPenh"/>
-        <a:font script="Knda" typeface="Tunga"/>
-        <a:font script="Guru" typeface="Raavi"/>
-        <a:font script="Cans" typeface="Euphemia"/>
-        <a:font script="Cher" typeface="Plantagenet Cherokee"/>
-        <a:font script="Yiii" typeface="Microsoft Yi Baiti"/>
-        <a:font script="Tibt" typeface="Microsoft Himalaya"/>
-        <a:font script="Thaa" typeface="MV Boli"/>
-        <a:font script="Deva" typeface="Mangal"/>
-        <a:font script="Telu" typeface="Gautami"/>
-        <a:font script="Taml" typeface="Latha"/>
-        <a:font script="Syrc" typeface="Estrangelo Edessa"/>
-        <a:font script="Orya" typeface="Kalinga"/>
-        <a:font script="Mlym" typeface="Kartika"/>
-        <a:font script="Laoo" typeface="DokChampa"/>
-        <a:font script="Sinh" typeface="Iskoola Pota"/>
-        <a:font script="Mong" typeface="Mongolian Baiti"/>
-        <a:font script="Viet" typeface="Arial"/>
-        <a:font script="Uigh" typeface="Microsoft Uighur"/>
-        <a:font script="Geor" typeface="Sylfaen"/>
-      </a:minorFont>
-    </a:fontScheme>
-    <a:fmtScheme name="Office">
-      <a:fillStyleLst>
-        <a:solidFill>
-          <a:schemeClr val="phClr"/>
-        </a:solidFill>
-        <a:gradFill rotWithShape="1">
-          <a:gsLst>
-            <a:gs pos="0">
-              <a:schemeClr val="phClr">
-                <a:tint val="50000"/>
-                <a:satMod val="300000"/>
-              </a:schemeClr>
-            </a:gs>
-            <a:gs pos="35000">
-              <a:schemeClr val="phClr">
-                <a:tint val="37000"/>
-                <a:satMod val="300000"/>
-              </a:schemeClr>
-            </a:gs>
-            <a:gs pos="100000">
-              <a:schemeClr val="phClr">
-                <a:tint val="15000"/>
-                <a:satMod val="350000"/>
-              </a:schemeClr>
-            </a:gs>
-          </a:gsLst>
-          <a:lin ang="16200000" scaled="1"/>
-        </a:gradFill>
-        <a:gradFill rotWithShape="1">
-          <a:gsLst>
-            <a:gs pos="0">
-              <a:schemeClr val="phClr">
-                <a:tint val="100000"/>
-                <a:shade val="100000"/>
-                <a:satMod val="130000"/>
-              </a:schemeClr>
-            </a:gs>
-            <a:gs pos="100000">
-              <a:schemeClr val="phClr">
-                <a:tint val="50000"/>
-                <a:shade val="100000"/>
-                <a:satMod val="350000"/>
-              </a:schemeClr>
-            </a:gs>
-          </a:gsLst>
-          <a:lin ang="16200000" scaled="0"/>
-        </a:gradFill>
-      </a:fillStyleLst>
-      <a:lnStyleLst>
-        <a:ln w="9525" cap="flat" cmpd="sng" algn="ctr">
-          <a:solidFill>
-            <a:schemeClr val="phClr">
-              <a:shade val="95000"/>
-              <a:satMod val="105000"/>
-            </a:schemeClr>
-          </a:solidFill>
-          <a:prstDash val="solid"/>
-        </a:ln>
-        <a:ln w="25400" cap="flat" cmpd="sng" algn="ctr">
-          <a:solidFill>
-            <a:schemeClr val="phClr"/>
-          </a:solidFill>
-          <a:prstDash val="solid"/>
-        </a:ln>
-        <a:ln w="38100" cap="flat" cmpd="sng" algn="ctr">
-          <a:solidFill>
-            <a:schemeClr val="phClr"/>
-          </a:solidFill>
-          <a:prstDash val="solid"/>
-        </a:ln>
-      </a:lnStyleLst>
-      <a:effectStyleLst>
-        <a:effectStyle>
-          <a:effectLst>
-            <a:outerShdw blurRad="40000" dist="20000" dir="5400000" rotWithShape="0">
-              <a:srgbClr val="000000">
-                <a:alpha val="38000"/>
-              </a:srgbClr>
-            </a:outerShdw>
-          </a:effectLst>
-        </a:effectStyle>
-        <a:effectStyle>
-          <a:effectLst>
-            <a:outerShdw blurRad="40000" dist="23000" dir="5400000" rotWithShape="0">
-              <a:srgbClr val="000000">
-                <a:alpha val="35000"/>
-              </a:srgbClr>
-            </a:outerShdw>
-          </a:effectLst>
-        </a:effectStyle>
-        <a:effectStyle>
-          <a:effectLst>
-            <a:outerShdw blurRad="40000" dist="23000" dir="5400000" rotWithShape="0">
-              <a:srgbClr val="000000">
-                <a:alpha val="35000"/>
-              </a:srgbClr>
-            </a:outerShdw>
-          </a:effectLst>
-          <a:scene3d>
-            <a:camera prst="orthographicFront">
-              <a:rot lat="0" lon="0" rev="0"/>
-            </a:camera>
-            <a:lightRig rig="threePt" dir="t">
-              <a:rot lat="0" lon="0" rev="1200000"/>
-            </a:lightRig>
-          </a:scene3d>
-          <a:sp3d>
-            <a:bevelT w="63500" h="25400"/>
-          </a:sp3d>
-        </a:effectStyle>
-      </a:effectStyleLst>
-      <a:bgFillStyleLst>
-        <a:solidFill>
-          <a:schemeClr val="phClr"/>
-        </a:solidFill>
-        <a:gradFill rotWithShape="1">
-          <a:gsLst>
-            <a:gs pos="0">
-              <a:schemeClr val="phClr">
-                <a:tint val="40000"/>
-                <a:satMod val="350000"/>
-              </a:schemeClr>
-            </a:gs>
-            <a:gs pos="40000">
-              <a:schemeClr val="phClr">
-                <a:tint val="45000"/>
-                <a:shade val="99000"/>
-                <a:satMod val="350000"/>
-              </a:schemeClr>
-            </a:gs>
-            <a:gs pos="100000">
-              <a:schemeClr val="phClr">
-                <a:shade val="20000"/>
-                <a:satMod val="255000"/>
-              </a:schemeClr>
-            </a:gs>
-          </a:gsLst>
-          <a:path path="circle">
-            <a:fillToRect l="50000" t="-80000" r="50000" b="180000"/>
-          </a:path>
-        </a:gradFill>
-        <a:gradFill rotWithShape="1">
-          <a:gsLst>
-            <a:gs pos="0">
-              <a:schemeClr val="phClr">
-                <a:tint val="80000"/>
-                <a:satMod val="300000"/>
-              </a:schemeClr>
-            </a:gs>
-            <a:gs pos="100000">
-              <a:schemeClr val="phClr">
-                <a:shade val="30000"/>
-                <a:satMod val="200000"/>
-              </a:schemeClr>
-            </a:gs>
-          </a:gsLst>
-          <a:path path="circle">
-            <a:fillToRect l="50000" t="50000" r="50000" b="50000"/>
-          </a:path>
-        </a:gradFill>
-      </a:bgFillStyleLst>
-    </a:fmtScheme>
-  </a:themeElements>
-</a:theme>
 </file>
--- a/Barcode Reader Database.pptx
+++ b/Barcode Reader Database.pptx
@@ -1500,7 +1500,7 @@
   <p:cSld>
     <p:spTree>
       <p:nvGrpSpPr>
-        <p:cNvPr id="344" name="Shape 344"/>
+        <p:cNvPr id="345" name="Shape 345"/>
         <p:cNvGrpSpPr/>
         <p:nvPr/>
       </p:nvGrpSpPr>
@@ -1514,7 +1514,7 @@
       </p:grpSpPr>
       <p:sp>
         <p:nvSpPr>
-          <p:cNvPr id="345" name="Google Shape;345;g9d32a4484b_0_5694:notes"/>
+          <p:cNvPr id="346" name="Google Shape;346;g9d32a4484b_0_5694:notes"/>
           <p:cNvSpPr/>
           <p:nvPr>
             <p:ph idx="2" type="sldImg"/>
@@ -1549,7 +1549,7 @@
       </p:sp>
       <p:sp>
         <p:nvSpPr>
-          <p:cNvPr id="346" name="Google Shape;346;g9d32a4484b_0_5694:notes"/>
+          <p:cNvPr id="347" name="Google Shape;347;g9d32a4484b_0_5694:notes"/>
           <p:cNvSpPr txBox="1"/>
           <p:nvPr>
             <p:ph idx="1" type="body"/>
@@ -20722,8 +20722,8 @@
         </p:blipFill>
         <p:spPr>
           <a:xfrm>
-            <a:off x="2420600" y="0"/>
-            <a:ext cx="6711827" cy="5143498"/>
+            <a:off x="2433200" y="0"/>
+            <a:ext cx="6710803" cy="5143498"/>
           </a:xfrm>
           <a:prstGeom prst="rect">
             <a:avLst/>
@@ -20815,8 +20815,8 @@
         </p:blipFill>
         <p:spPr>
           <a:xfrm>
-            <a:off x="2004575" y="0"/>
-            <a:ext cx="7139423" cy="5143502"/>
+            <a:off x="1979375" y="0"/>
+            <a:ext cx="7164627" cy="5143502"/>
           </a:xfrm>
           <a:prstGeom prst="rect">
             <a:avLst/>
@@ -20900,7 +20900,7 @@
         </p:nvSpPr>
         <p:spPr>
           <a:xfrm>
-            <a:off x="554825" y="1129350"/>
+            <a:off x="185350" y="1129350"/>
             <a:ext cx="2313900" cy="3275400"/>
           </a:xfrm>
           <a:prstGeom prst="rect">
@@ -21220,7 +21220,7 @@
         </p:nvSpPr>
         <p:spPr>
           <a:xfrm>
-            <a:off x="2930250" y="1129350"/>
+            <a:off x="2355475" y="1129350"/>
             <a:ext cx="1872900" cy="3666000"/>
           </a:xfrm>
           <a:prstGeom prst="rect">
@@ -21533,7 +21533,7 @@
         </p:nvSpPr>
         <p:spPr>
           <a:xfrm>
-            <a:off x="5225775" y="1129350"/>
+            <a:off x="4130525" y="1129350"/>
             <a:ext cx="2905500" cy="3666000"/>
           </a:xfrm>
           <a:prstGeom prst="rect">
@@ -21583,7 +21583,15 @@
             </a:pPr>
             <a:r>
               <a:rPr lang="en"/>
-              <a:t>- sh_countryKey   INT</a:t>
+              <a:t>- sh</a:t>
+            </a:r>
+            <a:r>
+              <a:rPr lang="en"/>
+              <a:t>_countryKey </a:t>
+            </a:r>
+            <a:r>
+              <a:rPr lang="en"/>
+              <a:t>  INT</a:t>
             </a:r>
             <a:endParaRPr/>
           </a:p>
@@ -21624,8 +21632,7 @@
               <a:buNone/>
             </a:pPr>
             <a:r>
-              <a:rPr lang="en"/>
-              <a:t>- sh_shippingRateKey INT</a:t>
+              <a:t/>
             </a:r>
             <a:endParaRPr/>
           </a:p>
@@ -21736,8 +21743,7 @@
               <a:buNone/>
             </a:pPr>
             <a:r>
-              <a:rPr lang="en"/>
-              <a:t>City</a:t>
+              <a:t/>
             </a:r>
             <a:endParaRPr/>
           </a:p>
@@ -21756,7 +21762,7 @@
             </a:pPr>
             <a:r>
               <a:rPr lang="en"/>
-              <a:t>- ci_cityKey  INT</a:t>
+              <a:t>City</a:t>
             </a:r>
             <a:endParaRPr/>
           </a:p>
@@ -21775,7 +21781,7 @@
             </a:pPr>
             <a:r>
               <a:rPr lang="en"/>
-              <a:t>- ci_countryKey  INT</a:t>
+              <a:t>- ci_cityKey  INT</a:t>
             </a:r>
             <a:endParaRPr/>
           </a:p>
@@ -21794,6 +21800,25 @@
             </a:pPr>
             <a:r>
               <a:rPr lang="en"/>
+              <a:t>- ci_countryKey  INT</a:t>
+            </a:r>
+            <a:endParaRPr/>
+          </a:p>
+          <a:p>
+            <a:pPr indent="0" lvl="0" marL="0" rtl="0" algn="l">
+              <a:lnSpc>
+                <a:spcPct val="115000"/>
+              </a:lnSpc>
+              <a:spcBef>
+                <a:spcPts val="0"/>
+              </a:spcBef>
+              <a:spcAft>
+                <a:spcPts val="0"/>
+              </a:spcAft>
+              <a:buNone/>
+            </a:pPr>
+            <a:r>
+              <a:rPr lang="en"/>
               <a:t>- ci_name   </a:t>
             </a:r>
             <a:r>
@@ -21804,6 +21829,200 @@
           </a:p>
           <a:p>
             <a:pPr indent="0" lvl="0" marL="0" rtl="0" algn="l">
+              <a:spcBef>
+                <a:spcPts val="0"/>
+              </a:spcBef>
+              <a:spcAft>
+                <a:spcPts val="0"/>
+              </a:spcAft>
+              <a:buNone/>
+            </a:pPr>
+            <a:r>
+              <a:t/>
+            </a:r>
+            <a:endParaRPr/>
+          </a:p>
+        </p:txBody>
+      </p:sp>
+      <p:sp>
+        <p:nvSpPr>
+          <p:cNvPr id="344" name="Google Shape;344;p24"/>
+          <p:cNvSpPr txBox="1"/>
+          <p:nvPr/>
+        </p:nvSpPr>
+        <p:spPr>
+          <a:xfrm>
+            <a:off x="6539575" y="1129350"/>
+            <a:ext cx="2604300" cy="3666000"/>
+          </a:xfrm>
+          <a:prstGeom prst="rect">
+            <a:avLst/>
+          </a:prstGeom>
+          <a:noFill/>
+          <a:ln>
+            <a:noFill/>
+          </a:ln>
+        </p:spPr>
+        <p:txBody>
+          <a:bodyPr anchorCtr="0" anchor="t" bIns="91425" lIns="91425" spcFirstLastPara="1" rIns="91425" wrap="square" tIns="91425">
+            <a:noAutofit/>
+          </a:bodyPr>
+          <a:lstStyle/>
+          <a:p>
+            <a:pPr indent="0" lvl="0" marL="0" rtl="0" algn="l">
+              <a:lnSpc>
+                <a:spcPct val="115000"/>
+              </a:lnSpc>
+              <a:spcBef>
+                <a:spcPts val="0"/>
+              </a:spcBef>
+              <a:spcAft>
+                <a:spcPts val="0"/>
+              </a:spcAft>
+              <a:buNone/>
+            </a:pPr>
+            <a:r>
+              <a:rPr lang="en"/>
+              <a:t>StoreSupp</a:t>
+            </a:r>
+            <a:endParaRPr/>
+          </a:p>
+          <a:p>
+            <a:pPr indent="0" lvl="0" marL="0" rtl="0" algn="l">
+              <a:lnSpc>
+                <a:spcPct val="115000"/>
+              </a:lnSpc>
+              <a:spcBef>
+                <a:spcPts val="0"/>
+              </a:spcBef>
+              <a:spcAft>
+                <a:spcPts val="0"/>
+              </a:spcAft>
+              <a:buNone/>
+            </a:pPr>
+            <a:r>
+              <a:rPr lang="en"/>
+              <a:t>- stu_storeID   INT</a:t>
+            </a:r>
+            <a:endParaRPr/>
+          </a:p>
+          <a:p>
+            <a:pPr indent="0" lvl="0" marL="0" rtl="0" algn="l">
+              <a:lnSpc>
+                <a:spcPct val="115000"/>
+              </a:lnSpc>
+              <a:spcBef>
+                <a:spcPts val="0"/>
+              </a:spcBef>
+              <a:spcAft>
+                <a:spcPts val="0"/>
+              </a:spcAft>
+              <a:buNone/>
+            </a:pPr>
+            <a:r>
+              <a:rPr lang="en"/>
+              <a:t>- stu_suppID INT</a:t>
+            </a:r>
+            <a:endParaRPr/>
+          </a:p>
+          <a:p>
+            <a:pPr indent="0" lvl="0" marL="0" rtl="0" algn="l">
+              <a:lnSpc>
+                <a:spcPct val="115000"/>
+              </a:lnSpc>
+              <a:spcBef>
+                <a:spcPts val="0"/>
+              </a:spcBef>
+              <a:spcAft>
+                <a:spcPts val="0"/>
+              </a:spcAft>
+              <a:buNone/>
+            </a:pPr>
+            <a:r>
+              <a:t/>
+            </a:r>
+            <a:endParaRPr/>
+          </a:p>
+          <a:p>
+            <a:pPr indent="0" lvl="0" marL="0" rtl="0" algn="l">
+              <a:lnSpc>
+                <a:spcPct val="115000"/>
+              </a:lnSpc>
+              <a:spcBef>
+                <a:spcPts val="0"/>
+              </a:spcBef>
+              <a:spcAft>
+                <a:spcPts val="0"/>
+              </a:spcAft>
+              <a:buNone/>
+            </a:pPr>
+            <a:r>
+              <a:rPr lang="en"/>
+              <a:t>ProductCustomer</a:t>
+            </a:r>
+            <a:endParaRPr/>
+          </a:p>
+          <a:p>
+            <a:pPr indent="0" lvl="0" marL="0" rtl="0" algn="l">
+              <a:lnSpc>
+                <a:spcPct val="115000"/>
+              </a:lnSpc>
+              <a:spcBef>
+                <a:spcPts val="0"/>
+              </a:spcBef>
+              <a:spcAft>
+                <a:spcPts val="0"/>
+              </a:spcAft>
+              <a:buNone/>
+            </a:pPr>
+            <a:r>
+              <a:rPr lang="en"/>
+              <a:t>- pc_custID       INT</a:t>
+            </a:r>
+            <a:endParaRPr/>
+          </a:p>
+          <a:p>
+            <a:pPr indent="0" lvl="0" marL="0" rtl="0" algn="l">
+              <a:lnSpc>
+                <a:spcPct val="115000"/>
+              </a:lnSpc>
+              <a:spcBef>
+                <a:spcPts val="0"/>
+              </a:spcBef>
+              <a:spcAft>
+                <a:spcPts val="0"/>
+              </a:spcAft>
+              <a:buNone/>
+            </a:pPr>
+            <a:r>
+              <a:rPr lang="en"/>
+              <a:t>- pc_barcode    INT</a:t>
+            </a:r>
+            <a:endParaRPr/>
+          </a:p>
+          <a:p>
+            <a:pPr indent="0" lvl="0" marL="0" rtl="0" algn="l">
+              <a:lnSpc>
+                <a:spcPct val="115000"/>
+              </a:lnSpc>
+              <a:spcBef>
+                <a:spcPts val="0"/>
+              </a:spcBef>
+              <a:spcAft>
+                <a:spcPts val="0"/>
+              </a:spcAft>
+              <a:buNone/>
+            </a:pPr>
+            <a:r>
+              <a:t/>
+            </a:r>
+            <a:endParaRPr/>
+          </a:p>
+          <a:p>
+            <a:pPr indent="0" lvl="0" marL="0" rtl="0" algn="l">
+              <a:lnSpc>
+                <a:spcPct val="115000"/>
+              </a:lnSpc>
               <a:spcBef>
                 <a:spcPts val="0"/>
               </a:spcBef>
@@ -21832,7 +22051,7 @@
   <p:cSld>
     <p:spTree>
       <p:nvGrpSpPr>
-        <p:cNvPr id="347" name="Shape 347"/>
+        <p:cNvPr id="348" name="Shape 348"/>
         <p:cNvGrpSpPr/>
         <p:nvPr/>
       </p:nvGrpSpPr>
@@ -21846,7 +22065,7 @@
       </p:grpSpPr>
       <p:sp>
         <p:nvSpPr>
-          <p:cNvPr id="348" name="Google Shape;348;p25"/>
+          <p:cNvPr id="349" name="Google Shape;349;p25"/>
           <p:cNvSpPr txBox="1"/>
           <p:nvPr>
             <p:ph type="ctrTitle"/>
@@ -21893,6 +22112,285 @@
 </file>
 
 <file path=ppt/theme/theme1.xml><?xml version="1.0" encoding="utf-8"?>
+<a:theme xmlns:a="http://schemas.openxmlformats.org/drawingml/2006/main" xmlns:r="http://schemas.openxmlformats.org/officeDocument/2006/relationships" name="Spearmint">
+  <a:themeElements>
+    <a:clrScheme name="Spearmint">
+      <a:dk1>
+        <a:srgbClr val="202729"/>
+      </a:dk1>
+      <a:lt1>
+        <a:srgbClr val="FFFFFF"/>
+      </a:lt1>
+      <a:dk2>
+        <a:srgbClr val="4BA173"/>
+      </a:dk2>
+      <a:lt2>
+        <a:srgbClr val="63D297"/>
+      </a:lt2>
+      <a:accent1>
+        <a:srgbClr val="353744"/>
+      </a:accent1>
+      <a:accent2>
+        <a:srgbClr val="424242"/>
+      </a:accent2>
+      <a:accent3>
+        <a:srgbClr val="616161"/>
+      </a:accent3>
+      <a:accent4>
+        <a:srgbClr val="999999"/>
+      </a:accent4>
+      <a:accent5>
+        <a:srgbClr val="FF5252"/>
+      </a:accent5>
+      <a:accent6>
+        <a:srgbClr val="FFF176"/>
+      </a:accent6>
+      <a:hlink>
+        <a:srgbClr val="FF5252"/>
+      </a:hlink>
+      <a:folHlink>
+        <a:srgbClr val="FF5252"/>
+      </a:folHlink>
+    </a:clrScheme>
+    <a:fontScheme name="Office">
+      <a:majorFont>
+        <a:latin typeface="Arial"/>
+        <a:ea typeface=""/>
+        <a:cs typeface=""/>
+        <a:font script="Jpan" typeface="ＭＳ Ｐゴシック"/>
+        <a:font script="Hang" typeface="맑은 고딕"/>
+        <a:font script="Hans" typeface="宋体"/>
+        <a:font script="Hant" typeface="新細明體"/>
+        <a:font script="Arab" typeface="Times New Roman"/>
+        <a:font script="Hebr" typeface="Times New Roman"/>
+        <a:font script="Thai" typeface="Angsana New"/>
+        <a:font script="Ethi" typeface="Nyala"/>
+        <a:font script="Beng" typeface="Vrinda"/>
+        <a:font script="Gujr" typeface="Shruti"/>
+        <a:font script="Khmr" typeface="MoolBoran"/>
+        <a:font script="Knda" typeface="Tunga"/>
+        <a:font script="Guru" typeface="Raavi"/>
+        <a:font script="Cans" typeface="Euphemia"/>
+        <a:font script="Cher" typeface="Plantagenet Cherokee"/>
+        <a:font script="Yiii" typeface="Microsoft Yi Baiti"/>
+        <a:font script="Tibt" typeface="Microsoft Himalaya"/>
+        <a:font script="Thaa" typeface="MV Boli"/>
+        <a:font script="Deva" typeface="Mangal"/>
+        <a:font script="Telu" typeface="Gautami"/>
+        <a:font script="Taml" typeface="Latha"/>
+        <a:font script="Syrc" typeface="Estrangelo Edessa"/>
+        <a:font script="Orya" typeface="Kalinga"/>
+        <a:font script="Mlym" typeface="Kartika"/>
+        <a:font script="Laoo" typeface="DokChampa"/>
+        <a:font script="Sinh" typeface="Iskoola Pota"/>
+        <a:font script="Mong" typeface="Mongolian Baiti"/>
+        <a:font script="Viet" typeface="Times New Roman"/>
+        <a:font script="Uigh" typeface="Microsoft Uighur"/>
+        <a:font script="Geor" typeface="Sylfaen"/>
+      </a:majorFont>
+      <a:minorFont>
+        <a:latin typeface="Arial"/>
+        <a:ea typeface=""/>
+        <a:cs typeface=""/>
+        <a:font script="Jpan" typeface="ＭＳ Ｐゴシック"/>
+        <a:font script="Hang" typeface="맑은 고딕"/>
+        <a:font script="Hans" typeface="宋体"/>
+        <a:font script="Hant" typeface="新細明體"/>
+        <a:font script="Arab" typeface="Arial"/>
+        <a:font script="Hebr" typeface="Arial"/>
+        <a:font script="Thai" typeface="Cordia New"/>
+        <a:font script="Ethi" typeface="Nyala"/>
+        <a:font script="Beng" typeface="Vrinda"/>
+        <a:font script="Gujr" typeface="Shruti"/>
+        <a:font script="Khmr" typeface="DaunPenh"/>
+        <a:font script="Knda" typeface="Tunga"/>
+        <a:font script="Guru" typeface="Raavi"/>
+        <a:font script="Cans" typeface="Euphemia"/>
+        <a:font script="Cher" typeface="Plantagenet Cherokee"/>
+        <a:font script="Yiii" typeface="Microsoft Yi Baiti"/>
+        <a:font script="Tibt" typeface="Microsoft Himalaya"/>
+        <a:font script="Thaa" typeface="MV Boli"/>
+        <a:font script="Deva" typeface="Mangal"/>
+        <a:font script="Telu" typeface="Gautami"/>
+        <a:font script="Taml" typeface="Latha"/>
+        <a:font script="Syrc" typeface="Estrangelo Edessa"/>
+        <a:font script="Orya" typeface="Kalinga"/>
+        <a:font script="Mlym" typeface="Kartika"/>
+        <a:font script="Laoo" typeface="DokChampa"/>
+        <a:font script="Sinh" typeface="Iskoola Pota"/>
+        <a:font script="Mong" typeface="Mongolian Baiti"/>
+        <a:font script="Viet" typeface="Arial"/>
+        <a:font script="Uigh" typeface="Microsoft Uighur"/>
+        <a:font script="Geor" typeface="Sylfaen"/>
+      </a:minorFont>
+    </a:fontScheme>
+    <a:fmtScheme name="Office">
+      <a:fillStyleLst>
+        <a:solidFill>
+          <a:schemeClr val="phClr"/>
+        </a:solidFill>
+        <a:gradFill rotWithShape="1">
+          <a:gsLst>
+            <a:gs pos="0">
+              <a:schemeClr val="phClr">
+                <a:tint val="50000"/>
+                <a:satMod val="300000"/>
+              </a:schemeClr>
+            </a:gs>
+            <a:gs pos="35000">
+              <a:schemeClr val="phClr">
+                <a:tint val="37000"/>
+                <a:satMod val="300000"/>
+              </a:schemeClr>
+            </a:gs>
+            <a:gs pos="100000">
+              <a:schemeClr val="phClr">
+                <a:tint val="15000"/>
+                <a:satMod val="350000"/>
+              </a:schemeClr>
+            </a:gs>
+          </a:gsLst>
+          <a:lin ang="16200000" scaled="1"/>
+        </a:gradFill>
+        <a:gradFill rotWithShape="1">
+          <a:gsLst>
+            <a:gs pos="0">
+              <a:schemeClr val="phClr">
+                <a:tint val="100000"/>
+                <a:shade val="100000"/>
+                <a:satMod val="130000"/>
+              </a:schemeClr>
+            </a:gs>
+            <a:gs pos="100000">
+              <a:schemeClr val="phClr">
+                <a:tint val="50000"/>
+                <a:shade val="100000"/>
+                <a:satMod val="350000"/>
+              </a:schemeClr>
+            </a:gs>
+          </a:gsLst>
+          <a:lin ang="16200000" scaled="0"/>
+        </a:gradFill>
+      </a:fillStyleLst>
+      <a:lnStyleLst>
+        <a:ln w="9525" cap="flat" cmpd="sng" algn="ctr">
+          <a:solidFill>
+            <a:schemeClr val="phClr">
+              <a:shade val="95000"/>
+              <a:satMod val="105000"/>
+            </a:schemeClr>
+          </a:solidFill>
+          <a:prstDash val="solid"/>
+        </a:ln>
+        <a:ln w="25400" cap="flat" cmpd="sng" algn="ctr">
+          <a:solidFill>
+            <a:schemeClr val="phClr"/>
+          </a:solidFill>
+          <a:prstDash val="solid"/>
+        </a:ln>
+        <a:ln w="38100" cap="flat" cmpd="sng" algn="ctr">
+          <a:solidFill>
+            <a:schemeClr val="phClr"/>
+          </a:solidFill>
+          <a:prstDash val="solid"/>
+        </a:ln>
+      </a:lnStyleLst>
+      <a:effectStyleLst>
+        <a:effectStyle>
+          <a:effectLst>
+            <a:outerShdw blurRad="40000" dist="20000" dir="5400000" rotWithShape="0">
+              <a:srgbClr val="000000">
+                <a:alpha val="38000"/>
+              </a:srgbClr>
+            </a:outerShdw>
+          </a:effectLst>
+        </a:effectStyle>
+        <a:effectStyle>
+          <a:effectLst>
+            <a:outerShdw blurRad="40000" dist="23000" dir="5400000" rotWithShape="0">
+              <a:srgbClr val="000000">
+                <a:alpha val="35000"/>
+              </a:srgbClr>
+            </a:outerShdw>
+          </a:effectLst>
+        </a:effectStyle>
+        <a:effectStyle>
+          <a:effectLst>
+            <a:outerShdw blurRad="40000" dist="23000" dir="5400000" rotWithShape="0">
+              <a:srgbClr val="000000">
+                <a:alpha val="35000"/>
+              </a:srgbClr>
+            </a:outerShdw>
+          </a:effectLst>
+          <a:scene3d>
+            <a:camera prst="orthographicFront">
+              <a:rot lat="0" lon="0" rev="0"/>
+            </a:camera>
+            <a:lightRig rig="threePt" dir="t">
+              <a:rot lat="0" lon="0" rev="1200000"/>
+            </a:lightRig>
+          </a:scene3d>
+          <a:sp3d>
+            <a:bevelT w="63500" h="25400"/>
+          </a:sp3d>
+        </a:effectStyle>
+      </a:effectStyleLst>
+      <a:bgFillStyleLst>
+        <a:solidFill>
+          <a:schemeClr val="phClr"/>
+        </a:solidFill>
+        <a:gradFill rotWithShape="1">
+          <a:gsLst>
+            <a:gs pos="0">
+              <a:schemeClr val="phClr">
+                <a:tint val="40000"/>
+                <a:satMod val="350000"/>
+              </a:schemeClr>
+            </a:gs>
+            <a:gs pos="40000">
+              <a:schemeClr val="phClr">
+                <a:tint val="45000"/>
+                <a:shade val="99000"/>
+                <a:satMod val="350000"/>
+              </a:schemeClr>
+            </a:gs>
+            <a:gs pos="100000">
+              <a:schemeClr val="phClr">
+                <a:shade val="20000"/>
+                <a:satMod val="255000"/>
+              </a:schemeClr>
+            </a:gs>
+          </a:gsLst>
+          <a:path path="circle">
+            <a:fillToRect l="50000" t="-80000" r="50000" b="180000"/>
+          </a:path>
+        </a:gradFill>
+        <a:gradFill rotWithShape="1">
+          <a:gsLst>
+            <a:gs pos="0">
+              <a:schemeClr val="phClr">
+                <a:tint val="80000"/>
+                <a:satMod val="300000"/>
+              </a:schemeClr>
+            </a:gs>
+            <a:gs pos="100000">
+              <a:schemeClr val="phClr">
+                <a:shade val="30000"/>
+                <a:satMod val="200000"/>
+              </a:schemeClr>
+            </a:gs>
+          </a:gsLst>
+          <a:path path="circle">
+            <a:fillToRect l="50000" t="50000" r="50000" b="50000"/>
+          </a:path>
+        </a:gradFill>
+      </a:bgFillStyleLst>
+    </a:fmtScheme>
+  </a:themeElements>
+</a:theme>
+</file>
+
+<file path=ppt/theme/theme2.xml><?xml version="1.0" encoding="utf-8"?>
 <a:theme xmlns:a="http://schemas.openxmlformats.org/drawingml/2006/main" xmlns:r="http://schemas.openxmlformats.org/officeDocument/2006/relationships">
   <a:themeElements>
     <a:clrScheme name="Default">
@@ -22169,283 +22667,4 @@
     </a:fmtScheme>
   </a:themeElements>
 </a:theme>
-</file>
-
-<file path=ppt/theme/theme2.xml><?xml version="1.0" encoding="utf-8"?>
-<a:theme xmlns:a="http://schemas.openxmlformats.org/drawingml/2006/main" xmlns:r="http://schemas.openxmlformats.org/officeDocument/2006/relationships" name="Spearmint">
-  <a:themeElements>
-    <a:clrScheme name="Spearmint">
-      <a:dk1>
-        <a:srgbClr val="202729"/>
-      </a:dk1>
-      <a:lt1>
-        <a:srgbClr val="FFFFFF"/>
-      </a:lt1>
-      <a:dk2>
-        <a:srgbClr val="4BA173"/>
-      </a:dk2>
-      <a:lt2>
-        <a:srgbClr val="63D297"/>
-      </a:lt2>
-      <a:accent1>
-        <a:srgbClr val="353744"/>
-      </a:accent1>
-      <a:accent2>
-        <a:srgbClr val="424242"/>
-      </a:accent2>
-      <a:accent3>
-        <a:srgbClr val="616161"/>
-      </a:accent3>
-      <a:accent4>
-        <a:srgbClr val="999999"/>
-      </a:accent4>
-      <a:accent5>
-        <a:srgbClr val="FF5252"/>
-      </a:accent5>
-      <a:accent6>
-        <a:srgbClr val="FFF176"/>
-      </a:accent6>
-      <a:hlink>
-        <a:srgbClr val="FF5252"/>
-      </a:hlink>
-      <a:folHlink>
-        <a:srgbClr val="FF5252"/>
-      </a:folHlink>
-    </a:clrScheme>
-    <a:fontScheme name="Office">
-      <a:majorFont>
-        <a:latin typeface="Arial"/>
-        <a:ea typeface=""/>
-        <a:cs typeface=""/>
-        <a:font script="Jpan" typeface="ＭＳ Ｐゴシック"/>
-        <a:font script="Hang" typeface="맑은 고딕"/>
-        <a:font script="Hans" typeface="宋体"/>
-        <a:font script="Hant" typeface="新細明體"/>
-        <a:font script="Arab" typeface="Times New Roman"/>
-        <a:font script="Hebr" typeface="Times New Roman"/>
-        <a:font script="Thai" typeface="Angsana New"/>
-        <a:font script="Ethi" typeface="Nyala"/>
-        <a:font script="Beng" typeface="Vrinda"/>
-        <a:font script="Gujr" typeface="Shruti"/>
-        <a:font script="Khmr" typeface="MoolBoran"/>
-        <a:font script="Knda" typeface="Tunga"/>
-        <a:font script="Guru" typeface="Raavi"/>
-        <a:font script="Cans" typeface="Euphemia"/>
-        <a:font script="Cher" typeface="Plantagenet Cherokee"/>
-        <a:font script="Yiii" typeface="Microsoft Yi Baiti"/>
-        <a:font script="Tibt" typeface="Microsoft Himalaya"/>
-        <a:font script="Thaa" typeface="MV Boli"/>
-        <a:font script="Deva" typeface="Mangal"/>
-        <a:font script="Telu" typeface="Gautami"/>
-        <a:font script="Taml" typeface="Latha"/>
-        <a:font script="Syrc" typeface="Estrangelo Edessa"/>
-        <a:font script="Orya" typeface="Kalinga"/>
-        <a:font script="Mlym" typeface="Kartika"/>
-        <a:font script="Laoo" typeface="DokChampa"/>
-        <a:font script="Sinh" typeface="Iskoola Pota"/>
-        <a:font script="Mong" typeface="Mongolian Baiti"/>
-        <a:font script="Viet" typeface="Times New Roman"/>
-        <a:font script="Uigh" typeface="Microsoft Uighur"/>
-        <a:font script="Geor" typeface="Sylfaen"/>
-      </a:majorFont>
-      <a:minorFont>
-        <a:latin typeface="Arial"/>
-        <a:ea typeface=""/>
-        <a:cs typeface=""/>
-        <a:font script="Jpan" typeface="ＭＳ Ｐゴシック"/>
-        <a:font script="Hang" typeface="맑은 고딕"/>
-        <a:font script="Hans" typeface="宋体"/>
-        <a:font script="Hant" typeface="新細明體"/>
-        <a:font script="Arab" typeface="Arial"/>
-        <a:font script="Hebr" typeface="Arial"/>
-        <a:font script="Thai" typeface="Cordia New"/>
-        <a:font script="Ethi" typeface="Nyala"/>
-        <a:font script="Beng" typeface="Vrinda"/>
-        <a:font script="Gujr" typeface="Shruti"/>
-        <a:font script="Khmr" typeface="DaunPenh"/>
-        <a:font script="Knda" typeface="Tunga"/>
-        <a:font script="Guru" typeface="Raavi"/>
-        <a:font script="Cans" typeface="Euphemia"/>
-        <a:font script="Cher" typeface="Plantagenet Cherokee"/>
-        <a:font script="Yiii" typeface="Microsoft Yi Baiti"/>
-        <a:font script="Tibt" typeface="Microsoft Himalaya"/>
-        <a:font script="Thaa" typeface="MV Boli"/>
-        <a:font script="Deva" typeface="Mangal"/>
-        <a:font script="Telu" typeface="Gautami"/>
-        <a:font script="Taml" typeface="Latha"/>
-        <a:font script="Syrc" typeface="Estrangelo Edessa"/>
-        <a:font script="Orya" typeface="Kalinga"/>
-        <a:font script="Mlym" typeface="Kartika"/>
-        <a:font script="Laoo" typeface="DokChampa"/>
-        <a:font script="Sinh" typeface="Iskoola Pota"/>
-        <a:font script="Mong" typeface="Mongolian Baiti"/>
-        <a:font script="Viet" typeface="Arial"/>
-        <a:font script="Uigh" typeface="Microsoft Uighur"/>
-        <a:font script="Geor" typeface="Sylfaen"/>
-      </a:minorFont>
-    </a:fontScheme>
-    <a:fmtScheme name="Office">
-      <a:fillStyleLst>
-        <a:solidFill>
-          <a:schemeClr val="phClr"/>
-        </a:solidFill>
-        <a:gradFill rotWithShape="1">
-          <a:gsLst>
-            <a:gs pos="0">
-              <a:schemeClr val="phClr">
-                <a:tint val="50000"/>
-                <a:satMod val="300000"/>
-              </a:schemeClr>
-            </a:gs>
-            <a:gs pos="35000">
-              <a:schemeClr val="phClr">
-                <a:tint val="37000"/>
-                <a:satMod val="300000"/>
-              </a:schemeClr>
-            </a:gs>
-            <a:gs pos="100000">
-              <a:schemeClr val="phClr">
-                <a:tint val="15000"/>
-                <a:satMod val="350000"/>
-              </a:schemeClr>
-            </a:gs>
-          </a:gsLst>
-          <a:lin ang="16200000" scaled="1"/>
-        </a:gradFill>
-        <a:gradFill rotWithShape="1">
-          <a:gsLst>
-            <a:gs pos="0">
-              <a:schemeClr val="phClr">
-                <a:tint val="100000"/>
-                <a:shade val="100000"/>
-                <a:satMod val="130000"/>
-              </a:schemeClr>
-            </a:gs>
-            <a:gs pos="100000">
-              <a:schemeClr val="phClr">
-                <a:tint val="50000"/>
-                <a:shade val="100000"/>
-                <a:satMod val="350000"/>
-              </a:schemeClr>
-            </a:gs>
-          </a:gsLst>
-          <a:lin ang="16200000" scaled="0"/>
-        </a:gradFill>
-      </a:fillStyleLst>
-      <a:lnStyleLst>
-        <a:ln w="9525" cap="flat" cmpd="sng" algn="ctr">
-          <a:solidFill>
-            <a:schemeClr val="phClr">
-              <a:shade val="95000"/>
-              <a:satMod val="105000"/>
-            </a:schemeClr>
-          </a:solidFill>
-          <a:prstDash val="solid"/>
-        </a:ln>
-        <a:ln w="25400" cap="flat" cmpd="sng" algn="ctr">
-          <a:solidFill>
-            <a:schemeClr val="phClr"/>
-          </a:solidFill>
-          <a:prstDash val="solid"/>
-        </a:ln>
-        <a:ln w="38100" cap="flat" cmpd="sng" algn="ctr">
-          <a:solidFill>
-            <a:schemeClr val="phClr"/>
-          </a:solidFill>
-          <a:prstDash val="solid"/>
-        </a:ln>
-      </a:lnStyleLst>
-      <a:effectStyleLst>
-        <a:effectStyle>
-          <a:effectLst>
-            <a:outerShdw blurRad="40000" dist="20000" dir="5400000" rotWithShape="0">
-              <a:srgbClr val="000000">
-                <a:alpha val="38000"/>
-              </a:srgbClr>
-            </a:outerShdw>
-          </a:effectLst>
-        </a:effectStyle>
-        <a:effectStyle>
-          <a:effectLst>
-            <a:outerShdw blurRad="40000" dist="23000" dir="5400000" rotWithShape="0">
-              <a:srgbClr val="000000">
-                <a:alpha val="35000"/>
-              </a:srgbClr>
-            </a:outerShdw>
-          </a:effectLst>
-        </a:effectStyle>
-        <a:effectStyle>
-          <a:effectLst>
-            <a:outerShdw blurRad="40000" dist="23000" dir="5400000" rotWithShape="0">
-              <a:srgbClr val="000000">
-                <a:alpha val="35000"/>
-              </a:srgbClr>
-            </a:outerShdw>
-          </a:effectLst>
-          <a:scene3d>
-            <a:camera prst="orthographicFront">
-              <a:rot lat="0" lon="0" rev="0"/>
-            </a:camera>
-            <a:lightRig rig="threePt" dir="t">
-              <a:rot lat="0" lon="0" rev="1200000"/>
-            </a:lightRig>
-          </a:scene3d>
-          <a:sp3d>
-            <a:bevelT w="63500" h="25400"/>
-          </a:sp3d>
-        </a:effectStyle>
-      </a:effectStyleLst>
-      <a:bgFillStyleLst>
-        <a:solidFill>
-          <a:schemeClr val="phClr"/>
-        </a:solidFill>
-        <a:gradFill rotWithShape="1">
-          <a:gsLst>
-            <a:gs pos="0">
-              <a:schemeClr val="phClr">
-                <a:tint val="40000"/>
-                <a:satMod val="350000"/>
-              </a:schemeClr>
-            </a:gs>
-            <a:gs pos="40000">
-              <a:schemeClr val="phClr">
-                <a:tint val="45000"/>
-                <a:shade val="99000"/>
-                <a:satMod val="350000"/>
-              </a:schemeClr>
-            </a:gs>
-            <a:gs pos="100000">
-              <a:schemeClr val="phClr">
-                <a:shade val="20000"/>
-                <a:satMod val="255000"/>
-              </a:schemeClr>
-            </a:gs>
-          </a:gsLst>
-          <a:path path="circle">
-            <a:fillToRect l="50000" t="-80000" r="50000" b="180000"/>
-          </a:path>
-        </a:gradFill>
-        <a:gradFill rotWithShape="1">
-          <a:gsLst>
-            <a:gs pos="0">
-              <a:schemeClr val="phClr">
-                <a:tint val="80000"/>
-                <a:satMod val="300000"/>
-              </a:schemeClr>
-            </a:gs>
-            <a:gs pos="100000">
-              <a:schemeClr val="phClr">
-                <a:shade val="30000"/>
-                <a:satMod val="200000"/>
-              </a:schemeClr>
-            </a:gs>
-          </a:gsLst>
-          <a:path path="circle">
-            <a:fillToRect l="50000" t="50000" r="50000" b="50000"/>
-          </a:path>
-        </a:gradFill>
-      </a:bgFillStyleLst>
-    </a:fmtScheme>
-  </a:themeElements>
-</a:theme>
 </file>
--- a/Barcode Reader Database.pptx
+++ b/Barcode Reader Database.pptx
@@ -20722,8 +20722,8 @@
         </p:blipFill>
         <p:spPr>
           <a:xfrm>
-            <a:off x="2433200" y="0"/>
-            <a:ext cx="6710803" cy="5143498"/>
+            <a:off x="2437650" y="0"/>
+            <a:ext cx="6706349" cy="5143498"/>
           </a:xfrm>
           <a:prstGeom prst="rect">
             <a:avLst/>
